--- a/기획 발표.pptx
+++ b/기획 발표.pptx
@@ -139,2340 +139,6 @@
 
 <file path=ppt/changesInfos/changesInfo1.xml><?xml version="1.0" encoding="utf-8"?>
 <pc:chgInfo xmlns:a="http://schemas.openxmlformats.org/drawingml/2006/main" xmlns:r="http://schemas.openxmlformats.org/officeDocument/2006/relationships" xmlns:ac="http://schemas.microsoft.com/office/drawing/2013/main/command" xmlns:pc="http://schemas.microsoft.com/office/powerpoint/2013/main/command">
-  <pc:docChgLst>
-    <pc:chgData name="김영찬" userId="a81591f0-1a4d-4c10-b0d3-35a306720c09" providerId="ADAL" clId="{3222EEAA-C4D3-4163-9871-70D3B67B13F5}"/>
-    <pc:docChg chg="undo custSel addSld delSld modSld sldOrd">
-      <pc:chgData name="김영찬" userId="a81591f0-1a4d-4c10-b0d3-35a306720c09" providerId="ADAL" clId="{3222EEAA-C4D3-4163-9871-70D3B67B13F5}" dt="2019-04-28T16:27:50.859" v="4320" actId="14100"/>
-      <pc:docMkLst>
-        <pc:docMk/>
-      </pc:docMkLst>
-    </pc:docChg>
-  </pc:docChgLst>
-  <pc:docChgLst>
-    <pc:chgData name="김영찬" userId="a81591f0-1a4d-4c10-b0d3-35a306720c09" providerId="ADAL" clId="{8C5D3337-9A92-4731-953F-24DDF54DD1A0}"/>
-    <pc:docChg chg="undo custSel addSld delSld modSld sldOrd modMainMaster">
-      <pc:chgData name="김영찬" userId="a81591f0-1a4d-4c10-b0d3-35a306720c09" providerId="ADAL" clId="{8C5D3337-9A92-4731-953F-24DDF54DD1A0}" dt="2019-05-10T18:15:54.420" v="8108" actId="14100"/>
-      <pc:docMkLst>
-        <pc:docMk/>
-      </pc:docMkLst>
-      <pc:sldChg chg="addSp delSp modSp add">
-        <pc:chgData name="김영찬" userId="a81591f0-1a4d-4c10-b0d3-35a306720c09" providerId="ADAL" clId="{8C5D3337-9A92-4731-953F-24DDF54DD1A0}" dt="2019-05-10T18:09:12.239" v="7934" actId="20577"/>
-        <pc:sldMkLst>
-          <pc:docMk/>
-          <pc:sldMk cId="3255533136" sldId="256"/>
-        </pc:sldMkLst>
-        <pc:spChg chg="mod">
-          <ac:chgData name="김영찬" userId="a81591f0-1a4d-4c10-b0d3-35a306720c09" providerId="ADAL" clId="{8C5D3337-9A92-4731-953F-24DDF54DD1A0}" dt="2019-05-10T18:09:12.239" v="7934" actId="20577"/>
-          <ac:spMkLst>
-            <pc:docMk/>
-            <pc:sldMk cId="3255533136" sldId="256"/>
-            <ac:spMk id="2" creationId="{C886721D-0E80-4306-9F4C-3FAA6FE50BE6}"/>
-          </ac:spMkLst>
-        </pc:spChg>
-        <pc:spChg chg="mod">
-          <ac:chgData name="김영찬" userId="a81591f0-1a4d-4c10-b0d3-35a306720c09" providerId="ADAL" clId="{8C5D3337-9A92-4731-953F-24DDF54DD1A0}" dt="2019-05-10T14:09:51.875" v="325" actId="1076"/>
-          <ac:spMkLst>
-            <pc:docMk/>
-            <pc:sldMk cId="3255533136" sldId="256"/>
-            <ac:spMk id="3" creationId="{5279AEC1-18E8-4C9F-8773-AAFA38626513}"/>
-          </ac:spMkLst>
-        </pc:spChg>
-        <pc:spChg chg="add mod">
-          <ac:chgData name="김영찬" userId="a81591f0-1a4d-4c10-b0d3-35a306720c09" providerId="ADAL" clId="{8C5D3337-9A92-4731-953F-24DDF54DD1A0}" dt="2019-05-10T14:10:42.674" v="338" actId="1076"/>
-          <ac:spMkLst>
-            <pc:docMk/>
-            <pc:sldMk cId="3255533136" sldId="256"/>
-            <ac:spMk id="4" creationId="{1FF4FCEB-3B51-4A16-94C0-C1822123B3AB}"/>
-          </ac:spMkLst>
-        </pc:spChg>
-        <pc:spChg chg="add del mod ord">
-          <ac:chgData name="김영찬" userId="a81591f0-1a4d-4c10-b0d3-35a306720c09" providerId="ADAL" clId="{8C5D3337-9A92-4731-953F-24DDF54DD1A0}" dt="2019-05-10T14:09:54.869" v="326" actId="14100"/>
-          <ac:spMkLst>
-            <pc:docMk/>
-            <pc:sldMk cId="3255533136" sldId="256"/>
-            <ac:spMk id="7" creationId="{D4259DC5-4748-4417-B4DE-648A0E6ABBEE}"/>
-          </ac:spMkLst>
-        </pc:spChg>
-        <pc:spChg chg="add mod ord">
-          <ac:chgData name="김영찬" userId="a81591f0-1a4d-4c10-b0d3-35a306720c09" providerId="ADAL" clId="{8C5D3337-9A92-4731-953F-24DDF54DD1A0}" dt="2019-05-10T14:11:04.855" v="343" actId="207"/>
-          <ac:spMkLst>
-            <pc:docMk/>
-            <pc:sldMk cId="3255533136" sldId="256"/>
-            <ac:spMk id="8" creationId="{DF59E88B-A0BA-4B65-A6EE-9D61823FC220}"/>
-          </ac:spMkLst>
-        </pc:spChg>
-        <pc:picChg chg="add mod ord">
-          <ac:chgData name="김영찬" userId="a81591f0-1a4d-4c10-b0d3-35a306720c09" providerId="ADAL" clId="{8C5D3337-9A92-4731-953F-24DDF54DD1A0}" dt="2019-05-10T14:11:12.279" v="344" actId="14100"/>
-          <ac:picMkLst>
-            <pc:docMk/>
-            <pc:sldMk cId="3255533136" sldId="256"/>
-            <ac:picMk id="6" creationId="{F242EE51-85CB-4E9E-88B8-8EAC726D02B5}"/>
-          </ac:picMkLst>
-        </pc:picChg>
-      </pc:sldChg>
-      <pc:sldChg chg="addSp delSp modSp add">
-        <pc:chgData name="김영찬" userId="a81591f0-1a4d-4c10-b0d3-35a306720c09" providerId="ADAL" clId="{8C5D3337-9A92-4731-953F-24DDF54DD1A0}" dt="2019-05-10T18:09:36.878" v="7936" actId="404"/>
-        <pc:sldMkLst>
-          <pc:docMk/>
-          <pc:sldMk cId="2387132198" sldId="257"/>
-        </pc:sldMkLst>
-        <pc:spChg chg="mod">
-          <ac:chgData name="김영찬" userId="a81591f0-1a4d-4c10-b0d3-35a306720c09" providerId="ADAL" clId="{8C5D3337-9A92-4731-953F-24DDF54DD1A0}" dt="2019-05-10T14:29:52.710" v="1548" actId="6549"/>
-          <ac:spMkLst>
-            <pc:docMk/>
-            <pc:sldMk cId="2387132198" sldId="257"/>
-            <ac:spMk id="2" creationId="{A77E3DE9-FEF8-4AD0-A33E-2204770C5B12}"/>
-          </ac:spMkLst>
-        </pc:spChg>
-        <pc:spChg chg="mod">
-          <ac:chgData name="김영찬" userId="a81591f0-1a4d-4c10-b0d3-35a306720c09" providerId="ADAL" clId="{8C5D3337-9A92-4731-953F-24DDF54DD1A0}" dt="2019-05-10T18:09:36.878" v="7936" actId="404"/>
-          <ac:spMkLst>
-            <pc:docMk/>
-            <pc:sldMk cId="2387132198" sldId="257"/>
-            <ac:spMk id="3" creationId="{2F10FFEF-6EBC-4F35-8045-AAF79FB8D1A3}"/>
-          </ac:spMkLst>
-        </pc:spChg>
-        <pc:spChg chg="del">
-          <ac:chgData name="김영찬" userId="a81591f0-1a4d-4c10-b0d3-35a306720c09" providerId="ADAL" clId="{8C5D3337-9A92-4731-953F-24DDF54DD1A0}" dt="2019-05-10T14:54:15.708" v="3443"/>
-          <ac:spMkLst>
-            <pc:docMk/>
-            <pc:sldMk cId="2387132198" sldId="257"/>
-            <ac:spMk id="5" creationId="{10A04B73-15DC-4760-8E81-1BFE13F53046}"/>
-          </ac:spMkLst>
-        </pc:spChg>
-        <pc:spChg chg="del">
-          <ac:chgData name="김영찬" userId="a81591f0-1a4d-4c10-b0d3-35a306720c09" providerId="ADAL" clId="{8C5D3337-9A92-4731-953F-24DDF54DD1A0}" dt="2019-05-10T14:54:15.708" v="3443"/>
-          <ac:spMkLst>
-            <pc:docMk/>
-            <pc:sldMk cId="2387132198" sldId="257"/>
-            <ac:spMk id="6" creationId="{0F0EF6F7-E98C-42D2-8735-8B93E44AFEF6}"/>
-          </ac:spMkLst>
-        </pc:spChg>
-        <pc:spChg chg="add mod">
-          <ac:chgData name="김영찬" userId="a81591f0-1a4d-4c10-b0d3-35a306720c09" providerId="ADAL" clId="{8C5D3337-9A92-4731-953F-24DDF54DD1A0}" dt="2019-05-10T14:54:15.708" v="3443"/>
-          <ac:spMkLst>
-            <pc:docMk/>
-            <pc:sldMk cId="2387132198" sldId="257"/>
-            <ac:spMk id="7" creationId="{3C842D26-98FE-41E5-97C5-9C024FE7CD9B}"/>
-          </ac:spMkLst>
-        </pc:spChg>
-        <pc:spChg chg="add mod">
-          <ac:chgData name="김영찬" userId="a81591f0-1a4d-4c10-b0d3-35a306720c09" providerId="ADAL" clId="{8C5D3337-9A92-4731-953F-24DDF54DD1A0}" dt="2019-05-10T14:54:15.708" v="3443"/>
-          <ac:spMkLst>
-            <pc:docMk/>
-            <pc:sldMk cId="2387132198" sldId="257"/>
-            <ac:spMk id="8" creationId="{214CD29B-AB5C-4BA5-B4F5-96939971FB00}"/>
-          </ac:spMkLst>
-        </pc:spChg>
-        <pc:picChg chg="add mod">
-          <ac:chgData name="김영찬" userId="a81591f0-1a4d-4c10-b0d3-35a306720c09" providerId="ADAL" clId="{8C5D3337-9A92-4731-953F-24DDF54DD1A0}" dt="2019-05-10T15:35:18.158" v="3627" actId="1076"/>
-          <ac:picMkLst>
-            <pc:docMk/>
-            <pc:sldMk cId="2387132198" sldId="257"/>
-            <ac:picMk id="10" creationId="{CE940992-62A6-452F-AF78-4571619E3A1B}"/>
-          </ac:picMkLst>
-        </pc:picChg>
-      </pc:sldChg>
-      <pc:sldChg chg="addSp delSp modSp add">
-        <pc:chgData name="김영찬" userId="a81591f0-1a4d-4c10-b0d3-35a306720c09" providerId="ADAL" clId="{8C5D3337-9A92-4731-953F-24DDF54DD1A0}" dt="2019-05-10T15:37:43.257" v="3668" actId="1076"/>
-        <pc:sldMkLst>
-          <pc:docMk/>
-          <pc:sldMk cId="856022315" sldId="258"/>
-        </pc:sldMkLst>
-        <pc:spChg chg="mod">
-          <ac:chgData name="김영찬" userId="a81591f0-1a4d-4c10-b0d3-35a306720c09" providerId="ADAL" clId="{8C5D3337-9A92-4731-953F-24DDF54DD1A0}" dt="2019-05-10T14:29:45.696" v="1547"/>
-          <ac:spMkLst>
-            <pc:docMk/>
-            <pc:sldMk cId="856022315" sldId="258"/>
-            <ac:spMk id="2" creationId="{AA57BE3B-8A81-4775-8A24-BE9D0E50C6BC}"/>
-          </ac:spMkLst>
-        </pc:spChg>
-        <pc:spChg chg="mod">
-          <ac:chgData name="김영찬" userId="a81591f0-1a4d-4c10-b0d3-35a306720c09" providerId="ADAL" clId="{8C5D3337-9A92-4731-953F-24DDF54DD1A0}" dt="2019-05-10T15:37:33.877" v="3665" actId="6549"/>
-          <ac:spMkLst>
-            <pc:docMk/>
-            <pc:sldMk cId="856022315" sldId="258"/>
-            <ac:spMk id="3" creationId="{C08FC53D-329F-4A72-89A3-715DA112070D}"/>
-          </ac:spMkLst>
-        </pc:spChg>
-        <pc:spChg chg="del">
-          <ac:chgData name="김영찬" userId="a81591f0-1a4d-4c10-b0d3-35a306720c09" providerId="ADAL" clId="{8C5D3337-9A92-4731-953F-24DDF54DD1A0}" dt="2019-05-10T15:36:16.165" v="3633"/>
-          <ac:spMkLst>
-            <pc:docMk/>
-            <pc:sldMk cId="856022315" sldId="258"/>
-            <ac:spMk id="5" creationId="{78431C81-B31F-49CE-A792-780A185ADE7F}"/>
-          </ac:spMkLst>
-        </pc:spChg>
-        <pc:spChg chg="del">
-          <ac:chgData name="김영찬" userId="a81591f0-1a4d-4c10-b0d3-35a306720c09" providerId="ADAL" clId="{8C5D3337-9A92-4731-953F-24DDF54DD1A0}" dt="2019-05-10T15:36:16.165" v="3633"/>
-          <ac:spMkLst>
-            <pc:docMk/>
-            <pc:sldMk cId="856022315" sldId="258"/>
-            <ac:spMk id="6" creationId="{B36B710E-3751-4800-A4D7-31FA0DA6053A}"/>
-          </ac:spMkLst>
-        </pc:spChg>
-        <pc:spChg chg="add del mod">
-          <ac:chgData name="김영찬" userId="a81591f0-1a4d-4c10-b0d3-35a306720c09" providerId="ADAL" clId="{8C5D3337-9A92-4731-953F-24DDF54DD1A0}" dt="2019-05-10T15:36:41.739" v="3646"/>
-          <ac:spMkLst>
-            <pc:docMk/>
-            <pc:sldMk cId="856022315" sldId="258"/>
-            <ac:spMk id="7" creationId="{C0CBBFC8-39A6-4822-90D6-4443541618AE}"/>
-          </ac:spMkLst>
-        </pc:spChg>
-        <pc:spChg chg="add del mod">
-          <ac:chgData name="김영찬" userId="a81591f0-1a4d-4c10-b0d3-35a306720c09" providerId="ADAL" clId="{8C5D3337-9A92-4731-953F-24DDF54DD1A0}" dt="2019-05-10T15:36:41.739" v="3646"/>
-          <ac:spMkLst>
-            <pc:docMk/>
-            <pc:sldMk cId="856022315" sldId="258"/>
-            <ac:spMk id="8" creationId="{88888516-DFD9-4B84-B728-A9384FB6F472}"/>
-          </ac:spMkLst>
-        </pc:spChg>
-        <pc:spChg chg="add mod">
-          <ac:chgData name="김영찬" userId="a81591f0-1a4d-4c10-b0d3-35a306720c09" providerId="ADAL" clId="{8C5D3337-9A92-4731-953F-24DDF54DD1A0}" dt="2019-05-10T15:36:41.739" v="3646"/>
-          <ac:spMkLst>
-            <pc:docMk/>
-            <pc:sldMk cId="856022315" sldId="258"/>
-            <ac:spMk id="9" creationId="{580A7AB2-671A-4C80-BAAA-64A67F9042B9}"/>
-          </ac:spMkLst>
-        </pc:spChg>
-        <pc:spChg chg="add mod">
-          <ac:chgData name="김영찬" userId="a81591f0-1a4d-4c10-b0d3-35a306720c09" providerId="ADAL" clId="{8C5D3337-9A92-4731-953F-24DDF54DD1A0}" dt="2019-05-10T15:36:41.739" v="3646"/>
-          <ac:spMkLst>
-            <pc:docMk/>
-            <pc:sldMk cId="856022315" sldId="258"/>
-            <ac:spMk id="10" creationId="{E28E6A64-8DD9-461A-A5E0-5DD9B2125734}"/>
-          </ac:spMkLst>
-        </pc:spChg>
-        <pc:picChg chg="add mod">
-          <ac:chgData name="김영찬" userId="a81591f0-1a4d-4c10-b0d3-35a306720c09" providerId="ADAL" clId="{8C5D3337-9A92-4731-953F-24DDF54DD1A0}" dt="2019-05-10T15:37:43.257" v="3668" actId="1076"/>
-          <ac:picMkLst>
-            <pc:docMk/>
-            <pc:sldMk cId="856022315" sldId="258"/>
-            <ac:picMk id="12" creationId="{C98008E5-4F5C-4130-B872-79B59B73B984}"/>
-          </ac:picMkLst>
-        </pc:picChg>
-        <pc:picChg chg="add mod">
-          <ac:chgData name="김영찬" userId="a81591f0-1a4d-4c10-b0d3-35a306720c09" providerId="ADAL" clId="{8C5D3337-9A92-4731-953F-24DDF54DD1A0}" dt="2019-05-10T15:37:43.257" v="3668" actId="1076"/>
-          <ac:picMkLst>
-            <pc:docMk/>
-            <pc:sldMk cId="856022315" sldId="258"/>
-            <ac:picMk id="14" creationId="{625EF72A-0C58-49EF-B7E4-2BC6EB00B44F}"/>
-          </ac:picMkLst>
-        </pc:picChg>
-      </pc:sldChg>
-      <pc:sldChg chg="addSp delSp modSp add ord">
-        <pc:chgData name="김영찬" userId="a81591f0-1a4d-4c10-b0d3-35a306720c09" providerId="ADAL" clId="{8C5D3337-9A92-4731-953F-24DDF54DD1A0}" dt="2019-05-10T16:47:57.339" v="3820" actId="1076"/>
-        <pc:sldMkLst>
-          <pc:docMk/>
-          <pc:sldMk cId="3228944088" sldId="259"/>
-        </pc:sldMkLst>
-        <pc:spChg chg="mod">
-          <ac:chgData name="김영찬" userId="a81591f0-1a4d-4c10-b0d3-35a306720c09" providerId="ADAL" clId="{8C5D3337-9A92-4731-953F-24DDF54DD1A0}" dt="2019-05-10T14:33:59.323" v="1695"/>
-          <ac:spMkLst>
-            <pc:docMk/>
-            <pc:sldMk cId="3228944088" sldId="259"/>
-            <ac:spMk id="2" creationId="{AA57BE3B-8A81-4775-8A24-BE9D0E50C6BC}"/>
-          </ac:spMkLst>
-        </pc:spChg>
-        <pc:spChg chg="mod">
-          <ac:chgData name="김영찬" userId="a81591f0-1a4d-4c10-b0d3-35a306720c09" providerId="ADAL" clId="{8C5D3337-9A92-4731-953F-24DDF54DD1A0}" dt="2019-05-10T16:43:24.389" v="3786" actId="113"/>
-          <ac:spMkLst>
-            <pc:docMk/>
-            <pc:sldMk cId="3228944088" sldId="259"/>
-            <ac:spMk id="3" creationId="{C08FC53D-329F-4A72-89A3-715DA112070D}"/>
-          </ac:spMkLst>
-        </pc:spChg>
-        <pc:spChg chg="del">
-          <ac:chgData name="김영찬" userId="a81591f0-1a4d-4c10-b0d3-35a306720c09" providerId="ADAL" clId="{8C5D3337-9A92-4731-953F-24DDF54DD1A0}" dt="2019-05-10T15:40:09.074" v="3749"/>
-          <ac:spMkLst>
-            <pc:docMk/>
-            <pc:sldMk cId="3228944088" sldId="259"/>
-            <ac:spMk id="5" creationId="{78431C81-B31F-49CE-A792-780A185ADE7F}"/>
-          </ac:spMkLst>
-        </pc:spChg>
-        <pc:spChg chg="del">
-          <ac:chgData name="김영찬" userId="a81591f0-1a4d-4c10-b0d3-35a306720c09" providerId="ADAL" clId="{8C5D3337-9A92-4731-953F-24DDF54DD1A0}" dt="2019-05-10T15:40:09.074" v="3749"/>
-          <ac:spMkLst>
-            <pc:docMk/>
-            <pc:sldMk cId="3228944088" sldId="259"/>
-            <ac:spMk id="6" creationId="{B36B710E-3751-4800-A4D7-31FA0DA6053A}"/>
-          </ac:spMkLst>
-        </pc:spChg>
-        <pc:spChg chg="add mod">
-          <ac:chgData name="김영찬" userId="a81591f0-1a4d-4c10-b0d3-35a306720c09" providerId="ADAL" clId="{8C5D3337-9A92-4731-953F-24DDF54DD1A0}" dt="2019-05-10T15:40:09.074" v="3749"/>
-          <ac:spMkLst>
-            <pc:docMk/>
-            <pc:sldMk cId="3228944088" sldId="259"/>
-            <ac:spMk id="7" creationId="{F234F5A2-857A-43E7-A9E4-F01F38BA6864}"/>
-          </ac:spMkLst>
-        </pc:spChg>
-        <pc:spChg chg="add mod">
-          <ac:chgData name="김영찬" userId="a81591f0-1a4d-4c10-b0d3-35a306720c09" providerId="ADAL" clId="{8C5D3337-9A92-4731-953F-24DDF54DD1A0}" dt="2019-05-10T15:40:09.074" v="3749"/>
-          <ac:spMkLst>
-            <pc:docMk/>
-            <pc:sldMk cId="3228944088" sldId="259"/>
-            <ac:spMk id="8" creationId="{C4EDA559-E071-47FD-AA1A-C3C141F146BE}"/>
-          </ac:spMkLst>
-        </pc:spChg>
-        <pc:picChg chg="add mod">
-          <ac:chgData name="김영찬" userId="a81591f0-1a4d-4c10-b0d3-35a306720c09" providerId="ADAL" clId="{8C5D3337-9A92-4731-953F-24DDF54DD1A0}" dt="2019-05-10T16:47:57.339" v="3820" actId="1076"/>
-          <ac:picMkLst>
-            <pc:docMk/>
-            <pc:sldMk cId="3228944088" sldId="259"/>
-            <ac:picMk id="10" creationId="{EB3537C0-7EE1-4F26-A0C7-648AC7327FBA}"/>
-          </ac:picMkLst>
-        </pc:picChg>
-        <pc:picChg chg="add mod">
-          <ac:chgData name="김영찬" userId="a81591f0-1a4d-4c10-b0d3-35a306720c09" providerId="ADAL" clId="{8C5D3337-9A92-4731-953F-24DDF54DD1A0}" dt="2019-05-10T16:47:57.339" v="3820" actId="1076"/>
-          <ac:picMkLst>
-            <pc:docMk/>
-            <pc:sldMk cId="3228944088" sldId="259"/>
-            <ac:picMk id="12" creationId="{9A9B8CB2-A054-4DBC-B5BB-8D75CDA68F7C}"/>
-          </ac:picMkLst>
-        </pc:picChg>
-        <pc:picChg chg="add mod">
-          <ac:chgData name="김영찬" userId="a81591f0-1a4d-4c10-b0d3-35a306720c09" providerId="ADAL" clId="{8C5D3337-9A92-4731-953F-24DDF54DD1A0}" dt="2019-05-10T16:47:57.339" v="3820" actId="1076"/>
-          <ac:picMkLst>
-            <pc:docMk/>
-            <pc:sldMk cId="3228944088" sldId="259"/>
-            <ac:picMk id="14" creationId="{DB6A2FE9-B28D-406A-9E04-0907EF0CA6C0}"/>
-          </ac:picMkLst>
-        </pc:picChg>
-        <pc:picChg chg="add mod">
-          <ac:chgData name="김영찬" userId="a81591f0-1a4d-4c10-b0d3-35a306720c09" providerId="ADAL" clId="{8C5D3337-9A92-4731-953F-24DDF54DD1A0}" dt="2019-05-10T16:47:57.339" v="3820" actId="1076"/>
-          <ac:picMkLst>
-            <pc:docMk/>
-            <pc:sldMk cId="3228944088" sldId="259"/>
-            <ac:picMk id="16" creationId="{A00272D2-B8DB-4F58-80A2-26028A1DFE26}"/>
-          </ac:picMkLst>
-        </pc:picChg>
-        <pc:picChg chg="add mod">
-          <ac:chgData name="김영찬" userId="a81591f0-1a4d-4c10-b0d3-35a306720c09" providerId="ADAL" clId="{8C5D3337-9A92-4731-953F-24DDF54DD1A0}" dt="2019-05-10T16:47:57.339" v="3820" actId="1076"/>
-          <ac:picMkLst>
-            <pc:docMk/>
-            <pc:sldMk cId="3228944088" sldId="259"/>
-            <ac:picMk id="18" creationId="{E6859861-974B-4D10-8597-BF8D3FA2C810}"/>
-          </ac:picMkLst>
-        </pc:picChg>
-      </pc:sldChg>
-      <pc:sldChg chg="addSp delSp modSp add modNotesTx">
-        <pc:chgData name="김영찬" userId="a81591f0-1a4d-4c10-b0d3-35a306720c09" providerId="ADAL" clId="{8C5D3337-9A92-4731-953F-24DDF54DD1A0}" dt="2019-05-10T18:15:54.420" v="8108" actId="14100"/>
-        <pc:sldMkLst>
-          <pc:docMk/>
-          <pc:sldMk cId="1221641340" sldId="260"/>
-        </pc:sldMkLst>
-        <pc:spChg chg="mod">
-          <ac:chgData name="김영찬" userId="a81591f0-1a4d-4c10-b0d3-35a306720c09" providerId="ADAL" clId="{8C5D3337-9A92-4731-953F-24DDF54DD1A0}" dt="2019-05-10T14:53:02.064" v="3422"/>
-          <ac:spMkLst>
-            <pc:docMk/>
-            <pc:sldMk cId="1221641340" sldId="260"/>
-            <ac:spMk id="2" creationId="{AA57BE3B-8A81-4775-8A24-BE9D0E50C6BC}"/>
-          </ac:spMkLst>
-        </pc:spChg>
-        <pc:spChg chg="del mod">
-          <ac:chgData name="김영찬" userId="a81591f0-1a4d-4c10-b0d3-35a306720c09" providerId="ADAL" clId="{8C5D3337-9A92-4731-953F-24DDF54DD1A0}" dt="2019-05-10T17:18:24.150" v="5100" actId="478"/>
-          <ac:spMkLst>
-            <pc:docMk/>
-            <pc:sldMk cId="1221641340" sldId="260"/>
-            <ac:spMk id="3" creationId="{C08FC53D-329F-4A72-89A3-715DA112070D}"/>
-          </ac:spMkLst>
-        </pc:spChg>
-        <pc:spChg chg="add mod">
-          <ac:chgData name="김영찬" userId="a81591f0-1a4d-4c10-b0d3-35a306720c09" providerId="ADAL" clId="{8C5D3337-9A92-4731-953F-24DDF54DD1A0}" dt="2019-05-10T17:04:58.619" v="4791" actId="208"/>
-          <ac:spMkLst>
-            <pc:docMk/>
-            <pc:sldMk cId="1221641340" sldId="260"/>
-            <ac:spMk id="7" creationId="{6434BBE4-A35E-46D1-A6A6-89E1E5B3AC82}"/>
-          </ac:spMkLst>
-        </pc:spChg>
-        <pc:spChg chg="add del mod">
-          <ac:chgData name="김영찬" userId="a81591f0-1a4d-4c10-b0d3-35a306720c09" providerId="ADAL" clId="{8C5D3337-9A92-4731-953F-24DDF54DD1A0}" dt="2019-05-10T17:05:12.143" v="4793" actId="11529"/>
-          <ac:spMkLst>
-            <pc:docMk/>
-            <pc:sldMk cId="1221641340" sldId="260"/>
-            <ac:spMk id="8" creationId="{68D0622F-914A-4103-9772-471DEAB187FB}"/>
-          </ac:spMkLst>
-        </pc:spChg>
-        <pc:spChg chg="add mod">
-          <ac:chgData name="김영찬" userId="a81591f0-1a4d-4c10-b0d3-35a306720c09" providerId="ADAL" clId="{8C5D3337-9A92-4731-953F-24DDF54DD1A0}" dt="2019-05-10T17:12:22.478" v="4944" actId="113"/>
-          <ac:spMkLst>
-            <pc:docMk/>
-            <pc:sldMk cId="1221641340" sldId="260"/>
-            <ac:spMk id="9" creationId="{88B0BA98-28C2-47C2-ADEB-240E7C8A8678}"/>
-          </ac:spMkLst>
-        </pc:spChg>
-        <pc:spChg chg="add del mod">
-          <ac:chgData name="김영찬" userId="a81591f0-1a4d-4c10-b0d3-35a306720c09" providerId="ADAL" clId="{8C5D3337-9A92-4731-953F-24DDF54DD1A0}" dt="2019-05-10T17:05:45.959" v="4801" actId="478"/>
-          <ac:spMkLst>
-            <pc:docMk/>
-            <pc:sldMk cId="1221641340" sldId="260"/>
-            <ac:spMk id="10" creationId="{A646504D-60C6-4D0E-B0B8-670D6773E705}"/>
-          </ac:spMkLst>
-        </pc:spChg>
-        <pc:spChg chg="add mod">
-          <ac:chgData name="김영찬" userId="a81591f0-1a4d-4c10-b0d3-35a306720c09" providerId="ADAL" clId="{8C5D3337-9A92-4731-953F-24DDF54DD1A0}" dt="2019-05-10T17:06:18.507" v="4807" actId="1076"/>
-          <ac:spMkLst>
-            <pc:docMk/>
-            <pc:sldMk cId="1221641340" sldId="260"/>
-            <ac:spMk id="11" creationId="{AF43066D-0DC7-4CB5-B15D-403A9A9554FC}"/>
-          </ac:spMkLst>
-        </pc:spChg>
-        <pc:spChg chg="add del mod">
-          <ac:chgData name="김영찬" userId="a81591f0-1a4d-4c10-b0d3-35a306720c09" providerId="ADAL" clId="{8C5D3337-9A92-4731-953F-24DDF54DD1A0}" dt="2019-05-10T17:09:39.886" v="4853" actId="478"/>
-          <ac:spMkLst>
-            <pc:docMk/>
-            <pc:sldMk cId="1221641340" sldId="260"/>
-            <ac:spMk id="20" creationId="{E1F298EA-508C-4AB8-9290-EA407823E7F5}"/>
-          </ac:spMkLst>
-        </pc:spChg>
-        <pc:spChg chg="add mod">
-          <ac:chgData name="김영찬" userId="a81591f0-1a4d-4c10-b0d3-35a306720c09" providerId="ADAL" clId="{8C5D3337-9A92-4731-953F-24DDF54DD1A0}" dt="2019-05-10T17:11:29.659" v="4919" actId="242"/>
-          <ac:spMkLst>
-            <pc:docMk/>
-            <pc:sldMk cId="1221641340" sldId="260"/>
-            <ac:spMk id="21" creationId="{988D318C-87AF-41FF-81C3-01B10BB4AB51}"/>
-          </ac:spMkLst>
-        </pc:spChg>
-        <pc:spChg chg="add mod">
-          <ac:chgData name="김영찬" userId="a81591f0-1a4d-4c10-b0d3-35a306720c09" providerId="ADAL" clId="{8C5D3337-9A92-4731-953F-24DDF54DD1A0}" dt="2019-05-10T17:11:29.659" v="4919" actId="242"/>
-          <ac:spMkLst>
-            <pc:docMk/>
-            <pc:sldMk cId="1221641340" sldId="260"/>
-            <ac:spMk id="22" creationId="{FC77D65E-E637-4977-9435-5E99C58611F8}"/>
-          </ac:spMkLst>
-        </pc:spChg>
-        <pc:spChg chg="add mod">
-          <ac:chgData name="김영찬" userId="a81591f0-1a4d-4c10-b0d3-35a306720c09" providerId="ADAL" clId="{8C5D3337-9A92-4731-953F-24DDF54DD1A0}" dt="2019-05-10T17:13:01.799" v="4970" actId="1076"/>
-          <ac:spMkLst>
-            <pc:docMk/>
-            <pc:sldMk cId="1221641340" sldId="260"/>
-            <ac:spMk id="23" creationId="{BE94DD50-7579-4427-B5C6-E261323D05F5}"/>
-          </ac:spMkLst>
-        </pc:spChg>
-        <pc:spChg chg="add del mod">
-          <ac:chgData name="김영찬" userId="a81591f0-1a4d-4c10-b0d3-35a306720c09" providerId="ADAL" clId="{8C5D3337-9A92-4731-953F-24DDF54DD1A0}" dt="2019-05-10T17:13:06.222" v="4972"/>
-          <ac:spMkLst>
-            <pc:docMk/>
-            <pc:sldMk cId="1221641340" sldId="260"/>
-            <ac:spMk id="24" creationId="{39CB740F-1E94-45FF-ADA1-E677B5A8F044}"/>
-          </ac:spMkLst>
-        </pc:spChg>
-        <pc:spChg chg="add mod">
-          <ac:chgData name="김영찬" userId="a81591f0-1a4d-4c10-b0d3-35a306720c09" providerId="ADAL" clId="{8C5D3337-9A92-4731-953F-24DDF54DD1A0}" dt="2019-05-10T17:16:50.137" v="5077" actId="1076"/>
-          <ac:spMkLst>
-            <pc:docMk/>
-            <pc:sldMk cId="1221641340" sldId="260"/>
-            <ac:spMk id="25" creationId="{C2CCB308-36FB-4828-BFC4-2F87099BB597}"/>
-          </ac:spMkLst>
-        </pc:spChg>
-        <pc:spChg chg="add del">
-          <ac:chgData name="김영찬" userId="a81591f0-1a4d-4c10-b0d3-35a306720c09" providerId="ADAL" clId="{8C5D3337-9A92-4731-953F-24DDF54DD1A0}" dt="2019-05-10T17:13:23.499" v="4978"/>
-          <ac:spMkLst>
-            <pc:docMk/>
-            <pc:sldMk cId="1221641340" sldId="260"/>
-            <ac:spMk id="26" creationId="{9DEB08F1-868E-4C5A-B0F0-AFCE8B4A978A}"/>
-          </ac:spMkLst>
-        </pc:spChg>
-        <pc:spChg chg="add mod">
-          <ac:chgData name="김영찬" userId="a81591f0-1a4d-4c10-b0d3-35a306720c09" providerId="ADAL" clId="{8C5D3337-9A92-4731-953F-24DDF54DD1A0}" dt="2019-05-10T17:13:37.611" v="4981" actId="113"/>
-          <ac:spMkLst>
-            <pc:docMk/>
-            <pc:sldMk cId="1221641340" sldId="260"/>
-            <ac:spMk id="27" creationId="{244ACD61-8131-4B35-AA94-E35941CE935B}"/>
-          </ac:spMkLst>
-        </pc:spChg>
-        <pc:spChg chg="add mod">
-          <ac:chgData name="김영찬" userId="a81591f0-1a4d-4c10-b0d3-35a306720c09" providerId="ADAL" clId="{8C5D3337-9A92-4731-953F-24DDF54DD1A0}" dt="2019-05-10T17:16:23.416" v="5068" actId="1076"/>
-          <ac:spMkLst>
-            <pc:docMk/>
-            <pc:sldMk cId="1221641340" sldId="260"/>
-            <ac:spMk id="28" creationId="{7AAC8860-F5FD-4220-B4C6-D7419E5A2CBB}"/>
-          </ac:spMkLst>
-        </pc:spChg>
-        <pc:spChg chg="add mod">
-          <ac:chgData name="김영찬" userId="a81591f0-1a4d-4c10-b0d3-35a306720c09" providerId="ADAL" clId="{8C5D3337-9A92-4731-953F-24DDF54DD1A0}" dt="2019-05-10T17:15:33.831" v="5055" actId="1076"/>
-          <ac:spMkLst>
-            <pc:docMk/>
-            <pc:sldMk cId="1221641340" sldId="260"/>
-            <ac:spMk id="29" creationId="{6D2696B8-4C94-43D8-89BC-E0F7B3E760FC}"/>
-          </ac:spMkLst>
-        </pc:spChg>
-        <pc:spChg chg="add mod">
-          <ac:chgData name="김영찬" userId="a81591f0-1a4d-4c10-b0d3-35a306720c09" providerId="ADAL" clId="{8C5D3337-9A92-4731-953F-24DDF54DD1A0}" dt="2019-05-10T17:15:33.831" v="5055" actId="1076"/>
-          <ac:spMkLst>
-            <pc:docMk/>
-            <pc:sldMk cId="1221641340" sldId="260"/>
-            <ac:spMk id="30" creationId="{5E4C4003-B8A0-4474-9FE0-B0407F0F75DB}"/>
-          </ac:spMkLst>
-        </pc:spChg>
-        <pc:spChg chg="add del mod">
-          <ac:chgData name="김영찬" userId="a81591f0-1a4d-4c10-b0d3-35a306720c09" providerId="ADAL" clId="{8C5D3337-9A92-4731-953F-24DDF54DD1A0}" dt="2019-05-10T17:15:11.463" v="5027" actId="478"/>
-          <ac:spMkLst>
-            <pc:docMk/>
-            <pc:sldMk cId="1221641340" sldId="260"/>
-            <ac:spMk id="31" creationId="{8EAA4F58-5D6C-4A53-B41E-DA24898B23DE}"/>
-          </ac:spMkLst>
-        </pc:spChg>
-        <pc:spChg chg="add mod">
-          <ac:chgData name="김영찬" userId="a81591f0-1a4d-4c10-b0d3-35a306720c09" providerId="ADAL" clId="{8C5D3337-9A92-4731-953F-24DDF54DD1A0}" dt="2019-05-10T17:15:33.831" v="5055" actId="1076"/>
-          <ac:spMkLst>
-            <pc:docMk/>
-            <pc:sldMk cId="1221641340" sldId="260"/>
-            <ac:spMk id="32" creationId="{DA2597A0-2F15-4008-8EB1-1C2DA06A2045}"/>
-          </ac:spMkLst>
-        </pc:spChg>
-        <pc:spChg chg="add del mod">
-          <ac:chgData name="김영찬" userId="a81591f0-1a4d-4c10-b0d3-35a306720c09" providerId="ADAL" clId="{8C5D3337-9A92-4731-953F-24DDF54DD1A0}" dt="2019-05-10T17:15:09.744" v="5026" actId="478"/>
-          <ac:spMkLst>
-            <pc:docMk/>
-            <pc:sldMk cId="1221641340" sldId="260"/>
-            <ac:spMk id="33" creationId="{E0B1088E-DA11-4912-92E1-A5B69F07B04E}"/>
-          </ac:spMkLst>
-        </pc:spChg>
-        <pc:spChg chg="add mod">
-          <ac:chgData name="김영찬" userId="a81591f0-1a4d-4c10-b0d3-35a306720c09" providerId="ADAL" clId="{8C5D3337-9A92-4731-953F-24DDF54DD1A0}" dt="2019-05-10T17:15:33.831" v="5055" actId="1076"/>
-          <ac:spMkLst>
-            <pc:docMk/>
-            <pc:sldMk cId="1221641340" sldId="260"/>
-            <ac:spMk id="34" creationId="{16454BB2-29D4-4C1D-8957-06B579A993E1}"/>
-          </ac:spMkLst>
-        </pc:spChg>
-        <pc:spChg chg="add mod">
-          <ac:chgData name="김영찬" userId="a81591f0-1a4d-4c10-b0d3-35a306720c09" providerId="ADAL" clId="{8C5D3337-9A92-4731-953F-24DDF54DD1A0}" dt="2019-05-10T17:20:40.743" v="5145" actId="164"/>
-          <ac:spMkLst>
-            <pc:docMk/>
-            <pc:sldMk cId="1221641340" sldId="260"/>
-            <ac:spMk id="35" creationId="{42D2E774-ACF4-4D7A-AF5B-1C2736795D2E}"/>
-          </ac:spMkLst>
-        </pc:spChg>
-        <pc:spChg chg="add mod">
-          <ac:chgData name="김영찬" userId="a81591f0-1a4d-4c10-b0d3-35a306720c09" providerId="ADAL" clId="{8C5D3337-9A92-4731-953F-24DDF54DD1A0}" dt="2019-05-10T17:19:35.696" v="5115" actId="164"/>
-          <ac:spMkLst>
-            <pc:docMk/>
-            <pc:sldMk cId="1221641340" sldId="260"/>
-            <ac:spMk id="36" creationId="{61B38A63-E1F9-4709-9AE6-5131142E2527}"/>
-          </ac:spMkLst>
-        </pc:spChg>
-        <pc:spChg chg="add mod">
-          <ac:chgData name="김영찬" userId="a81591f0-1a4d-4c10-b0d3-35a306720c09" providerId="ADAL" clId="{8C5D3337-9A92-4731-953F-24DDF54DD1A0}" dt="2019-05-10T17:20:37.559" v="5144" actId="164"/>
-          <ac:spMkLst>
-            <pc:docMk/>
-            <pc:sldMk cId="1221641340" sldId="260"/>
-            <ac:spMk id="37" creationId="{5FC43440-436A-4C06-829F-17D97A8642F9}"/>
-          </ac:spMkLst>
-        </pc:spChg>
-        <pc:spChg chg="add del mod">
-          <ac:chgData name="김영찬" userId="a81591f0-1a4d-4c10-b0d3-35a306720c09" providerId="ADAL" clId="{8C5D3337-9A92-4731-953F-24DDF54DD1A0}" dt="2019-05-10T17:20:55.720" v="5148" actId="478"/>
-          <ac:spMkLst>
-            <pc:docMk/>
-            <pc:sldMk cId="1221641340" sldId="260"/>
-            <ac:spMk id="38" creationId="{FEFA33D4-633D-466C-AD12-579782A13B10}"/>
-          </ac:spMkLst>
-        </pc:spChg>
-        <pc:spChg chg="add del mod">
-          <ac:chgData name="김영찬" userId="a81591f0-1a4d-4c10-b0d3-35a306720c09" providerId="ADAL" clId="{8C5D3337-9A92-4731-953F-24DDF54DD1A0}" dt="2019-05-10T17:20:57.022" v="5149" actId="478"/>
-          <ac:spMkLst>
-            <pc:docMk/>
-            <pc:sldMk cId="1221641340" sldId="260"/>
-            <ac:spMk id="39" creationId="{460C48C1-2268-4D0F-AEB1-0F9E28629E93}"/>
-          </ac:spMkLst>
-        </pc:spChg>
-        <pc:spChg chg="add del mod">
-          <ac:chgData name="김영찬" userId="a81591f0-1a4d-4c10-b0d3-35a306720c09" providerId="ADAL" clId="{8C5D3337-9A92-4731-953F-24DDF54DD1A0}" dt="2019-05-10T17:18:27.099" v="5101" actId="478"/>
-          <ac:spMkLst>
-            <pc:docMk/>
-            <pc:sldMk cId="1221641340" sldId="260"/>
-            <ac:spMk id="45" creationId="{7C6FC10B-B041-4935-97F0-A1BE3C9CA05A}"/>
-          </ac:spMkLst>
-        </pc:spChg>
-        <pc:spChg chg="add mod">
-          <ac:chgData name="김영찬" userId="a81591f0-1a4d-4c10-b0d3-35a306720c09" providerId="ADAL" clId="{8C5D3337-9A92-4731-953F-24DDF54DD1A0}" dt="2019-05-10T17:20:40.743" v="5145" actId="164"/>
-          <ac:spMkLst>
-            <pc:docMk/>
-            <pc:sldMk cId="1221641340" sldId="260"/>
-            <ac:spMk id="46" creationId="{50F1F7CE-BE0C-415E-A80E-D7EE91C3687C}"/>
-          </ac:spMkLst>
-        </pc:spChg>
-        <pc:spChg chg="add mod">
-          <ac:chgData name="김영찬" userId="a81591f0-1a4d-4c10-b0d3-35a306720c09" providerId="ADAL" clId="{8C5D3337-9A92-4731-953F-24DDF54DD1A0}" dt="2019-05-10T17:20:37.559" v="5144" actId="164"/>
-          <ac:spMkLst>
-            <pc:docMk/>
-            <pc:sldMk cId="1221641340" sldId="260"/>
-            <ac:spMk id="47" creationId="{343F65D2-C6CE-49FF-B6A2-481848D6C2C5}"/>
-          </ac:spMkLst>
-        </pc:spChg>
-        <pc:spChg chg="add mod">
-          <ac:chgData name="김영찬" userId="a81591f0-1a4d-4c10-b0d3-35a306720c09" providerId="ADAL" clId="{8C5D3337-9A92-4731-953F-24DDF54DD1A0}" dt="2019-05-10T17:19:35.696" v="5115" actId="164"/>
-          <ac:spMkLst>
-            <pc:docMk/>
-            <pc:sldMk cId="1221641340" sldId="260"/>
-            <ac:spMk id="48" creationId="{74ADEDCB-A691-4153-A17D-4B6500D782F6}"/>
-          </ac:spMkLst>
-        </pc:spChg>
-        <pc:spChg chg="add mod">
-          <ac:chgData name="김영찬" userId="a81591f0-1a4d-4c10-b0d3-35a306720c09" providerId="ADAL" clId="{8C5D3337-9A92-4731-953F-24DDF54DD1A0}" dt="2019-05-10T17:19:39.844" v="5117" actId="571"/>
-          <ac:spMkLst>
-            <pc:docMk/>
-            <pc:sldMk cId="1221641340" sldId="260"/>
-            <ac:spMk id="50" creationId="{01D43411-BDCE-4FD1-8727-59A674533B91}"/>
-          </ac:spMkLst>
-        </pc:spChg>
-        <pc:spChg chg="add mod">
-          <ac:chgData name="김영찬" userId="a81591f0-1a4d-4c10-b0d3-35a306720c09" providerId="ADAL" clId="{8C5D3337-9A92-4731-953F-24DDF54DD1A0}" dt="2019-05-10T17:19:39.844" v="5117" actId="571"/>
-          <ac:spMkLst>
-            <pc:docMk/>
-            <pc:sldMk cId="1221641340" sldId="260"/>
-            <ac:spMk id="51" creationId="{154D9086-06DD-4110-96AA-E0297B9B92B0}"/>
-          </ac:spMkLst>
-        </pc:spChg>
-        <pc:spChg chg="add mod">
-          <ac:chgData name="김영찬" userId="a81591f0-1a4d-4c10-b0d3-35a306720c09" providerId="ADAL" clId="{8C5D3337-9A92-4731-953F-24DDF54DD1A0}" dt="2019-05-10T17:20:23.700" v="5141" actId="1076"/>
-          <ac:spMkLst>
-            <pc:docMk/>
-            <pc:sldMk cId="1221641340" sldId="260"/>
-            <ac:spMk id="52" creationId="{C9216A7F-02F2-49BE-AA14-6349AEDB4F0F}"/>
-          </ac:spMkLst>
-        </pc:spChg>
-        <pc:spChg chg="add mod">
-          <ac:chgData name="김영찬" userId="a81591f0-1a4d-4c10-b0d3-35a306720c09" providerId="ADAL" clId="{8C5D3337-9A92-4731-953F-24DDF54DD1A0}" dt="2019-05-10T17:20:23.700" v="5141" actId="1076"/>
-          <ac:spMkLst>
-            <pc:docMk/>
-            <pc:sldMk cId="1221641340" sldId="260"/>
-            <ac:spMk id="53" creationId="{D61C2961-EF96-4F2B-862D-9D695F4E7443}"/>
-          </ac:spMkLst>
-        </pc:spChg>
-        <pc:spChg chg="topLvl">
-          <ac:chgData name="김영찬" userId="a81591f0-1a4d-4c10-b0d3-35a306720c09" providerId="ADAL" clId="{8C5D3337-9A92-4731-953F-24DDF54DD1A0}" dt="2019-05-10T17:25:52.698" v="5257" actId="478"/>
-          <ac:spMkLst>
-            <pc:docMk/>
-            <pc:sldMk cId="1221641340" sldId="260"/>
-            <ac:spMk id="60" creationId="{7B22F2BA-AF76-41A7-BCAC-F2DDF314DFAF}"/>
-          </ac:spMkLst>
-        </pc:spChg>
-        <pc:spChg chg="del topLvl">
-          <ac:chgData name="김영찬" userId="a81591f0-1a4d-4c10-b0d3-35a306720c09" providerId="ADAL" clId="{8C5D3337-9A92-4731-953F-24DDF54DD1A0}" dt="2019-05-10T17:25:52.698" v="5257" actId="478"/>
-          <ac:spMkLst>
-            <pc:docMk/>
-            <pc:sldMk cId="1221641340" sldId="260"/>
-            <ac:spMk id="61" creationId="{012B1077-86E0-465B-8E8A-B7599E11513E}"/>
-          </ac:spMkLst>
-        </pc:spChg>
-        <pc:spChg chg="add mod">
-          <ac:chgData name="김영찬" userId="a81591f0-1a4d-4c10-b0d3-35a306720c09" providerId="ADAL" clId="{8C5D3337-9A92-4731-953F-24DDF54DD1A0}" dt="2019-05-10T17:21:09.261" v="5150" actId="571"/>
-          <ac:spMkLst>
-            <pc:docMk/>
-            <pc:sldMk cId="1221641340" sldId="260"/>
-            <ac:spMk id="62" creationId="{A2C3D3A8-3AF5-4D68-A2D5-E86A62AF8A53}"/>
-          </ac:spMkLst>
-        </pc:spChg>
-        <pc:spChg chg="add mod">
-          <ac:chgData name="김영찬" userId="a81591f0-1a4d-4c10-b0d3-35a306720c09" providerId="ADAL" clId="{8C5D3337-9A92-4731-953F-24DDF54DD1A0}" dt="2019-05-10T17:21:09.261" v="5150" actId="571"/>
-          <ac:spMkLst>
-            <pc:docMk/>
-            <pc:sldMk cId="1221641340" sldId="260"/>
-            <ac:spMk id="63" creationId="{36BEF848-E9FD-49B0-98FA-0D0BDB1C4A4E}"/>
-          </ac:spMkLst>
-        </pc:spChg>
-        <pc:spChg chg="topLvl">
-          <ac:chgData name="김영찬" userId="a81591f0-1a4d-4c10-b0d3-35a306720c09" providerId="ADAL" clId="{8C5D3337-9A92-4731-953F-24DDF54DD1A0}" dt="2019-05-10T17:25:41.028" v="5255" actId="478"/>
-          <ac:spMkLst>
-            <pc:docMk/>
-            <pc:sldMk cId="1221641340" sldId="260"/>
-            <ac:spMk id="68" creationId="{CA2BF226-D997-4948-91FA-BD20C8373108}"/>
-          </ac:spMkLst>
-        </pc:spChg>
-        <pc:spChg chg="del topLvl">
-          <ac:chgData name="김영찬" userId="a81591f0-1a4d-4c10-b0d3-35a306720c09" providerId="ADAL" clId="{8C5D3337-9A92-4731-953F-24DDF54DD1A0}" dt="2019-05-10T17:25:41.028" v="5255" actId="478"/>
-          <ac:spMkLst>
-            <pc:docMk/>
-            <pc:sldMk cId="1221641340" sldId="260"/>
-            <ac:spMk id="69" creationId="{6E832FC7-EE5F-4122-AA81-363F6E7D042F}"/>
-          </ac:spMkLst>
-        </pc:spChg>
-        <pc:spChg chg="add mod">
-          <ac:chgData name="김영찬" userId="a81591f0-1a4d-4c10-b0d3-35a306720c09" providerId="ADAL" clId="{8C5D3337-9A92-4731-953F-24DDF54DD1A0}" dt="2019-05-10T17:21:12.334" v="5151" actId="571"/>
-          <ac:spMkLst>
-            <pc:docMk/>
-            <pc:sldMk cId="1221641340" sldId="260"/>
-            <ac:spMk id="70" creationId="{0A9BAC55-4767-41B2-85DC-12B83E25DC62}"/>
-          </ac:spMkLst>
-        </pc:spChg>
-        <pc:spChg chg="add mod">
-          <ac:chgData name="김영찬" userId="a81591f0-1a4d-4c10-b0d3-35a306720c09" providerId="ADAL" clId="{8C5D3337-9A92-4731-953F-24DDF54DD1A0}" dt="2019-05-10T17:21:12.334" v="5151" actId="571"/>
-          <ac:spMkLst>
-            <pc:docMk/>
-            <pc:sldMk cId="1221641340" sldId="260"/>
-            <ac:spMk id="71" creationId="{DF10E50F-ACBD-46AA-98F8-D4BC191DA382}"/>
-          </ac:spMkLst>
-        </pc:spChg>
-        <pc:spChg chg="mod topLvl">
-          <ac:chgData name="김영찬" userId="a81591f0-1a4d-4c10-b0d3-35a306720c09" providerId="ADAL" clId="{8C5D3337-9A92-4731-953F-24DDF54DD1A0}" dt="2019-05-10T17:25:36.276" v="5254" actId="478"/>
-          <ac:spMkLst>
-            <pc:docMk/>
-            <pc:sldMk cId="1221641340" sldId="260"/>
-            <ac:spMk id="73" creationId="{FA29681B-526C-4A88-BD7F-5D2284C6D8DC}"/>
-          </ac:spMkLst>
-        </pc:spChg>
-        <pc:spChg chg="add del mod topLvl">
-          <ac:chgData name="김영찬" userId="a81591f0-1a4d-4c10-b0d3-35a306720c09" providerId="ADAL" clId="{8C5D3337-9A92-4731-953F-24DDF54DD1A0}" dt="2019-05-10T17:25:36.276" v="5254" actId="478"/>
-          <ac:spMkLst>
-            <pc:docMk/>
-            <pc:sldMk cId="1221641340" sldId="260"/>
-            <ac:spMk id="74" creationId="{BF203DAF-6C14-47B4-AA6D-BF65865F7799}"/>
-          </ac:spMkLst>
-        </pc:spChg>
-        <pc:spChg chg="add mod">
-          <ac:chgData name="김영찬" userId="a81591f0-1a4d-4c10-b0d3-35a306720c09" providerId="ADAL" clId="{8C5D3337-9A92-4731-953F-24DDF54DD1A0}" dt="2019-05-10T17:24:06.514" v="5212" actId="164"/>
-          <ac:spMkLst>
-            <pc:docMk/>
-            <pc:sldMk cId="1221641340" sldId="260"/>
-            <ac:spMk id="75" creationId="{BAAB4A38-BA00-43F1-9607-CC47C767197D}"/>
-          </ac:spMkLst>
-        </pc:spChg>
-        <pc:spChg chg="add del mod">
-          <ac:chgData name="김영찬" userId="a81591f0-1a4d-4c10-b0d3-35a306720c09" providerId="ADAL" clId="{8C5D3337-9A92-4731-953F-24DDF54DD1A0}" dt="2019-05-10T17:24:06.514" v="5212" actId="164"/>
-          <ac:spMkLst>
-            <pc:docMk/>
-            <pc:sldMk cId="1221641340" sldId="260"/>
-            <ac:spMk id="76" creationId="{53E0E5E2-583B-441C-889E-EE2D1281AE19}"/>
-          </ac:spMkLst>
-        </pc:spChg>
-        <pc:spChg chg="add mod">
-          <ac:chgData name="김영찬" userId="a81591f0-1a4d-4c10-b0d3-35a306720c09" providerId="ADAL" clId="{8C5D3337-9A92-4731-953F-24DDF54DD1A0}" dt="2019-05-10T17:24:06.514" v="5212" actId="164"/>
-          <ac:spMkLst>
-            <pc:docMk/>
-            <pc:sldMk cId="1221641340" sldId="260"/>
-            <ac:spMk id="77" creationId="{BA5519DE-7441-44FF-A351-E6DD3C2C532C}"/>
-          </ac:spMkLst>
-        </pc:spChg>
-        <pc:spChg chg="mod topLvl">
-          <ac:chgData name="김영찬" userId="a81591f0-1a4d-4c10-b0d3-35a306720c09" providerId="ADAL" clId="{8C5D3337-9A92-4731-953F-24DDF54DD1A0}" dt="2019-05-10T17:24:24.498" v="5223" actId="20577"/>
-          <ac:spMkLst>
-            <pc:docMk/>
-            <pc:sldMk cId="1221641340" sldId="260"/>
-            <ac:spMk id="84" creationId="{EAC85678-A836-4438-A106-91DBC5627003}"/>
-          </ac:spMkLst>
-        </pc:spChg>
-        <pc:spChg chg="del topLvl">
-          <ac:chgData name="김영찬" userId="a81591f0-1a4d-4c10-b0d3-35a306720c09" providerId="ADAL" clId="{8C5D3337-9A92-4731-953F-24DDF54DD1A0}" dt="2019-05-10T17:24:19.943" v="5217" actId="478"/>
-          <ac:spMkLst>
-            <pc:docMk/>
-            <pc:sldMk cId="1221641340" sldId="260"/>
-            <ac:spMk id="85" creationId="{6DEAC3D1-72A0-425A-AAEA-A55EB4BB9FE4}"/>
-          </ac:spMkLst>
-        </pc:spChg>
-        <pc:spChg chg="del">
-          <ac:chgData name="김영찬" userId="a81591f0-1a4d-4c10-b0d3-35a306720c09" providerId="ADAL" clId="{8C5D3337-9A92-4731-953F-24DDF54DD1A0}" dt="2019-05-10T17:24:18.216" v="5216" actId="478"/>
-          <ac:spMkLst>
-            <pc:docMk/>
-            <pc:sldMk cId="1221641340" sldId="260"/>
-            <ac:spMk id="86" creationId="{CC0F573B-5AC5-4D7C-9660-E1A3357CCC58}"/>
-          </ac:spMkLst>
-        </pc:spChg>
-        <pc:spChg chg="add mod">
-          <ac:chgData name="김영찬" userId="a81591f0-1a4d-4c10-b0d3-35a306720c09" providerId="ADAL" clId="{8C5D3337-9A92-4731-953F-24DDF54DD1A0}" dt="2019-05-10T17:24:27.598" v="5224" actId="571"/>
-          <ac:spMkLst>
-            <pc:docMk/>
-            <pc:sldMk cId="1221641340" sldId="260"/>
-            <ac:spMk id="87" creationId="{068D2518-E5B0-476F-B559-82E56135630A}"/>
-          </ac:spMkLst>
-        </pc:spChg>
-        <pc:spChg chg="add mod">
-          <ac:chgData name="김영찬" userId="a81591f0-1a4d-4c10-b0d3-35a306720c09" providerId="ADAL" clId="{8C5D3337-9A92-4731-953F-24DDF54DD1A0}" dt="2019-05-10T17:25:55.236" v="5258" actId="207"/>
-          <ac:spMkLst>
-            <pc:docMk/>
-            <pc:sldMk cId="1221641340" sldId="260"/>
-            <ac:spMk id="88" creationId="{E37A2F05-F345-47D5-B71B-550808A67FA9}"/>
-          </ac:spMkLst>
-        </pc:spChg>
-        <pc:spChg chg="add mod">
-          <ac:chgData name="김영찬" userId="a81591f0-1a4d-4c10-b0d3-35a306720c09" providerId="ADAL" clId="{8C5D3337-9A92-4731-953F-24DDF54DD1A0}" dt="2019-05-10T17:24:34.522" v="5226" actId="571"/>
-          <ac:spMkLst>
-            <pc:docMk/>
-            <pc:sldMk cId="1221641340" sldId="260"/>
-            <ac:spMk id="89" creationId="{D630C5F8-6114-43E2-B495-CACD192E2AC4}"/>
-          </ac:spMkLst>
-        </pc:spChg>
-        <pc:spChg chg="add mod">
-          <ac:chgData name="김영찬" userId="a81591f0-1a4d-4c10-b0d3-35a306720c09" providerId="ADAL" clId="{8C5D3337-9A92-4731-953F-24DDF54DD1A0}" dt="2019-05-10T17:24:39.997" v="5228" actId="571"/>
-          <ac:spMkLst>
-            <pc:docMk/>
-            <pc:sldMk cId="1221641340" sldId="260"/>
-            <ac:spMk id="90" creationId="{01E573BE-5D44-4C66-870F-B5109A078079}"/>
-          </ac:spMkLst>
-        </pc:spChg>
-        <pc:spChg chg="add mod">
-          <ac:chgData name="김영찬" userId="a81591f0-1a4d-4c10-b0d3-35a306720c09" providerId="ADAL" clId="{8C5D3337-9A92-4731-953F-24DDF54DD1A0}" dt="2019-05-10T17:25:49.304" v="5256" actId="207"/>
-          <ac:spMkLst>
-            <pc:docMk/>
-            <pc:sldMk cId="1221641340" sldId="260"/>
-            <ac:spMk id="91" creationId="{1537028D-A7DD-47B8-AD60-E2B722AB0FF7}"/>
-          </ac:spMkLst>
-        </pc:spChg>
-        <pc:spChg chg="add mod">
-          <ac:chgData name="김영찬" userId="a81591f0-1a4d-4c10-b0d3-35a306720c09" providerId="ADAL" clId="{8C5D3337-9A92-4731-953F-24DDF54DD1A0}" dt="2019-05-10T17:24:47.365" v="5230" actId="571"/>
-          <ac:spMkLst>
-            <pc:docMk/>
-            <pc:sldMk cId="1221641340" sldId="260"/>
-            <ac:spMk id="92" creationId="{C0E9D65E-1967-433D-8D25-1B24B3A31FD7}"/>
-          </ac:spMkLst>
-        </pc:spChg>
-        <pc:spChg chg="add mod">
-          <ac:chgData name="김영찬" userId="a81591f0-1a4d-4c10-b0d3-35a306720c09" providerId="ADAL" clId="{8C5D3337-9A92-4731-953F-24DDF54DD1A0}" dt="2019-05-10T17:30:26.112" v="5485" actId="1582"/>
-          <ac:spMkLst>
-            <pc:docMk/>
-            <pc:sldMk cId="1221641340" sldId="260"/>
-            <ac:spMk id="93" creationId="{00B99134-D545-48C7-9194-687C99801880}"/>
-          </ac:spMkLst>
-        </pc:spChg>
-        <pc:spChg chg="mod topLvl">
-          <ac:chgData name="김영찬" userId="a81591f0-1a4d-4c10-b0d3-35a306720c09" providerId="ADAL" clId="{8C5D3337-9A92-4731-953F-24DDF54DD1A0}" dt="2019-05-10T17:30:07.437" v="5484"/>
-          <ac:spMkLst>
-            <pc:docMk/>
-            <pc:sldMk cId="1221641340" sldId="260"/>
-            <ac:spMk id="95" creationId="{8C8EA029-C5D4-44CC-A291-12D8F791ECE9}"/>
-          </ac:spMkLst>
-        </pc:spChg>
-        <pc:spChg chg="del">
-          <ac:chgData name="김영찬" userId="a81591f0-1a4d-4c10-b0d3-35a306720c09" providerId="ADAL" clId="{8C5D3337-9A92-4731-953F-24DDF54DD1A0}" dt="2019-05-10T17:26:26.506" v="5264" actId="478"/>
-          <ac:spMkLst>
-            <pc:docMk/>
-            <pc:sldMk cId="1221641340" sldId="260"/>
-            <ac:spMk id="96" creationId="{790B082E-5254-4F14-AF37-F6755BD56D02}"/>
-          </ac:spMkLst>
-        </pc:spChg>
-        <pc:spChg chg="del topLvl">
-          <ac:chgData name="김영찬" userId="a81591f0-1a4d-4c10-b0d3-35a306720c09" providerId="ADAL" clId="{8C5D3337-9A92-4731-953F-24DDF54DD1A0}" dt="2019-05-10T17:26:30.471" v="5267" actId="478"/>
-          <ac:spMkLst>
-            <pc:docMk/>
-            <pc:sldMk cId="1221641340" sldId="260"/>
-            <ac:spMk id="97" creationId="{3AA5BBD2-1E8A-4269-80F0-E61834BDE166}"/>
-          </ac:spMkLst>
-        </pc:spChg>
-        <pc:spChg chg="add mod">
-          <ac:chgData name="김영찬" userId="a81591f0-1a4d-4c10-b0d3-35a306720c09" providerId="ADAL" clId="{8C5D3337-9A92-4731-953F-24DDF54DD1A0}" dt="2019-05-10T17:26:52.623" v="5290" actId="207"/>
-          <ac:spMkLst>
-            <pc:docMk/>
-            <pc:sldMk cId="1221641340" sldId="260"/>
-            <ac:spMk id="98" creationId="{9FA3C2C2-B434-423B-BB25-24038ABC2008}"/>
-          </ac:spMkLst>
-        </pc:spChg>
-        <pc:spChg chg="add mod">
-          <ac:chgData name="김영찬" userId="a81591f0-1a4d-4c10-b0d3-35a306720c09" providerId="ADAL" clId="{8C5D3337-9A92-4731-953F-24DDF54DD1A0}" dt="2019-05-10T17:27:20.532" v="5315" actId="1076"/>
-          <ac:spMkLst>
-            <pc:docMk/>
-            <pc:sldMk cId="1221641340" sldId="260"/>
-            <ac:spMk id="99" creationId="{4FE9EFE3-EC47-4E1B-8231-F5944EFACE60}"/>
-          </ac:spMkLst>
-        </pc:spChg>
-        <pc:spChg chg="add mod">
-          <ac:chgData name="김영찬" userId="a81591f0-1a4d-4c10-b0d3-35a306720c09" providerId="ADAL" clId="{8C5D3337-9A92-4731-953F-24DDF54DD1A0}" dt="2019-05-10T17:28:02.578" v="5321" actId="207"/>
-          <ac:spMkLst>
-            <pc:docMk/>
-            <pc:sldMk cId="1221641340" sldId="260"/>
-            <ac:spMk id="100" creationId="{261A27DD-4853-4F3C-B05A-B9FE8B123CC0}"/>
-          </ac:spMkLst>
-        </pc:spChg>
-        <pc:spChg chg="add mod">
-          <ac:chgData name="김영찬" userId="a81591f0-1a4d-4c10-b0d3-35a306720c09" providerId="ADAL" clId="{8C5D3337-9A92-4731-953F-24DDF54DD1A0}" dt="2019-05-10T17:28:27.408" v="5327" actId="571"/>
-          <ac:spMkLst>
-            <pc:docMk/>
-            <pc:sldMk cId="1221641340" sldId="260"/>
-            <ac:spMk id="102" creationId="{A3261CFD-9F53-4BA0-8849-CBDA858A9177}"/>
-          </ac:spMkLst>
-        </pc:spChg>
-        <pc:spChg chg="add mod">
-          <ac:chgData name="김영찬" userId="a81591f0-1a4d-4c10-b0d3-35a306720c09" providerId="ADAL" clId="{8C5D3337-9A92-4731-953F-24DDF54DD1A0}" dt="2019-05-10T17:28:27.408" v="5327" actId="571"/>
-          <ac:spMkLst>
-            <pc:docMk/>
-            <pc:sldMk cId="1221641340" sldId="260"/>
-            <ac:spMk id="103" creationId="{36A694E6-F431-4BA0-99BF-B9A26C6A498B}"/>
-          </ac:spMkLst>
-        </pc:spChg>
-        <pc:spChg chg="add mod">
-          <ac:chgData name="김영찬" userId="a81591f0-1a4d-4c10-b0d3-35a306720c09" providerId="ADAL" clId="{8C5D3337-9A92-4731-953F-24DDF54DD1A0}" dt="2019-05-10T17:29:14.210" v="5414" actId="1076"/>
-          <ac:spMkLst>
-            <pc:docMk/>
-            <pc:sldMk cId="1221641340" sldId="260"/>
-            <ac:spMk id="104" creationId="{F085F12D-B613-49F0-AE28-22D415A07D19}"/>
-          </ac:spMkLst>
-        </pc:spChg>
-        <pc:spChg chg="add del">
-          <ac:chgData name="김영찬" userId="a81591f0-1a4d-4c10-b0d3-35a306720c09" providerId="ADAL" clId="{8C5D3337-9A92-4731-953F-24DDF54DD1A0}" dt="2019-05-10T17:29:20.272" v="5416"/>
-          <ac:spMkLst>
-            <pc:docMk/>
-            <pc:sldMk cId="1221641340" sldId="260"/>
-            <ac:spMk id="105" creationId="{A9AA23AA-EE24-4B64-9010-D246B7CA0137}"/>
-          </ac:spMkLst>
-        </pc:spChg>
-        <pc:spChg chg="add mod">
-          <ac:chgData name="김영찬" userId="a81591f0-1a4d-4c10-b0d3-35a306720c09" providerId="ADAL" clId="{8C5D3337-9A92-4731-953F-24DDF54DD1A0}" dt="2019-05-10T17:30:26.112" v="5485" actId="1582"/>
-          <ac:spMkLst>
-            <pc:docMk/>
-            <pc:sldMk cId="1221641340" sldId="260"/>
-            <ac:spMk id="106" creationId="{93E83828-EC9E-48A0-BCDF-D2EC2A864C6B}"/>
-          </ac:spMkLst>
-        </pc:spChg>
-        <pc:spChg chg="add mod">
-          <ac:chgData name="김영찬" userId="a81591f0-1a4d-4c10-b0d3-35a306720c09" providerId="ADAL" clId="{8C5D3337-9A92-4731-953F-24DDF54DD1A0}" dt="2019-05-10T17:31:06.396" v="5515" actId="1076"/>
-          <ac:spMkLst>
-            <pc:docMk/>
-            <pc:sldMk cId="1221641340" sldId="260"/>
-            <ac:spMk id="107" creationId="{24904CE7-5DA6-40D1-B5F1-C3ACC9ECE9C8}"/>
-          </ac:spMkLst>
-        </pc:spChg>
-        <pc:spChg chg="add mod">
-          <ac:chgData name="김영찬" userId="a81591f0-1a4d-4c10-b0d3-35a306720c09" providerId="ADAL" clId="{8C5D3337-9A92-4731-953F-24DDF54DD1A0}" dt="2019-05-10T17:31:19.548" v="5530" actId="14100"/>
-          <ac:spMkLst>
-            <pc:docMk/>
-            <pc:sldMk cId="1221641340" sldId="260"/>
-            <ac:spMk id="108" creationId="{AB8825B0-7968-4597-91DD-281F9BA73EB7}"/>
-          </ac:spMkLst>
-        </pc:spChg>
-        <pc:spChg chg="add mod">
-          <ac:chgData name="김영찬" userId="a81591f0-1a4d-4c10-b0d3-35a306720c09" providerId="ADAL" clId="{8C5D3337-9A92-4731-953F-24DDF54DD1A0}" dt="2019-05-10T18:15:54.420" v="8108" actId="14100"/>
-          <ac:spMkLst>
-            <pc:docMk/>
-            <pc:sldMk cId="1221641340" sldId="260"/>
-            <ac:spMk id="111" creationId="{E603EEBB-1BB0-4354-A1B1-F89B988907D9}"/>
-          </ac:spMkLst>
-        </pc:spChg>
-        <pc:grpChg chg="add mod">
-          <ac:chgData name="김영찬" userId="a81591f0-1a4d-4c10-b0d3-35a306720c09" providerId="ADAL" clId="{8C5D3337-9A92-4731-953F-24DDF54DD1A0}" dt="2019-05-10T17:07:51.952" v="4834" actId="1076"/>
-          <ac:grpSpMkLst>
-            <pc:docMk/>
-            <pc:sldMk cId="1221641340" sldId="260"/>
-            <ac:grpSpMk id="17" creationId="{D262DC4F-D505-4A30-9197-10A478FFD354}"/>
-          </ac:grpSpMkLst>
-        </pc:grpChg>
-        <pc:grpChg chg="add mod">
-          <ac:chgData name="김영찬" userId="a81591f0-1a4d-4c10-b0d3-35a306720c09" providerId="ADAL" clId="{8C5D3337-9A92-4731-953F-24DDF54DD1A0}" dt="2019-05-10T17:20:27.886" v="5142" actId="1076"/>
-          <ac:grpSpMkLst>
-            <pc:docMk/>
-            <pc:sldMk cId="1221641340" sldId="260"/>
-            <ac:grpSpMk id="49" creationId="{9C5D85DC-3298-46C4-999F-C03573D0057A}"/>
-          </ac:grpSpMkLst>
-        </pc:grpChg>
-        <pc:grpChg chg="add mod">
-          <ac:chgData name="김영찬" userId="a81591f0-1a4d-4c10-b0d3-35a306720c09" providerId="ADAL" clId="{8C5D3337-9A92-4731-953F-24DDF54DD1A0}" dt="2019-05-10T17:20:30.812" v="5143" actId="571"/>
-          <ac:grpSpMkLst>
-            <pc:docMk/>
-            <pc:sldMk cId="1221641340" sldId="260"/>
-            <ac:grpSpMk id="54" creationId="{38A7F04C-3C97-4840-9ECC-B1086BC0015E}"/>
-          </ac:grpSpMkLst>
-        </pc:grpChg>
-        <pc:grpChg chg="add mod">
-          <ac:chgData name="김영찬" userId="a81591f0-1a4d-4c10-b0d3-35a306720c09" providerId="ADAL" clId="{8C5D3337-9A92-4731-953F-24DDF54DD1A0}" dt="2019-05-10T17:20:48.945" v="5147" actId="1076"/>
-          <ac:grpSpMkLst>
-            <pc:docMk/>
-            <pc:sldMk cId="1221641340" sldId="260"/>
-            <ac:grpSpMk id="57" creationId="{8601CF00-CA83-4577-A54D-095FE6BDFB52}"/>
-          </ac:grpSpMkLst>
-        </pc:grpChg>
-        <pc:grpChg chg="add mod">
-          <ac:chgData name="김영찬" userId="a81591f0-1a4d-4c10-b0d3-35a306720c09" providerId="ADAL" clId="{8C5D3337-9A92-4731-953F-24DDF54DD1A0}" dt="2019-05-10T17:20:44.815" v="5146" actId="1076"/>
-          <ac:grpSpMkLst>
-            <pc:docMk/>
-            <pc:sldMk cId="1221641340" sldId="260"/>
-            <ac:grpSpMk id="58" creationId="{795A902F-0CEB-4624-A4F7-A35999883786}"/>
-          </ac:grpSpMkLst>
-        </pc:grpChg>
-        <pc:grpChg chg="add del mod">
-          <ac:chgData name="김영찬" userId="a81591f0-1a4d-4c10-b0d3-35a306720c09" providerId="ADAL" clId="{8C5D3337-9A92-4731-953F-24DDF54DD1A0}" dt="2019-05-10T17:25:52.698" v="5257" actId="478"/>
-          <ac:grpSpMkLst>
-            <pc:docMk/>
-            <pc:sldMk cId="1221641340" sldId="260"/>
-            <ac:grpSpMk id="59" creationId="{FAC43C9C-C267-4B9A-AD91-735BC8AA3706}"/>
-          </ac:grpSpMkLst>
-        </pc:grpChg>
-        <pc:grpChg chg="add mod">
-          <ac:chgData name="김영찬" userId="a81591f0-1a4d-4c10-b0d3-35a306720c09" providerId="ADAL" clId="{8C5D3337-9A92-4731-953F-24DDF54DD1A0}" dt="2019-05-10T17:21:09.261" v="5150" actId="571"/>
-          <ac:grpSpMkLst>
-            <pc:docMk/>
-            <pc:sldMk cId="1221641340" sldId="260"/>
-            <ac:grpSpMk id="64" creationId="{48B213A5-8208-4D55-A798-2E1D6D170B76}"/>
-          </ac:grpSpMkLst>
-        </pc:grpChg>
-        <pc:grpChg chg="add del mod">
-          <ac:chgData name="김영찬" userId="a81591f0-1a4d-4c10-b0d3-35a306720c09" providerId="ADAL" clId="{8C5D3337-9A92-4731-953F-24DDF54DD1A0}" dt="2019-05-10T17:25:41.028" v="5255" actId="478"/>
-          <ac:grpSpMkLst>
-            <pc:docMk/>
-            <pc:sldMk cId="1221641340" sldId="260"/>
-            <ac:grpSpMk id="67" creationId="{51EABFA5-E863-4B20-B85F-223822F4A711}"/>
-          </ac:grpSpMkLst>
-        </pc:grpChg>
-        <pc:grpChg chg="add del mod">
-          <ac:chgData name="김영찬" userId="a81591f0-1a4d-4c10-b0d3-35a306720c09" providerId="ADAL" clId="{8C5D3337-9A92-4731-953F-24DDF54DD1A0}" dt="2019-05-10T17:25:36.276" v="5254" actId="478"/>
-          <ac:grpSpMkLst>
-            <pc:docMk/>
-            <pc:sldMk cId="1221641340" sldId="260"/>
-            <ac:grpSpMk id="72" creationId="{53408506-8742-4753-ABE1-CB98D979CBF0}"/>
-          </ac:grpSpMkLst>
-        </pc:grpChg>
-        <pc:grpChg chg="add mod">
-          <ac:chgData name="김영찬" userId="a81591f0-1a4d-4c10-b0d3-35a306720c09" providerId="ADAL" clId="{8C5D3337-9A92-4731-953F-24DDF54DD1A0}" dt="2019-05-10T17:24:06.514" v="5212" actId="164"/>
-          <ac:grpSpMkLst>
-            <pc:docMk/>
-            <pc:sldMk cId="1221641340" sldId="260"/>
-            <ac:grpSpMk id="78" creationId="{80987A1E-3518-4B2A-80D3-B1DE36C55406}"/>
-          </ac:grpSpMkLst>
-        </pc:grpChg>
-        <pc:grpChg chg="add mod">
-          <ac:chgData name="김영찬" userId="a81591f0-1a4d-4c10-b0d3-35a306720c09" providerId="ADAL" clId="{8C5D3337-9A92-4731-953F-24DDF54DD1A0}" dt="2019-05-10T17:24:11.514" v="5214" actId="1076"/>
-          <ac:grpSpMkLst>
-            <pc:docMk/>
-            <pc:sldMk cId="1221641340" sldId="260"/>
-            <ac:grpSpMk id="79" creationId="{991786F9-976D-440E-A1AB-359FDED6E3FF}"/>
-          </ac:grpSpMkLst>
-        </pc:grpChg>
-        <pc:grpChg chg="add del mod">
-          <ac:chgData name="김영찬" userId="a81591f0-1a4d-4c10-b0d3-35a306720c09" providerId="ADAL" clId="{8C5D3337-9A92-4731-953F-24DDF54DD1A0}" dt="2019-05-10T17:24:19.943" v="5217" actId="478"/>
-          <ac:grpSpMkLst>
-            <pc:docMk/>
-            <pc:sldMk cId="1221641340" sldId="260"/>
-            <ac:grpSpMk id="83" creationId="{1601A860-33B1-4029-97CD-6FA83519AEA4}"/>
-          </ac:grpSpMkLst>
-        </pc:grpChg>
-        <pc:grpChg chg="add del mod">
-          <ac:chgData name="김영찬" userId="a81591f0-1a4d-4c10-b0d3-35a306720c09" providerId="ADAL" clId="{8C5D3337-9A92-4731-953F-24DDF54DD1A0}" dt="2019-05-10T17:26:30.471" v="5267" actId="478"/>
-          <ac:grpSpMkLst>
-            <pc:docMk/>
-            <pc:sldMk cId="1221641340" sldId="260"/>
-            <ac:grpSpMk id="94" creationId="{41400074-601A-45C7-B11E-BF4E5E8E2469}"/>
-          </ac:grpSpMkLst>
-        </pc:grpChg>
-        <pc:picChg chg="add mod">
-          <ac:chgData name="김영찬" userId="a81591f0-1a4d-4c10-b0d3-35a306720c09" providerId="ADAL" clId="{8C5D3337-9A92-4731-953F-24DDF54DD1A0}" dt="2019-05-10T17:28:19.889" v="5325" actId="14100"/>
-          <ac:picMkLst>
-            <pc:docMk/>
-            <pc:sldMk cId="1221641340" sldId="260"/>
-            <ac:picMk id="101" creationId="{568BA88D-162C-452A-9720-F7E37A27BBA6}"/>
-          </ac:picMkLst>
-        </pc:picChg>
-        <pc:cxnChg chg="add mod">
-          <ac:chgData name="김영찬" userId="a81591f0-1a4d-4c10-b0d3-35a306720c09" providerId="ADAL" clId="{8C5D3337-9A92-4731-953F-24DDF54DD1A0}" dt="2019-05-10T17:08:01.517" v="4836" actId="1582"/>
-          <ac:cxnSpMkLst>
-            <pc:docMk/>
-            <pc:sldMk cId="1221641340" sldId="260"/>
-            <ac:cxnSpMk id="13" creationId="{4E70AB9B-4A45-4E61-BA3B-60131811A87B}"/>
-          </ac:cxnSpMkLst>
-        </pc:cxnChg>
-        <pc:cxnChg chg="add del mod">
-          <ac:chgData name="김영찬" userId="a81591f0-1a4d-4c10-b0d3-35a306720c09" providerId="ADAL" clId="{8C5D3337-9A92-4731-953F-24DDF54DD1A0}" dt="2019-05-10T17:06:27.130" v="4811" actId="478"/>
-          <ac:cxnSpMkLst>
-            <pc:docMk/>
-            <pc:sldMk cId="1221641340" sldId="260"/>
-            <ac:cxnSpMk id="14" creationId="{5FD38EF2-34DA-49BA-AB24-ECB5B4D60CD1}"/>
-          </ac:cxnSpMkLst>
-        </pc:cxnChg>
-        <pc:cxnChg chg="add mod">
-          <ac:chgData name="김영찬" userId="a81591f0-1a4d-4c10-b0d3-35a306720c09" providerId="ADAL" clId="{8C5D3337-9A92-4731-953F-24DDF54DD1A0}" dt="2019-05-10T17:08:01.517" v="4836" actId="1582"/>
-          <ac:cxnSpMkLst>
-            <pc:docMk/>
-            <pc:sldMk cId="1221641340" sldId="260"/>
-            <ac:cxnSpMk id="16" creationId="{05C85B2D-A01F-4C89-ACBD-FC17A09B1296}"/>
-          </ac:cxnSpMkLst>
-        </pc:cxnChg>
-        <pc:cxnChg chg="add del mod">
-          <ac:chgData name="김영찬" userId="a81591f0-1a4d-4c10-b0d3-35a306720c09" providerId="ADAL" clId="{8C5D3337-9A92-4731-953F-24DDF54DD1A0}" dt="2019-05-10T17:08:46.236" v="4841" actId="478"/>
-          <ac:cxnSpMkLst>
-            <pc:docMk/>
-            <pc:sldMk cId="1221641340" sldId="260"/>
-            <ac:cxnSpMk id="19" creationId="{7D7DA1DD-044F-4FC5-8F44-DE0468706C53}"/>
-          </ac:cxnSpMkLst>
-        </pc:cxnChg>
-        <pc:cxnChg chg="add del mod">
-          <ac:chgData name="김영찬" userId="a81591f0-1a4d-4c10-b0d3-35a306720c09" providerId="ADAL" clId="{8C5D3337-9A92-4731-953F-24DDF54DD1A0}" dt="2019-05-10T17:18:28.665" v="5102" actId="478"/>
-          <ac:cxnSpMkLst>
-            <pc:docMk/>
-            <pc:sldMk cId="1221641340" sldId="260"/>
-            <ac:cxnSpMk id="41" creationId="{F910757A-21D2-491C-8502-A7E30C6385C9}"/>
-          </ac:cxnSpMkLst>
-        </pc:cxnChg>
-        <pc:cxnChg chg="add del mod">
-          <ac:chgData name="김영찬" userId="a81591f0-1a4d-4c10-b0d3-35a306720c09" providerId="ADAL" clId="{8C5D3337-9A92-4731-953F-24DDF54DD1A0}" dt="2019-05-10T17:18:22.005" v="5098" actId="478"/>
-          <ac:cxnSpMkLst>
-            <pc:docMk/>
-            <pc:sldMk cId="1221641340" sldId="260"/>
-            <ac:cxnSpMk id="43" creationId="{82D22490-873A-46F2-BDCE-8F75A0EDD67C}"/>
-          </ac:cxnSpMkLst>
-        </pc:cxnChg>
-        <pc:cxnChg chg="add del mod">
-          <ac:chgData name="김영찬" userId="a81591f0-1a4d-4c10-b0d3-35a306720c09" providerId="ADAL" clId="{8C5D3337-9A92-4731-953F-24DDF54DD1A0}" dt="2019-05-10T17:42:19.610" v="5863" actId="478"/>
-          <ac:cxnSpMkLst>
-            <pc:docMk/>
-            <pc:sldMk cId="1221641340" sldId="260"/>
-            <ac:cxnSpMk id="110" creationId="{C4E5B7C4-0204-4E68-B84F-F7D7E584CC71}"/>
-          </ac:cxnSpMkLst>
-        </pc:cxnChg>
-        <pc:cxnChg chg="add mod ord">
-          <ac:chgData name="김영찬" userId="a81591f0-1a4d-4c10-b0d3-35a306720c09" providerId="ADAL" clId="{8C5D3337-9A92-4731-953F-24DDF54DD1A0}" dt="2019-05-10T18:15:23.358" v="8105" actId="171"/>
-          <ac:cxnSpMkLst>
-            <pc:docMk/>
-            <pc:sldMk cId="1221641340" sldId="260"/>
-            <ac:cxnSpMk id="113" creationId="{E412AD73-05FE-4267-90C9-5281741E8BA2}"/>
-          </ac:cxnSpMkLst>
-        </pc:cxnChg>
-      </pc:sldChg>
-      <pc:sldChg chg="modSp add">
-        <pc:chgData name="김영찬" userId="a81591f0-1a4d-4c10-b0d3-35a306720c09" providerId="ADAL" clId="{8C5D3337-9A92-4731-953F-24DDF54DD1A0}" dt="2019-05-10T18:00:42.363" v="7647" actId="20577"/>
-        <pc:sldMkLst>
-          <pc:docMk/>
-          <pc:sldMk cId="4197121160" sldId="261"/>
-        </pc:sldMkLst>
-        <pc:spChg chg="mod">
-          <ac:chgData name="김영찬" userId="a81591f0-1a4d-4c10-b0d3-35a306720c09" providerId="ADAL" clId="{8C5D3337-9A92-4731-953F-24DDF54DD1A0}" dt="2019-05-10T14:53:54.726" v="3442"/>
-          <ac:spMkLst>
-            <pc:docMk/>
-            <pc:sldMk cId="4197121160" sldId="261"/>
-            <ac:spMk id="2" creationId="{AA57BE3B-8A81-4775-8A24-BE9D0E50C6BC}"/>
-          </ac:spMkLst>
-        </pc:spChg>
-        <pc:spChg chg="mod">
-          <ac:chgData name="김영찬" userId="a81591f0-1a4d-4c10-b0d3-35a306720c09" providerId="ADAL" clId="{8C5D3337-9A92-4731-953F-24DDF54DD1A0}" dt="2019-05-10T16:48:15.030" v="3821" actId="6549"/>
-          <ac:spMkLst>
-            <pc:docMk/>
-            <pc:sldMk cId="4197121160" sldId="261"/>
-            <ac:spMk id="3" creationId="{C08FC53D-329F-4A72-89A3-715DA112070D}"/>
-          </ac:spMkLst>
-        </pc:spChg>
-        <pc:graphicFrameChg chg="mod modGraphic">
-          <ac:chgData name="김영찬" userId="a81591f0-1a4d-4c10-b0d3-35a306720c09" providerId="ADAL" clId="{8C5D3337-9A92-4731-953F-24DDF54DD1A0}" dt="2019-05-10T18:00:42.363" v="7647" actId="20577"/>
-          <ac:graphicFrameMkLst>
-            <pc:docMk/>
-            <pc:sldMk cId="4197121160" sldId="261"/>
-            <ac:graphicFrameMk id="7" creationId="{B5583A04-3A25-4635-A454-27DEBF9D096E}"/>
-          </ac:graphicFrameMkLst>
-        </pc:graphicFrameChg>
-      </pc:sldChg>
-      <pc:sldChg chg="addSp delSp add del">
-        <pc:chgData name="김영찬" userId="a81591f0-1a4d-4c10-b0d3-35a306720c09" providerId="ADAL" clId="{8C5D3337-9A92-4731-953F-24DDF54DD1A0}" dt="2019-05-10T17:09:32.486" v="4850"/>
-        <pc:sldMkLst>
-          <pc:docMk/>
-          <pc:sldMk cId="722420785" sldId="262"/>
-        </pc:sldMkLst>
-        <pc:spChg chg="add del">
-          <ac:chgData name="김영찬" userId="a81591f0-1a4d-4c10-b0d3-35a306720c09" providerId="ADAL" clId="{8C5D3337-9A92-4731-953F-24DDF54DD1A0}" dt="2019-05-10T17:09:31.511" v="4849" actId="478"/>
-          <ac:spMkLst>
-            <pc:docMk/>
-            <pc:sldMk cId="722420785" sldId="262"/>
-            <ac:spMk id="20" creationId="{E1F298EA-508C-4AB8-9290-EA407823E7F5}"/>
-          </ac:spMkLst>
-        </pc:spChg>
-      </pc:sldChg>
-      <pc:sldChg chg="addSp add del">
-        <pc:chgData name="김영찬" userId="a81591f0-1a4d-4c10-b0d3-35a306720c09" providerId="ADAL" clId="{8C5D3337-9A92-4731-953F-24DDF54DD1A0}" dt="2019-05-10T17:50:40.539" v="6203" actId="2696"/>
-        <pc:sldMkLst>
-          <pc:docMk/>
-          <pc:sldMk cId="3074357894" sldId="262"/>
-        </pc:sldMkLst>
-        <pc:spChg chg="add">
-          <ac:chgData name="김영찬" userId="a81591f0-1a4d-4c10-b0d3-35a306720c09" providerId="ADAL" clId="{8C5D3337-9A92-4731-953F-24DDF54DD1A0}" dt="2019-05-10T17:13:08.334" v="4973"/>
-          <ac:spMkLst>
-            <pc:docMk/>
-            <pc:sldMk cId="3074357894" sldId="262"/>
-            <ac:spMk id="14" creationId="{D83C9E43-585D-465F-B3C4-42CEEFFD5255}"/>
-          </ac:spMkLst>
-        </pc:spChg>
-      </pc:sldChg>
-      <pc:sldChg chg="add del">
-        <pc:chgData name="김영찬" userId="a81591f0-1a4d-4c10-b0d3-35a306720c09" providerId="ADAL" clId="{8C5D3337-9A92-4731-953F-24DDF54DD1A0}" dt="2019-05-10T17:11:51.752" v="4924" actId="2696"/>
-        <pc:sldMkLst>
-          <pc:docMk/>
-          <pc:sldMk cId="1918612071" sldId="263"/>
-        </pc:sldMkLst>
-      </pc:sldChg>
-      <pc:sldChg chg="add del ord">
-        <pc:chgData name="김영찬" userId="a81591f0-1a4d-4c10-b0d3-35a306720c09" providerId="ADAL" clId="{8C5D3337-9A92-4731-953F-24DDF54DD1A0}" dt="2019-05-10T17:12:26.989" v="4947" actId="2696"/>
-        <pc:sldMkLst>
-          <pc:docMk/>
-          <pc:sldMk cId="953340062" sldId="264"/>
-        </pc:sldMkLst>
-      </pc:sldChg>
-      <pc:sldChg chg="addSp delSp modSp add ord modNotesTx">
-        <pc:chgData name="김영찬" userId="a81591f0-1a4d-4c10-b0d3-35a306720c09" providerId="ADAL" clId="{8C5D3337-9A92-4731-953F-24DDF54DD1A0}" dt="2019-05-10T18:15:33.918" v="8107" actId="171"/>
-        <pc:sldMkLst>
-          <pc:docMk/>
-          <pc:sldMk cId="2582276959" sldId="265"/>
-        </pc:sldMkLst>
-        <pc:spChg chg="mod">
-          <ac:chgData name="김영찬" userId="a81591f0-1a4d-4c10-b0d3-35a306720c09" providerId="ADAL" clId="{8C5D3337-9A92-4731-953F-24DDF54DD1A0}" dt="2019-05-10T17:34:16.267" v="5553" actId="1076"/>
-          <ac:spMkLst>
-            <pc:docMk/>
-            <pc:sldMk cId="2582276959" sldId="265"/>
-            <ac:spMk id="7" creationId="{6434BBE4-A35E-46D1-A6A6-89E1E5B3AC82}"/>
-          </ac:spMkLst>
-        </pc:spChg>
-        <pc:spChg chg="mod">
-          <ac:chgData name="김영찬" userId="a81591f0-1a4d-4c10-b0d3-35a306720c09" providerId="ADAL" clId="{8C5D3337-9A92-4731-953F-24DDF54DD1A0}" dt="2019-05-10T17:34:16.267" v="5553" actId="1076"/>
-          <ac:spMkLst>
-            <pc:docMk/>
-            <pc:sldMk cId="2582276959" sldId="265"/>
-            <ac:spMk id="9" creationId="{88B0BA98-28C2-47C2-ADEB-240E7C8A8678}"/>
-          </ac:spMkLst>
-        </pc:spChg>
-        <pc:spChg chg="mod">
-          <ac:chgData name="김영찬" userId="a81591f0-1a4d-4c10-b0d3-35a306720c09" providerId="ADAL" clId="{8C5D3337-9A92-4731-953F-24DDF54DD1A0}" dt="2019-05-10T17:34:16.267" v="5553" actId="1076"/>
-          <ac:spMkLst>
-            <pc:docMk/>
-            <pc:sldMk cId="2582276959" sldId="265"/>
-            <ac:spMk id="11" creationId="{AF43066D-0DC7-4CB5-B15D-403A9A9554FC}"/>
-          </ac:spMkLst>
-        </pc:spChg>
-        <pc:spChg chg="add mod">
-          <ac:chgData name="김영찬" userId="a81591f0-1a4d-4c10-b0d3-35a306720c09" providerId="ADAL" clId="{8C5D3337-9A92-4731-953F-24DDF54DD1A0}" dt="2019-05-10T17:40:32.194" v="5805" actId="20577"/>
-          <ac:spMkLst>
-            <pc:docMk/>
-            <pc:sldMk cId="2582276959" sldId="265"/>
-            <ac:spMk id="18" creationId="{61955F4C-FFAF-4582-8C24-B7F49E195252}"/>
-          </ac:spMkLst>
-        </pc:spChg>
-        <pc:spChg chg="add mod">
-          <ac:chgData name="김영찬" userId="a81591f0-1a4d-4c10-b0d3-35a306720c09" providerId="ADAL" clId="{8C5D3337-9A92-4731-953F-24DDF54DD1A0}" dt="2019-05-10T17:34:16.267" v="5553" actId="1076"/>
-          <ac:spMkLst>
-            <pc:docMk/>
-            <pc:sldMk cId="2582276959" sldId="265"/>
-            <ac:spMk id="19" creationId="{762E667A-9045-423C-8595-FEC345859956}"/>
-          </ac:spMkLst>
-        </pc:spChg>
-        <pc:spChg chg="add mod">
-          <ac:chgData name="김영찬" userId="a81591f0-1a4d-4c10-b0d3-35a306720c09" providerId="ADAL" clId="{8C5D3337-9A92-4731-953F-24DDF54DD1A0}" dt="2019-05-10T17:34:16.267" v="5553" actId="1076"/>
-          <ac:spMkLst>
-            <pc:docMk/>
-            <pc:sldMk cId="2582276959" sldId="265"/>
-            <ac:spMk id="20" creationId="{8D5929E5-49A3-4BBC-A9BF-60241544D46D}"/>
-          </ac:spMkLst>
-        </pc:spChg>
-        <pc:spChg chg="mod">
-          <ac:chgData name="김영찬" userId="a81591f0-1a4d-4c10-b0d3-35a306720c09" providerId="ADAL" clId="{8C5D3337-9A92-4731-953F-24DDF54DD1A0}" dt="2019-05-10T17:34:16.267" v="5553" actId="1076"/>
-          <ac:spMkLst>
-            <pc:docMk/>
-            <pc:sldMk cId="2582276959" sldId="265"/>
-            <ac:spMk id="21" creationId="{988D318C-87AF-41FF-81C3-01B10BB4AB51}"/>
-          </ac:spMkLst>
-        </pc:spChg>
-        <pc:spChg chg="mod">
-          <ac:chgData name="김영찬" userId="a81591f0-1a4d-4c10-b0d3-35a306720c09" providerId="ADAL" clId="{8C5D3337-9A92-4731-953F-24DDF54DD1A0}" dt="2019-05-10T17:34:16.267" v="5553" actId="1076"/>
-          <ac:spMkLst>
-            <pc:docMk/>
-            <pc:sldMk cId="2582276959" sldId="265"/>
-            <ac:spMk id="22" creationId="{FC77D65E-E637-4977-9435-5E99C58611F8}"/>
-          </ac:spMkLst>
-        </pc:spChg>
-        <pc:spChg chg="mod">
-          <ac:chgData name="김영찬" userId="a81591f0-1a4d-4c10-b0d3-35a306720c09" providerId="ADAL" clId="{8C5D3337-9A92-4731-953F-24DDF54DD1A0}" dt="2019-05-10T18:01:26.565" v="7729" actId="1076"/>
-          <ac:spMkLst>
-            <pc:docMk/>
-            <pc:sldMk cId="2582276959" sldId="265"/>
-            <ac:spMk id="23" creationId="{BE94DD50-7579-4427-B5C6-E261323D05F5}"/>
-          </ac:spMkLst>
-        </pc:spChg>
-        <pc:spChg chg="add mod">
-          <ac:chgData name="김영찬" userId="a81591f0-1a4d-4c10-b0d3-35a306720c09" providerId="ADAL" clId="{8C5D3337-9A92-4731-953F-24DDF54DD1A0}" dt="2019-05-10T17:34:16.267" v="5553" actId="1076"/>
-          <ac:spMkLst>
-            <pc:docMk/>
-            <pc:sldMk cId="2582276959" sldId="265"/>
-            <ac:spMk id="24" creationId="{94F31387-3574-415E-B813-C3A499201D81}"/>
-          </ac:spMkLst>
-        </pc:spChg>
-        <pc:spChg chg="add mod">
-          <ac:chgData name="김영찬" userId="a81591f0-1a4d-4c10-b0d3-35a306720c09" providerId="ADAL" clId="{8C5D3337-9A92-4731-953F-24DDF54DD1A0}" dt="2019-05-10T17:34:16.267" v="5553" actId="1076"/>
-          <ac:spMkLst>
-            <pc:docMk/>
-            <pc:sldMk cId="2582276959" sldId="265"/>
-            <ac:spMk id="26" creationId="{9E227871-F366-439A-B0E0-3B8AAC805176}"/>
-          </ac:spMkLst>
-        </pc:spChg>
-        <pc:spChg chg="add mod">
-          <ac:chgData name="김영찬" userId="a81591f0-1a4d-4c10-b0d3-35a306720c09" providerId="ADAL" clId="{8C5D3337-9A92-4731-953F-24DDF54DD1A0}" dt="2019-05-10T17:34:16.267" v="5553" actId="1076"/>
-          <ac:spMkLst>
-            <pc:docMk/>
-            <pc:sldMk cId="2582276959" sldId="265"/>
-            <ac:spMk id="27" creationId="{F8FC38A5-7E25-4D3D-AA7D-853842B7EF7B}"/>
-          </ac:spMkLst>
-        </pc:spChg>
-        <pc:spChg chg="add mod">
-          <ac:chgData name="김영찬" userId="a81591f0-1a4d-4c10-b0d3-35a306720c09" providerId="ADAL" clId="{8C5D3337-9A92-4731-953F-24DDF54DD1A0}" dt="2019-05-10T17:47:58.802" v="6028" actId="1076"/>
-          <ac:spMkLst>
-            <pc:docMk/>
-            <pc:sldMk cId="2582276959" sldId="265"/>
-            <ac:spMk id="28" creationId="{F7AB2A20-517A-498F-9456-2227C120888B}"/>
-          </ac:spMkLst>
-        </pc:spChg>
-        <pc:spChg chg="add mod">
-          <ac:chgData name="김영찬" userId="a81591f0-1a4d-4c10-b0d3-35a306720c09" providerId="ADAL" clId="{8C5D3337-9A92-4731-953F-24DDF54DD1A0}" dt="2019-05-10T17:55:06.161" v="6896" actId="403"/>
-          <ac:spMkLst>
-            <pc:docMk/>
-            <pc:sldMk cId="2582276959" sldId="265"/>
-            <ac:spMk id="29" creationId="{EFB61870-2F03-4C81-975E-5B6D933216F1}"/>
-          </ac:spMkLst>
-        </pc:spChg>
-        <pc:spChg chg="add mod">
-          <ac:chgData name="김영찬" userId="a81591f0-1a4d-4c10-b0d3-35a306720c09" providerId="ADAL" clId="{8C5D3337-9A92-4731-953F-24DDF54DD1A0}" dt="2019-05-10T18:01:14.360" v="7726" actId="1076"/>
-          <ac:spMkLst>
-            <pc:docMk/>
-            <pc:sldMk cId="2582276959" sldId="265"/>
-            <ac:spMk id="30" creationId="{64B4FE7E-B21B-45D9-B20A-10FD80F1BA6B}"/>
-          </ac:spMkLst>
-        </pc:spChg>
-        <pc:spChg chg="add mod">
-          <ac:chgData name="김영찬" userId="a81591f0-1a4d-4c10-b0d3-35a306720c09" providerId="ADAL" clId="{8C5D3337-9A92-4731-953F-24DDF54DD1A0}" dt="2019-05-10T18:01:51.014" v="7732" actId="1076"/>
-          <ac:spMkLst>
-            <pc:docMk/>
-            <pc:sldMk cId="2582276959" sldId="265"/>
-            <ac:spMk id="31" creationId="{FB251861-8A83-4AD8-ABAC-A5420030A015}"/>
-          </ac:spMkLst>
-        </pc:spChg>
-        <pc:spChg chg="add mod">
-          <ac:chgData name="김영찬" userId="a81591f0-1a4d-4c10-b0d3-35a306720c09" providerId="ADAL" clId="{8C5D3337-9A92-4731-953F-24DDF54DD1A0}" dt="2019-05-10T17:37:06.521" v="5644" actId="20577"/>
-          <ac:spMkLst>
-            <pc:docMk/>
-            <pc:sldMk cId="2582276959" sldId="265"/>
-            <ac:spMk id="32" creationId="{84AD476A-FD78-4DF6-B3A9-37DE6D2F7B79}"/>
-          </ac:spMkLst>
-        </pc:spChg>
-        <pc:spChg chg="add mod">
-          <ac:chgData name="김영찬" userId="a81591f0-1a4d-4c10-b0d3-35a306720c09" providerId="ADAL" clId="{8C5D3337-9A92-4731-953F-24DDF54DD1A0}" dt="2019-05-10T17:37:16.501" v="5658" actId="1076"/>
-          <ac:spMkLst>
-            <pc:docMk/>
-            <pc:sldMk cId="2582276959" sldId="265"/>
-            <ac:spMk id="33" creationId="{7E881AC3-27B3-4241-A38C-9C02407FF0CB}"/>
-          </ac:spMkLst>
-        </pc:spChg>
-        <pc:spChg chg="add mod">
-          <ac:chgData name="김영찬" userId="a81591f0-1a4d-4c10-b0d3-35a306720c09" providerId="ADAL" clId="{8C5D3337-9A92-4731-953F-24DDF54DD1A0}" dt="2019-05-10T17:37:18.433" v="5660" actId="571"/>
-          <ac:spMkLst>
-            <pc:docMk/>
-            <pc:sldMk cId="2582276959" sldId="265"/>
-            <ac:spMk id="34" creationId="{A4D8031F-F64D-49C2-AA4B-D52E8C1EDE7D}"/>
-          </ac:spMkLst>
-        </pc:spChg>
-        <pc:spChg chg="add mod">
-          <ac:chgData name="김영찬" userId="a81591f0-1a4d-4c10-b0d3-35a306720c09" providerId="ADAL" clId="{8C5D3337-9A92-4731-953F-24DDF54DD1A0}" dt="2019-05-10T17:37:18.433" v="5660" actId="571"/>
-          <ac:spMkLst>
-            <pc:docMk/>
-            <pc:sldMk cId="2582276959" sldId="265"/>
-            <ac:spMk id="35" creationId="{3F60F4AC-1D83-43C5-B4C5-4C3D1EDCE2EF}"/>
-          </ac:spMkLst>
-        </pc:spChg>
-        <pc:spChg chg="add del mod">
-          <ac:chgData name="김영찬" userId="a81591f0-1a4d-4c10-b0d3-35a306720c09" providerId="ADAL" clId="{8C5D3337-9A92-4731-953F-24DDF54DD1A0}" dt="2019-05-10T17:37:41.464" v="5666" actId="478"/>
-          <ac:spMkLst>
-            <pc:docMk/>
-            <pc:sldMk cId="2582276959" sldId="265"/>
-            <ac:spMk id="36" creationId="{ACEB7AAA-FD6C-473B-8EEF-E75A7D0BFC45}"/>
-          </ac:spMkLst>
-        </pc:spChg>
-        <pc:spChg chg="add mod">
-          <ac:chgData name="김영찬" userId="a81591f0-1a4d-4c10-b0d3-35a306720c09" providerId="ADAL" clId="{8C5D3337-9A92-4731-953F-24DDF54DD1A0}" dt="2019-05-10T17:38:05.949" v="5681" actId="14100"/>
-          <ac:spMkLst>
-            <pc:docMk/>
-            <pc:sldMk cId="2582276959" sldId="265"/>
-            <ac:spMk id="37" creationId="{CB35EFBA-5839-4172-BD1F-06036DFAE808}"/>
-          </ac:spMkLst>
-        </pc:spChg>
-        <pc:spChg chg="add mod">
-          <ac:chgData name="김영찬" userId="a81591f0-1a4d-4c10-b0d3-35a306720c09" providerId="ADAL" clId="{8C5D3337-9A92-4731-953F-24DDF54DD1A0}" dt="2019-05-10T17:38:09.451" v="5682" actId="1076"/>
-          <ac:spMkLst>
-            <pc:docMk/>
-            <pc:sldMk cId="2582276959" sldId="265"/>
-            <ac:spMk id="38" creationId="{E2972689-5762-43E9-BD75-5F1606FB050B}"/>
-          </ac:spMkLst>
-        </pc:spChg>
-        <pc:spChg chg="add del mod">
-          <ac:chgData name="김영찬" userId="a81591f0-1a4d-4c10-b0d3-35a306720c09" providerId="ADAL" clId="{8C5D3337-9A92-4731-953F-24DDF54DD1A0}" dt="2019-05-10T17:38:37.469" v="5687" actId="478"/>
-          <ac:spMkLst>
-            <pc:docMk/>
-            <pc:sldMk cId="2582276959" sldId="265"/>
-            <ac:spMk id="39" creationId="{5011DAC8-DCE2-4C62-A282-FA52C35D17EB}"/>
-          </ac:spMkLst>
-        </pc:spChg>
-        <pc:spChg chg="add mod">
-          <ac:chgData name="김영찬" userId="a81591f0-1a4d-4c10-b0d3-35a306720c09" providerId="ADAL" clId="{8C5D3337-9A92-4731-953F-24DDF54DD1A0}" dt="2019-05-10T17:40:03.612" v="5729" actId="1076"/>
-          <ac:spMkLst>
-            <pc:docMk/>
-            <pc:sldMk cId="2582276959" sldId="265"/>
-            <ac:spMk id="40" creationId="{70CF3580-7838-4E89-A456-A1F0FACF264F}"/>
-          </ac:spMkLst>
-        </pc:spChg>
-        <pc:spChg chg="add del mod">
-          <ac:chgData name="김영찬" userId="a81591f0-1a4d-4c10-b0d3-35a306720c09" providerId="ADAL" clId="{8C5D3337-9A92-4731-953F-24DDF54DD1A0}" dt="2019-05-10T17:38:52.622" v="5692" actId="478"/>
-          <ac:spMkLst>
-            <pc:docMk/>
-            <pc:sldMk cId="2582276959" sldId="265"/>
-            <ac:spMk id="41" creationId="{69EEE542-7F91-4922-9370-AD598960402E}"/>
-          </ac:spMkLst>
-        </pc:spChg>
-        <pc:spChg chg="add mod">
-          <ac:chgData name="김영찬" userId="a81591f0-1a4d-4c10-b0d3-35a306720c09" providerId="ADAL" clId="{8C5D3337-9A92-4731-953F-24DDF54DD1A0}" dt="2019-05-10T17:40:07.512" v="5730" actId="1076"/>
-          <ac:spMkLst>
-            <pc:docMk/>
-            <pc:sldMk cId="2582276959" sldId="265"/>
-            <ac:spMk id="42" creationId="{E7D49E53-CC64-4753-A13D-F0FA0FF310B6}"/>
-          </ac:spMkLst>
-        </pc:spChg>
-        <pc:spChg chg="add mod">
-          <ac:chgData name="김영찬" userId="a81591f0-1a4d-4c10-b0d3-35a306720c09" providerId="ADAL" clId="{8C5D3337-9A92-4731-953F-24DDF54DD1A0}" dt="2019-05-10T17:56:04.501" v="7004" actId="14100"/>
-          <ac:spMkLst>
-            <pc:docMk/>
-            <pc:sldMk cId="2582276959" sldId="265"/>
-            <ac:spMk id="46" creationId="{581FC385-8C18-4205-B329-C1CDAF74689E}"/>
-          </ac:spMkLst>
-        </pc:spChg>
-        <pc:spChg chg="add mod topLvl">
-          <ac:chgData name="김영찬" userId="a81591f0-1a4d-4c10-b0d3-35a306720c09" providerId="ADAL" clId="{8C5D3337-9A92-4731-953F-24DDF54DD1A0}" dt="2019-05-10T17:56:17.238" v="7008" actId="1076"/>
-          <ac:spMkLst>
-            <pc:docMk/>
-            <pc:sldMk cId="2582276959" sldId="265"/>
-            <ac:spMk id="47" creationId="{FCACF82F-8ABB-4DA2-99E0-D39D66B81BB2}"/>
-          </ac:spMkLst>
-        </pc:spChg>
-        <pc:spChg chg="add mod">
-          <ac:chgData name="김영찬" userId="a81591f0-1a4d-4c10-b0d3-35a306720c09" providerId="ADAL" clId="{8C5D3337-9A92-4731-953F-24DDF54DD1A0}" dt="2019-05-10T17:46:46.174" v="5979" actId="1582"/>
-          <ac:spMkLst>
-            <pc:docMk/>
-            <pc:sldMk cId="2582276959" sldId="265"/>
-            <ac:spMk id="48" creationId="{B1C03A54-E79D-4CB5-B0A8-06046A121E48}"/>
-          </ac:spMkLst>
-        </pc:spChg>
-        <pc:spChg chg="add mod">
-          <ac:chgData name="김영찬" userId="a81591f0-1a4d-4c10-b0d3-35a306720c09" providerId="ADAL" clId="{8C5D3337-9A92-4731-953F-24DDF54DD1A0}" dt="2019-05-10T17:47:06.915" v="5983" actId="14100"/>
-          <ac:spMkLst>
-            <pc:docMk/>
-            <pc:sldMk cId="2582276959" sldId="265"/>
-            <ac:spMk id="49" creationId="{47E3461F-2C29-4AC8-95DE-B87B1F9B14D7}"/>
-          </ac:spMkLst>
-        </pc:spChg>
-        <pc:spChg chg="mod topLvl">
-          <ac:chgData name="김영찬" userId="a81591f0-1a4d-4c10-b0d3-35a306720c09" providerId="ADAL" clId="{8C5D3337-9A92-4731-953F-24DDF54DD1A0}" dt="2019-05-10T17:56:17.238" v="7008" actId="1076"/>
-          <ac:spMkLst>
-            <pc:docMk/>
-            <pc:sldMk cId="2582276959" sldId="265"/>
-            <ac:spMk id="53" creationId="{5D1206B4-3A4E-44E6-827C-27CEC0C7315C}"/>
-          </ac:spMkLst>
-        </pc:spChg>
-        <pc:spChg chg="mod topLvl">
-          <ac:chgData name="김영찬" userId="a81591f0-1a4d-4c10-b0d3-35a306720c09" providerId="ADAL" clId="{8C5D3337-9A92-4731-953F-24DDF54DD1A0}" dt="2019-05-10T17:56:17.238" v="7008" actId="1076"/>
-          <ac:spMkLst>
-            <pc:docMk/>
-            <pc:sldMk cId="2582276959" sldId="265"/>
-            <ac:spMk id="55" creationId="{225FB835-2225-4A26-AB1E-DB50DBF7E597}"/>
-          </ac:spMkLst>
-        </pc:spChg>
-        <pc:spChg chg="del mod">
-          <ac:chgData name="김영찬" userId="a81591f0-1a4d-4c10-b0d3-35a306720c09" providerId="ADAL" clId="{8C5D3337-9A92-4731-953F-24DDF54DD1A0}" dt="2019-05-10T17:45:52.314" v="5967" actId="478"/>
-          <ac:spMkLst>
-            <pc:docMk/>
-            <pc:sldMk cId="2582276959" sldId="265"/>
-            <ac:spMk id="56" creationId="{EFE220D5-3854-496F-9A8F-6CF33B25E90F}"/>
-          </ac:spMkLst>
-        </pc:spChg>
-        <pc:spChg chg="mod topLvl">
-          <ac:chgData name="김영찬" userId="a81591f0-1a4d-4c10-b0d3-35a306720c09" providerId="ADAL" clId="{8C5D3337-9A92-4731-953F-24DDF54DD1A0}" dt="2019-05-10T17:56:17.238" v="7008" actId="1076"/>
-          <ac:spMkLst>
-            <pc:docMk/>
-            <pc:sldMk cId="2582276959" sldId="265"/>
-            <ac:spMk id="58" creationId="{AE087BA9-6968-4AB6-B0B3-568BB13234A0}"/>
-          </ac:spMkLst>
-        </pc:spChg>
-        <pc:spChg chg="mod topLvl">
-          <ac:chgData name="김영찬" userId="a81591f0-1a4d-4c10-b0d3-35a306720c09" providerId="ADAL" clId="{8C5D3337-9A92-4731-953F-24DDF54DD1A0}" dt="2019-05-10T17:56:17.238" v="7008" actId="1076"/>
-          <ac:spMkLst>
-            <pc:docMk/>
-            <pc:sldMk cId="2582276959" sldId="265"/>
-            <ac:spMk id="60" creationId="{DA46C195-7A22-4E71-AA0F-F7110B32C538}"/>
-          </ac:spMkLst>
-        </pc:spChg>
-        <pc:spChg chg="del mod">
-          <ac:chgData name="김영찬" userId="a81591f0-1a4d-4c10-b0d3-35a306720c09" providerId="ADAL" clId="{8C5D3337-9A92-4731-953F-24DDF54DD1A0}" dt="2019-05-10T17:45:55.021" v="5968" actId="478"/>
-          <ac:spMkLst>
-            <pc:docMk/>
-            <pc:sldMk cId="2582276959" sldId="265"/>
-            <ac:spMk id="61" creationId="{6FD9796A-3610-4070-9EA9-D1A0AE625C28}"/>
-          </ac:spMkLst>
-        </pc:spChg>
-        <pc:spChg chg="add mod">
-          <ac:chgData name="김영찬" userId="a81591f0-1a4d-4c10-b0d3-35a306720c09" providerId="ADAL" clId="{8C5D3337-9A92-4731-953F-24DDF54DD1A0}" dt="2019-05-10T17:49:16.970" v="6173" actId="1076"/>
-          <ac:spMkLst>
-            <pc:docMk/>
-            <pc:sldMk cId="2582276959" sldId="265"/>
-            <ac:spMk id="62" creationId="{72511F03-F295-42C2-AF41-4720E9710643}"/>
-          </ac:spMkLst>
-        </pc:spChg>
-        <pc:spChg chg="add del">
-          <ac:chgData name="김영찬" userId="a81591f0-1a4d-4c10-b0d3-35a306720c09" providerId="ADAL" clId="{8C5D3337-9A92-4731-953F-24DDF54DD1A0}" dt="2019-05-10T17:48:10.299" v="6030"/>
-          <ac:spMkLst>
-            <pc:docMk/>
-            <pc:sldMk cId="2582276959" sldId="265"/>
-            <ac:spMk id="63" creationId="{2611635B-1670-496F-9976-73EC4A58D9E2}"/>
-          </ac:spMkLst>
-        </pc:spChg>
-        <pc:spChg chg="add del mod">
-          <ac:chgData name="김영찬" userId="a81591f0-1a4d-4c10-b0d3-35a306720c09" providerId="ADAL" clId="{8C5D3337-9A92-4731-953F-24DDF54DD1A0}" dt="2019-05-10T17:49:55.781" v="6194" actId="1076"/>
-          <ac:spMkLst>
-            <pc:docMk/>
-            <pc:sldMk cId="2582276959" sldId="265"/>
-            <ac:spMk id="64" creationId="{4C9C2DD2-AF4F-4A11-A176-4AC8115ECA4D}"/>
-          </ac:spMkLst>
-        </pc:spChg>
-        <pc:spChg chg="add mod">
-          <ac:chgData name="김영찬" userId="a81591f0-1a4d-4c10-b0d3-35a306720c09" providerId="ADAL" clId="{8C5D3337-9A92-4731-953F-24DDF54DD1A0}" dt="2019-05-10T18:01:13.930" v="7725"/>
-          <ac:spMkLst>
-            <pc:docMk/>
-            <pc:sldMk cId="2582276959" sldId="265"/>
-            <ac:spMk id="66" creationId="{86890F16-6935-487A-98EF-CDCDC04222D8}"/>
-          </ac:spMkLst>
-        </pc:spChg>
-        <pc:spChg chg="add mod">
-          <ac:chgData name="김영찬" userId="a81591f0-1a4d-4c10-b0d3-35a306720c09" providerId="ADAL" clId="{8C5D3337-9A92-4731-953F-24DDF54DD1A0}" dt="2019-05-10T18:01:13.930" v="7725"/>
-          <ac:spMkLst>
-            <pc:docMk/>
-            <pc:sldMk cId="2582276959" sldId="265"/>
-            <ac:spMk id="67" creationId="{4FD04725-12BB-4157-978A-119F704B92B5}"/>
-          </ac:spMkLst>
-        </pc:spChg>
-        <pc:spChg chg="add mod">
-          <ac:chgData name="김영찬" userId="a81591f0-1a4d-4c10-b0d3-35a306720c09" providerId="ADAL" clId="{8C5D3337-9A92-4731-953F-24DDF54DD1A0}" dt="2019-05-10T18:04:25.420" v="7853" actId="1076"/>
-          <ac:spMkLst>
-            <pc:docMk/>
-            <pc:sldMk cId="2582276959" sldId="265"/>
-            <ac:spMk id="68" creationId="{396B13CE-1307-426A-A954-2328F66940EC}"/>
-          </ac:spMkLst>
-        </pc:spChg>
-        <pc:grpChg chg="mod">
-          <ac:chgData name="김영찬" userId="a81591f0-1a4d-4c10-b0d3-35a306720c09" providerId="ADAL" clId="{8C5D3337-9A92-4731-953F-24DDF54DD1A0}" dt="2019-05-10T17:34:16.267" v="5553" actId="1076"/>
-          <ac:grpSpMkLst>
-            <pc:docMk/>
-            <pc:sldMk cId="2582276959" sldId="265"/>
-            <ac:grpSpMk id="17" creationId="{D262DC4F-D505-4A30-9197-10A478FFD354}"/>
-          </ac:grpSpMkLst>
-        </pc:grpChg>
-        <pc:grpChg chg="add mod topLvl">
-          <ac:chgData name="김영찬" userId="a81591f0-1a4d-4c10-b0d3-35a306720c09" providerId="ADAL" clId="{8C5D3337-9A92-4731-953F-24DDF54DD1A0}" dt="2019-05-10T17:56:17.238" v="7008" actId="1076"/>
-          <ac:grpSpMkLst>
-            <pc:docMk/>
-            <pc:sldMk cId="2582276959" sldId="265"/>
-            <ac:grpSpMk id="50" creationId="{E57ABCDC-9666-47EF-9E26-DD1C96EBD674}"/>
-          </ac:grpSpMkLst>
-        </pc:grpChg>
-        <pc:grpChg chg="add del mod">
-          <ac:chgData name="김영찬" userId="a81591f0-1a4d-4c10-b0d3-35a306720c09" providerId="ADAL" clId="{8C5D3337-9A92-4731-953F-24DDF54DD1A0}" dt="2019-05-10T17:46:13.570" v="5971" actId="165"/>
-          <ac:grpSpMkLst>
-            <pc:docMk/>
-            <pc:sldMk cId="2582276959" sldId="265"/>
-            <ac:grpSpMk id="51" creationId="{DCAA0E67-BC03-4AD8-9EFA-E80CC692D663}"/>
-          </ac:grpSpMkLst>
-        </pc:grpChg>
-        <pc:grpChg chg="add del mod">
-          <ac:chgData name="김영찬" userId="a81591f0-1a4d-4c10-b0d3-35a306720c09" providerId="ADAL" clId="{8C5D3337-9A92-4731-953F-24DDF54DD1A0}" dt="2019-05-10T17:46:09.333" v="5969" actId="165"/>
-          <ac:grpSpMkLst>
-            <pc:docMk/>
-            <pc:sldMk cId="2582276959" sldId="265"/>
-            <ac:grpSpMk id="52" creationId="{79FA1BEE-E419-4E64-AE47-150EEB132140}"/>
-          </ac:grpSpMkLst>
-        </pc:grpChg>
-        <pc:grpChg chg="del mod">
-          <ac:chgData name="김영찬" userId="a81591f0-1a4d-4c10-b0d3-35a306720c09" providerId="ADAL" clId="{8C5D3337-9A92-4731-953F-24DDF54DD1A0}" dt="2019-05-10T17:45:52.314" v="5967" actId="478"/>
-          <ac:grpSpMkLst>
-            <pc:docMk/>
-            <pc:sldMk cId="2582276959" sldId="265"/>
-            <ac:grpSpMk id="54" creationId="{5A74065D-12A0-41B5-B288-22A5113E35ED}"/>
-          </ac:grpSpMkLst>
-        </pc:grpChg>
-        <pc:grpChg chg="add del mod">
-          <ac:chgData name="김영찬" userId="a81591f0-1a4d-4c10-b0d3-35a306720c09" providerId="ADAL" clId="{8C5D3337-9A92-4731-953F-24DDF54DD1A0}" dt="2019-05-10T17:46:11.303" v="5970" actId="165"/>
-          <ac:grpSpMkLst>
-            <pc:docMk/>
-            <pc:sldMk cId="2582276959" sldId="265"/>
-            <ac:grpSpMk id="57" creationId="{B6BE8822-B056-41B5-995D-5135F453263C}"/>
-          </ac:grpSpMkLst>
-        </pc:grpChg>
-        <pc:grpChg chg="del mod">
-          <ac:chgData name="김영찬" userId="a81591f0-1a4d-4c10-b0d3-35a306720c09" providerId="ADAL" clId="{8C5D3337-9A92-4731-953F-24DDF54DD1A0}" dt="2019-05-10T17:45:55.021" v="5968" actId="478"/>
-          <ac:grpSpMkLst>
-            <pc:docMk/>
-            <pc:sldMk cId="2582276959" sldId="265"/>
-            <ac:grpSpMk id="59" creationId="{C5E99859-B5F2-4780-8845-9268F5AAD747}"/>
-          </ac:grpSpMkLst>
-        </pc:grpChg>
-        <pc:picChg chg="add mod">
-          <ac:chgData name="김영찬" userId="a81591f0-1a4d-4c10-b0d3-35a306720c09" providerId="ADAL" clId="{8C5D3337-9A92-4731-953F-24DDF54DD1A0}" dt="2019-05-10T17:34:16.267" v="5553" actId="1076"/>
-          <ac:picMkLst>
-            <pc:docMk/>
-            <pc:sldMk cId="2582276959" sldId="265"/>
-            <ac:picMk id="25" creationId="{9963EE23-F192-46B8-87EF-C84A7818A35D}"/>
-          </ac:picMkLst>
-        </pc:picChg>
-        <pc:picChg chg="add mod">
-          <ac:chgData name="김영찬" userId="a81591f0-1a4d-4c10-b0d3-35a306720c09" providerId="ADAL" clId="{8C5D3337-9A92-4731-953F-24DDF54DD1A0}" dt="2019-05-10T17:50:19.888" v="6202" actId="1076"/>
-          <ac:picMkLst>
-            <pc:docMk/>
-            <pc:sldMk cId="2582276959" sldId="265"/>
-            <ac:picMk id="65" creationId="{5F538F27-1F41-4F12-896A-09AD58C8C0BF}"/>
-          </ac:picMkLst>
-        </pc:picChg>
-        <pc:cxnChg chg="add mod">
-          <ac:chgData name="김영찬" userId="a81591f0-1a4d-4c10-b0d3-35a306720c09" providerId="ADAL" clId="{8C5D3337-9A92-4731-953F-24DDF54DD1A0}" dt="2019-05-10T17:34:16.267" v="5553" actId="1076"/>
-          <ac:cxnSpMkLst>
-            <pc:docMk/>
-            <pc:sldMk cId="2582276959" sldId="265"/>
-            <ac:cxnSpMk id="10" creationId="{F264205D-E2E2-4061-9A3D-6F99671212C1}"/>
-          </ac:cxnSpMkLst>
-        </pc:cxnChg>
-        <pc:cxnChg chg="add del mod">
-          <ac:chgData name="김영찬" userId="a81591f0-1a4d-4c10-b0d3-35a306720c09" providerId="ADAL" clId="{8C5D3337-9A92-4731-953F-24DDF54DD1A0}" dt="2019-05-10T17:40:50.686" v="5807" actId="11529"/>
-          <ac:cxnSpMkLst>
-            <pc:docMk/>
-            <pc:sldMk cId="2582276959" sldId="265"/>
-            <ac:cxnSpMk id="14" creationId="{469C3474-948E-41AE-9CBD-77A8B17CE0D2}"/>
-          </ac:cxnSpMkLst>
-        </pc:cxnChg>
-        <pc:cxnChg chg="add del mod">
-          <ac:chgData name="김영찬" userId="a81591f0-1a4d-4c10-b0d3-35a306720c09" providerId="ADAL" clId="{8C5D3337-9A92-4731-953F-24DDF54DD1A0}" dt="2019-05-10T17:41:02.283" v="5809" actId="11529"/>
-          <ac:cxnSpMkLst>
-            <pc:docMk/>
-            <pc:sldMk cId="2582276959" sldId="265"/>
-            <ac:cxnSpMk id="43" creationId="{DB473207-3503-4B07-A52F-196304ECF67B}"/>
-          </ac:cxnSpMkLst>
-        </pc:cxnChg>
-        <pc:cxnChg chg="add mod">
-          <ac:chgData name="김영찬" userId="a81591f0-1a4d-4c10-b0d3-35a306720c09" providerId="ADAL" clId="{8C5D3337-9A92-4731-953F-24DDF54DD1A0}" dt="2019-05-10T17:41:23.884" v="5812" actId="208"/>
-          <ac:cxnSpMkLst>
-            <pc:docMk/>
-            <pc:sldMk cId="2582276959" sldId="265"/>
-            <ac:cxnSpMk id="45" creationId="{442CCCA7-A6FD-4F69-AEBC-A669F5F24301}"/>
-          </ac:cxnSpMkLst>
-        </pc:cxnChg>
-        <pc:cxnChg chg="add mod ord">
-          <ac:chgData name="김영찬" userId="a81591f0-1a4d-4c10-b0d3-35a306720c09" providerId="ADAL" clId="{8C5D3337-9A92-4731-953F-24DDF54DD1A0}" dt="2019-05-10T18:15:33.918" v="8107" actId="171"/>
-          <ac:cxnSpMkLst>
-            <pc:docMk/>
-            <pc:sldMk cId="2582276959" sldId="265"/>
-            <ac:cxnSpMk id="71" creationId="{8F59005E-9052-45E6-90AA-E496E45F7E57}"/>
-          </ac:cxnSpMkLst>
-        </pc:cxnChg>
-      </pc:sldChg>
-      <pc:sldChg chg="addSp delSp modSp add">
-        <pc:chgData name="김영찬" userId="a81591f0-1a4d-4c10-b0d3-35a306720c09" providerId="ADAL" clId="{8C5D3337-9A92-4731-953F-24DDF54DD1A0}" dt="2019-05-10T18:13:55.873" v="8098"/>
-        <pc:sldMkLst>
-          <pc:docMk/>
-          <pc:sldMk cId="306099351" sldId="266"/>
-        </pc:sldMkLst>
-        <pc:spChg chg="mod">
-          <ac:chgData name="김영찬" userId="a81591f0-1a4d-4c10-b0d3-35a306720c09" providerId="ADAL" clId="{8C5D3337-9A92-4731-953F-24DDF54DD1A0}" dt="2019-05-10T18:00:08.338" v="7587" actId="6549"/>
-          <ac:spMkLst>
-            <pc:docMk/>
-            <pc:sldMk cId="306099351" sldId="266"/>
-            <ac:spMk id="3" creationId="{C08FC53D-329F-4A72-89A3-715DA112070D}"/>
-          </ac:spMkLst>
-        </pc:spChg>
-        <pc:picChg chg="add del mod">
-          <ac:chgData name="김영찬" userId="a81591f0-1a4d-4c10-b0d3-35a306720c09" providerId="ADAL" clId="{8C5D3337-9A92-4731-953F-24DDF54DD1A0}" dt="2019-05-10T18:13:36.818" v="8091" actId="478"/>
-          <ac:picMkLst>
-            <pc:docMk/>
-            <pc:sldMk cId="306099351" sldId="266"/>
-            <ac:picMk id="6" creationId="{5BE1AFC7-5F64-4902-887E-A84B8B25964B}"/>
-          </ac:picMkLst>
-        </pc:picChg>
-        <pc:picChg chg="del">
-          <ac:chgData name="김영찬" userId="a81591f0-1a4d-4c10-b0d3-35a306720c09" providerId="ADAL" clId="{8C5D3337-9A92-4731-953F-24DDF54DD1A0}" dt="2019-05-10T18:07:51.840" v="7913" actId="478"/>
-          <ac:picMkLst>
-            <pc:docMk/>
-            <pc:sldMk cId="306099351" sldId="266"/>
-            <ac:picMk id="10" creationId="{EB3537C0-7EE1-4F26-A0C7-648AC7327FBA}"/>
-          </ac:picMkLst>
-        </pc:picChg>
-        <pc:picChg chg="add del mod">
-          <ac:chgData name="김영찬" userId="a81591f0-1a4d-4c10-b0d3-35a306720c09" providerId="ADAL" clId="{8C5D3337-9A92-4731-953F-24DDF54DD1A0}" dt="2019-05-10T18:13:43.664" v="8095" actId="478"/>
-          <ac:picMkLst>
-            <pc:docMk/>
-            <pc:sldMk cId="306099351" sldId="266"/>
-            <ac:picMk id="11" creationId="{A9A5F66D-9CA7-49DD-A9EA-5ED24B829558}"/>
-          </ac:picMkLst>
-        </pc:picChg>
-        <pc:picChg chg="del">
-          <ac:chgData name="김영찬" userId="a81591f0-1a4d-4c10-b0d3-35a306720c09" providerId="ADAL" clId="{8C5D3337-9A92-4731-953F-24DDF54DD1A0}" dt="2019-05-10T18:07:52.362" v="7914" actId="478"/>
-          <ac:picMkLst>
-            <pc:docMk/>
-            <pc:sldMk cId="306099351" sldId="266"/>
-            <ac:picMk id="12" creationId="{9A9B8CB2-A054-4DBC-B5BB-8D75CDA68F7C}"/>
-          </ac:picMkLst>
-        </pc:picChg>
-        <pc:picChg chg="del">
-          <ac:chgData name="김영찬" userId="a81591f0-1a4d-4c10-b0d3-35a306720c09" providerId="ADAL" clId="{8C5D3337-9A92-4731-953F-24DDF54DD1A0}" dt="2019-05-10T18:07:53.355" v="7916" actId="478"/>
-          <ac:picMkLst>
-            <pc:docMk/>
-            <pc:sldMk cId="306099351" sldId="266"/>
-            <ac:picMk id="14" creationId="{DB6A2FE9-B28D-406A-9E04-0907EF0CA6C0}"/>
-          </ac:picMkLst>
-        </pc:picChg>
-        <pc:picChg chg="del">
-          <ac:chgData name="김영찬" userId="a81591f0-1a4d-4c10-b0d3-35a306720c09" providerId="ADAL" clId="{8C5D3337-9A92-4731-953F-24DDF54DD1A0}" dt="2019-05-10T18:07:52.526" v="7915" actId="478"/>
-          <ac:picMkLst>
-            <pc:docMk/>
-            <pc:sldMk cId="306099351" sldId="266"/>
-            <ac:picMk id="16" creationId="{A00272D2-B8DB-4F58-80A2-26028A1DFE26}"/>
-          </ac:picMkLst>
-        </pc:picChg>
-        <pc:picChg chg="add del mod">
-          <ac:chgData name="김영찬" userId="a81591f0-1a4d-4c10-b0d3-35a306720c09" providerId="ADAL" clId="{8C5D3337-9A92-4731-953F-24DDF54DD1A0}" dt="2019-05-10T18:13:19.373" v="8084"/>
-          <ac:picMkLst>
-            <pc:docMk/>
-            <pc:sldMk cId="306099351" sldId="266"/>
-            <ac:picMk id="17" creationId="{4FFCF188-9F7A-4E65-905F-69B340D593EB}"/>
-          </ac:picMkLst>
-        </pc:picChg>
-        <pc:picChg chg="del">
-          <ac:chgData name="김영찬" userId="a81591f0-1a4d-4c10-b0d3-35a306720c09" providerId="ADAL" clId="{8C5D3337-9A92-4731-953F-24DDF54DD1A0}" dt="2019-05-10T18:07:53.826" v="7917" actId="478"/>
-          <ac:picMkLst>
-            <pc:docMk/>
-            <pc:sldMk cId="306099351" sldId="266"/>
-            <ac:picMk id="18" creationId="{E6859861-974B-4D10-8597-BF8D3FA2C810}"/>
-          </ac:picMkLst>
-        </pc:picChg>
-        <pc:picChg chg="add del mod">
-          <ac:chgData name="김영찬" userId="a81591f0-1a4d-4c10-b0d3-35a306720c09" providerId="ADAL" clId="{8C5D3337-9A92-4731-953F-24DDF54DD1A0}" dt="2019-05-10T18:13:42.386" v="8094"/>
-          <ac:picMkLst>
-            <pc:docMk/>
-            <pc:sldMk cId="306099351" sldId="266"/>
-            <ac:picMk id="19" creationId="{2D70FC0F-5AC7-4B2D-AF75-D910C39D668D}"/>
-          </ac:picMkLst>
-        </pc:picChg>
-        <pc:picChg chg="add del mod">
-          <ac:chgData name="김영찬" userId="a81591f0-1a4d-4c10-b0d3-35a306720c09" providerId="ADAL" clId="{8C5D3337-9A92-4731-953F-24DDF54DD1A0}" dt="2019-05-10T18:13:35.500" v="8090"/>
-          <ac:picMkLst>
-            <pc:docMk/>
-            <pc:sldMk cId="306099351" sldId="266"/>
-            <ac:picMk id="20" creationId="{A86D876A-044F-48DF-A62A-60629ACBC4C2}"/>
-          </ac:picMkLst>
-        </pc:picChg>
-        <pc:picChg chg="add">
-          <ac:chgData name="김영찬" userId="a81591f0-1a4d-4c10-b0d3-35a306720c09" providerId="ADAL" clId="{8C5D3337-9A92-4731-953F-24DDF54DD1A0}" dt="2019-05-10T18:13:37.483" v="8092"/>
-          <ac:picMkLst>
-            <pc:docMk/>
-            <pc:sldMk cId="306099351" sldId="266"/>
-            <ac:picMk id="21" creationId="{4935CDEA-1299-4F66-89AE-C64002D5BA67}"/>
-          </ac:picMkLst>
-        </pc:picChg>
-        <pc:picChg chg="add del">
-          <ac:chgData name="김영찬" userId="a81591f0-1a4d-4c10-b0d3-35a306720c09" providerId="ADAL" clId="{8C5D3337-9A92-4731-953F-24DDF54DD1A0}" dt="2019-05-10T18:13:55.047" v="8097"/>
-          <ac:picMkLst>
-            <pc:docMk/>
-            <pc:sldMk cId="306099351" sldId="266"/>
-            <ac:picMk id="22" creationId="{5C459EFE-E371-45FF-855F-ED6B038A953F}"/>
-          </ac:picMkLst>
-        </pc:picChg>
-        <pc:picChg chg="add">
-          <ac:chgData name="김영찬" userId="a81591f0-1a4d-4c10-b0d3-35a306720c09" providerId="ADAL" clId="{8C5D3337-9A92-4731-953F-24DDF54DD1A0}" dt="2019-05-10T18:13:55.873" v="8098"/>
-          <ac:picMkLst>
-            <pc:docMk/>
-            <pc:sldMk cId="306099351" sldId="266"/>
-            <ac:picMk id="23" creationId="{A63C2F75-F5BB-418F-8602-1D6FBCC95CE8}"/>
-          </ac:picMkLst>
-        </pc:picChg>
-      </pc:sldChg>
-      <pc:sldChg chg="add del">
-        <pc:chgData name="김영찬" userId="a81591f0-1a4d-4c10-b0d3-35a306720c09" providerId="ADAL" clId="{8C5D3337-9A92-4731-953F-24DDF54DD1A0}" dt="2019-05-10T17:57:16.066" v="7204" actId="2696"/>
-        <pc:sldMkLst>
-          <pc:docMk/>
-          <pc:sldMk cId="4282280917" sldId="266"/>
-        </pc:sldMkLst>
-      </pc:sldChg>
-      <pc:sldChg chg="modSp add">
-        <pc:chgData name="김영찬" userId="a81591f0-1a4d-4c10-b0d3-35a306720c09" providerId="ADAL" clId="{8C5D3337-9A92-4731-953F-24DDF54DD1A0}" dt="2019-05-10T18:12:20.441" v="8079" actId="20577"/>
-        <pc:sldMkLst>
-          <pc:docMk/>
-          <pc:sldMk cId="2517608374" sldId="267"/>
-        </pc:sldMkLst>
-        <pc:spChg chg="mod">
-          <ac:chgData name="김영찬" userId="a81591f0-1a4d-4c10-b0d3-35a306720c09" providerId="ADAL" clId="{8C5D3337-9A92-4731-953F-24DDF54DD1A0}" dt="2019-05-10T18:11:57.296" v="8012" actId="20577"/>
-          <ac:spMkLst>
-            <pc:docMk/>
-            <pc:sldMk cId="2517608374" sldId="267"/>
-            <ac:spMk id="2" creationId="{B55F72E5-0990-4306-9554-B56B09BCA813}"/>
-          </ac:spMkLst>
-        </pc:spChg>
-        <pc:spChg chg="mod">
-          <ac:chgData name="김영찬" userId="a81591f0-1a4d-4c10-b0d3-35a306720c09" providerId="ADAL" clId="{8C5D3337-9A92-4731-953F-24DDF54DD1A0}" dt="2019-05-10T18:12:20.441" v="8079" actId="20577"/>
-          <ac:spMkLst>
-            <pc:docMk/>
-            <pc:sldMk cId="2517608374" sldId="267"/>
-            <ac:spMk id="3" creationId="{9BED47D4-ED28-440D-90C9-75F03E72F699}"/>
-          </ac:spMkLst>
-        </pc:spChg>
-      </pc:sldChg>
-      <pc:sldChg chg="delSp add del">
-        <pc:chgData name="김영찬" userId="a81591f0-1a4d-4c10-b0d3-35a306720c09" providerId="ADAL" clId="{8C5D3337-9A92-4731-953F-24DDF54DD1A0}" dt="2019-05-10T18:11:17.918" v="7939" actId="2696"/>
-        <pc:sldMkLst>
-          <pc:docMk/>
-          <pc:sldMk cId="3936716245" sldId="267"/>
-        </pc:sldMkLst>
-        <pc:graphicFrameChg chg="del">
-          <ac:chgData name="김영찬" userId="a81591f0-1a4d-4c10-b0d3-35a306720c09" providerId="ADAL" clId="{8C5D3337-9A92-4731-953F-24DDF54DD1A0}" dt="2019-05-10T18:11:15.061" v="7938" actId="478"/>
-          <ac:graphicFrameMkLst>
-            <pc:docMk/>
-            <pc:sldMk cId="3936716245" sldId="267"/>
-            <ac:graphicFrameMk id="7" creationId="{B5583A04-3A25-4635-A454-27DEBF9D096E}"/>
-          </ac:graphicFrameMkLst>
-        </pc:graphicFrameChg>
-      </pc:sldChg>
-      <pc:sldChg chg="add del">
-        <pc:chgData name="김영찬" userId="a81591f0-1a4d-4c10-b0d3-35a306720c09" providerId="ADAL" clId="{8C5D3337-9A92-4731-953F-24DDF54DD1A0}" dt="2019-05-10T18:11:22.193" v="7942"/>
-        <pc:sldMkLst>
-          <pc:docMk/>
-          <pc:sldMk cId="1675557315" sldId="268"/>
-        </pc:sldMkLst>
-      </pc:sldChg>
-      <pc:sldMasterChg chg="modSp modSldLayout">
-        <pc:chgData name="김영찬" userId="a81591f0-1a4d-4c10-b0d3-35a306720c09" providerId="ADAL" clId="{8C5D3337-9A92-4731-953F-24DDF54DD1A0}" dt="2019-05-10T13:39:09.190" v="18" actId="6549"/>
-        <pc:sldMasterMkLst>
-          <pc:docMk/>
-          <pc:sldMasterMk cId="3580537156" sldId="2147483648"/>
-        </pc:sldMasterMkLst>
-        <pc:spChg chg="mod">
-          <ac:chgData name="김영찬" userId="a81591f0-1a4d-4c10-b0d3-35a306720c09" providerId="ADAL" clId="{8C5D3337-9A92-4731-953F-24DDF54DD1A0}" dt="2019-05-10T13:38:39.765" v="6" actId="20577"/>
-          <ac:spMkLst>
-            <pc:docMk/>
-            <pc:sldMasterMk cId="3580537156" sldId="2147483648"/>
-            <ac:spMk id="6" creationId="{2D60487B-F447-4475-BED7-0FA25F6736D3}"/>
-          </ac:spMkLst>
-        </pc:spChg>
-        <pc:sldLayoutChg chg="delSp modSp">
-          <pc:chgData name="김영찬" userId="a81591f0-1a4d-4c10-b0d3-35a306720c09" providerId="ADAL" clId="{8C5D3337-9A92-4731-953F-24DDF54DD1A0}" dt="2019-05-10T13:38:49.361" v="13" actId="20577"/>
-          <pc:sldLayoutMkLst>
-            <pc:docMk/>
-            <pc:sldMasterMk cId="3580537156" sldId="2147483648"/>
-            <pc:sldLayoutMk cId="955644835" sldId="2147483649"/>
-          </pc:sldLayoutMkLst>
-          <pc:spChg chg="mod">
-            <ac:chgData name="김영찬" userId="a81591f0-1a4d-4c10-b0d3-35a306720c09" providerId="ADAL" clId="{8C5D3337-9A92-4731-953F-24DDF54DD1A0}" dt="2019-05-10T13:38:49.361" v="13" actId="20577"/>
-            <ac:spMkLst>
-              <pc:docMk/>
-              <pc:sldMasterMk cId="3580537156" sldId="2147483648"/>
-              <pc:sldLayoutMk cId="955644835" sldId="2147483649"/>
-              <ac:spMk id="6" creationId="{CEF52F6E-FB35-49F8-A36C-DCA83F900EBA}"/>
-            </ac:spMkLst>
-          </pc:spChg>
-          <pc:graphicFrameChg chg="del">
-            <ac:chgData name="김영찬" userId="a81591f0-1a4d-4c10-b0d3-35a306720c09" providerId="ADAL" clId="{8C5D3337-9A92-4731-953F-24DDF54DD1A0}" dt="2019-05-10T13:38:24.403" v="1" actId="478"/>
-            <ac:graphicFrameMkLst>
-              <pc:docMk/>
-              <pc:sldMasterMk cId="3580537156" sldId="2147483648"/>
-              <pc:sldLayoutMk cId="955644835" sldId="2147483649"/>
-              <ac:graphicFrameMk id="9" creationId="{B26179DA-896A-4F4E-BD9B-64A85D141D36}"/>
-            </ac:graphicFrameMkLst>
-          </pc:graphicFrameChg>
-        </pc:sldLayoutChg>
-        <pc:sldLayoutChg chg="modSp">
-          <pc:chgData name="김영찬" userId="a81591f0-1a4d-4c10-b0d3-35a306720c09" providerId="ADAL" clId="{8C5D3337-9A92-4731-953F-24DDF54DD1A0}" dt="2019-05-10T13:38:52.825" v="14" actId="6549"/>
-          <pc:sldLayoutMkLst>
-            <pc:docMk/>
-            <pc:sldMasterMk cId="3580537156" sldId="2147483648"/>
-            <pc:sldLayoutMk cId="3661968336" sldId="2147483650"/>
-          </pc:sldLayoutMkLst>
-          <pc:spChg chg="mod">
-            <ac:chgData name="김영찬" userId="a81591f0-1a4d-4c10-b0d3-35a306720c09" providerId="ADAL" clId="{8C5D3337-9A92-4731-953F-24DDF54DD1A0}" dt="2019-05-10T13:38:52.825" v="14" actId="6549"/>
-            <ac:spMkLst>
-              <pc:docMk/>
-              <pc:sldMasterMk cId="3580537156" sldId="2147483648"/>
-              <pc:sldLayoutMk cId="3661968336" sldId="2147483650"/>
-              <ac:spMk id="6" creationId="{7F11998C-BBAB-4AA3-B370-94C0B157A0EB}"/>
-            </ac:spMkLst>
-          </pc:spChg>
-        </pc:sldLayoutChg>
-        <pc:sldLayoutChg chg="modSp">
-          <pc:chgData name="김영찬" userId="a81591f0-1a4d-4c10-b0d3-35a306720c09" providerId="ADAL" clId="{8C5D3337-9A92-4731-953F-24DDF54DD1A0}" dt="2019-05-10T13:39:09.190" v="18" actId="6549"/>
-          <pc:sldLayoutMkLst>
-            <pc:docMk/>
-            <pc:sldMasterMk cId="3580537156" sldId="2147483648"/>
-            <pc:sldLayoutMk cId="1647236246" sldId="2147483654"/>
-          </pc:sldLayoutMkLst>
-          <pc:spChg chg="mod">
-            <ac:chgData name="김영찬" userId="a81591f0-1a4d-4c10-b0d3-35a306720c09" providerId="ADAL" clId="{8C5D3337-9A92-4731-953F-24DDF54DD1A0}" dt="2019-05-10T13:39:09.190" v="18" actId="6549"/>
-            <ac:spMkLst>
-              <pc:docMk/>
-              <pc:sldMasterMk cId="3580537156" sldId="2147483648"/>
-              <pc:sldLayoutMk cId="1647236246" sldId="2147483654"/>
-              <ac:spMk id="5" creationId="{2226448C-2409-4968-B73D-6AAA0704DAE1}"/>
-            </ac:spMkLst>
-          </pc:spChg>
-        </pc:sldLayoutChg>
-        <pc:sldLayoutChg chg="modSp">
-          <pc:chgData name="김영찬" userId="a81591f0-1a4d-4c10-b0d3-35a306720c09" providerId="ADAL" clId="{8C5D3337-9A92-4731-953F-24DDF54DD1A0}" dt="2019-05-10T13:39:05.258" v="17" actId="6549"/>
-          <pc:sldLayoutMkLst>
-            <pc:docMk/>
-            <pc:sldMasterMk cId="3580537156" sldId="2147483648"/>
-            <pc:sldLayoutMk cId="716585775" sldId="2147483655"/>
-          </pc:sldLayoutMkLst>
-          <pc:spChg chg="mod">
-            <ac:chgData name="김영찬" userId="a81591f0-1a4d-4c10-b0d3-35a306720c09" providerId="ADAL" clId="{8C5D3337-9A92-4731-953F-24DDF54DD1A0}" dt="2019-05-10T13:39:05.258" v="17" actId="6549"/>
-            <ac:spMkLst>
-              <pc:docMk/>
-              <pc:sldMasterMk cId="3580537156" sldId="2147483648"/>
-              <pc:sldLayoutMk cId="716585775" sldId="2147483655"/>
-              <ac:spMk id="6" creationId="{7F11998C-BBAB-4AA3-B370-94C0B157A0EB}"/>
-            </ac:spMkLst>
-          </pc:spChg>
-        </pc:sldLayoutChg>
-        <pc:sldLayoutChg chg="modSp">
-          <pc:chgData name="김영찬" userId="a81591f0-1a4d-4c10-b0d3-35a306720c09" providerId="ADAL" clId="{8C5D3337-9A92-4731-953F-24DDF54DD1A0}" dt="2019-05-10T13:38:58.268" v="15" actId="6549"/>
-          <pc:sldLayoutMkLst>
-            <pc:docMk/>
-            <pc:sldMasterMk cId="3580537156" sldId="2147483648"/>
-            <pc:sldLayoutMk cId="870047011" sldId="2147483656"/>
-          </pc:sldLayoutMkLst>
-          <pc:spChg chg="mod">
-            <ac:chgData name="김영찬" userId="a81591f0-1a4d-4c10-b0d3-35a306720c09" providerId="ADAL" clId="{8C5D3337-9A92-4731-953F-24DDF54DD1A0}" dt="2019-05-10T13:38:58.268" v="15" actId="6549"/>
-            <ac:spMkLst>
-              <pc:docMk/>
-              <pc:sldMasterMk cId="3580537156" sldId="2147483648"/>
-              <pc:sldLayoutMk cId="870047011" sldId="2147483656"/>
-              <ac:spMk id="6" creationId="{7F11998C-BBAB-4AA3-B370-94C0B157A0EB}"/>
-            </ac:spMkLst>
-          </pc:spChg>
-        </pc:sldLayoutChg>
-        <pc:sldLayoutChg chg="modSp">
-          <pc:chgData name="김영찬" userId="a81591f0-1a4d-4c10-b0d3-35a306720c09" providerId="ADAL" clId="{8C5D3337-9A92-4731-953F-24DDF54DD1A0}" dt="2019-05-10T13:39:01.338" v="16" actId="6549"/>
-          <pc:sldLayoutMkLst>
-            <pc:docMk/>
-            <pc:sldMasterMk cId="3580537156" sldId="2147483648"/>
-            <pc:sldLayoutMk cId="2806755365" sldId="2147483657"/>
-          </pc:sldLayoutMkLst>
-          <pc:spChg chg="mod">
-            <ac:chgData name="김영찬" userId="a81591f0-1a4d-4c10-b0d3-35a306720c09" providerId="ADAL" clId="{8C5D3337-9A92-4731-953F-24DDF54DD1A0}" dt="2019-05-10T13:39:01.338" v="16" actId="6549"/>
-            <ac:spMkLst>
-              <pc:docMk/>
-              <pc:sldMasterMk cId="3580537156" sldId="2147483648"/>
-              <pc:sldLayoutMk cId="2806755365" sldId="2147483657"/>
-              <ac:spMk id="6" creationId="{7F11998C-BBAB-4AA3-B370-94C0B157A0EB}"/>
-            </ac:spMkLst>
-          </pc:spChg>
-        </pc:sldLayoutChg>
-      </pc:sldMasterChg>
-    </pc:docChg>
-  </pc:docChgLst>
-  <pc:docChgLst>
-    <pc:chgData name="김영찬" userId="a81591f0-1a4d-4c10-b0d3-35a306720c09" providerId="ADAL" clId="{96725876-79DF-416C-B807-402B7C64161B}"/>
-    <pc:docChg chg="delSld">
-      <pc:chgData name="김영찬" userId="a81591f0-1a4d-4c10-b0d3-35a306720c09" providerId="ADAL" clId="{96725876-79DF-416C-B807-402B7C64161B}" dt="2019-05-10T13:37:52.124" v="13" actId="2696"/>
-      <pc:docMkLst>
-        <pc:docMk/>
-      </pc:docMkLst>
-      <pc:sldChg chg="del">
-        <pc:chgData name="김영찬" userId="a81591f0-1a4d-4c10-b0d3-35a306720c09" providerId="ADAL" clId="{96725876-79DF-416C-B807-402B7C64161B}" dt="2019-05-10T13:37:50.670" v="0" actId="2696"/>
-        <pc:sldMkLst>
-          <pc:docMk/>
-          <pc:sldMk cId="966465038" sldId="256"/>
-        </pc:sldMkLst>
-      </pc:sldChg>
-      <pc:sldChg chg="del">
-        <pc:chgData name="김영찬" userId="a81591f0-1a4d-4c10-b0d3-35a306720c09" providerId="ADAL" clId="{96725876-79DF-416C-B807-402B7C64161B}" dt="2019-05-10T13:37:51.160" v="1" actId="2696"/>
-        <pc:sldMkLst>
-          <pc:docMk/>
-          <pc:sldMk cId="2155472885" sldId="306"/>
-        </pc:sldMkLst>
-      </pc:sldChg>
-      <pc:sldChg chg="del">
-        <pc:chgData name="김영찬" userId="a81591f0-1a4d-4c10-b0d3-35a306720c09" providerId="ADAL" clId="{96725876-79DF-416C-B807-402B7C64161B}" dt="2019-05-10T13:37:52.124" v="13" actId="2696"/>
-        <pc:sldMkLst>
-          <pc:docMk/>
-          <pc:sldMk cId="1806619063" sldId="309"/>
-        </pc:sldMkLst>
-      </pc:sldChg>
-      <pc:sldChg chg="del">
-        <pc:chgData name="김영찬" userId="a81591f0-1a4d-4c10-b0d3-35a306720c09" providerId="ADAL" clId="{96725876-79DF-416C-B807-402B7C64161B}" dt="2019-05-10T13:37:51.193" v="2" actId="2696"/>
-        <pc:sldMkLst>
-          <pc:docMk/>
-          <pc:sldMk cId="2714743729" sldId="320"/>
-        </pc:sldMkLst>
-      </pc:sldChg>
-      <pc:sldChg chg="del">
-        <pc:chgData name="김영찬" userId="a81591f0-1a4d-4c10-b0d3-35a306720c09" providerId="ADAL" clId="{96725876-79DF-416C-B807-402B7C64161B}" dt="2019-05-10T13:37:51.379" v="7" actId="2696"/>
-        <pc:sldMkLst>
-          <pc:docMk/>
-          <pc:sldMk cId="736709296" sldId="340"/>
-        </pc:sldMkLst>
-      </pc:sldChg>
-      <pc:sldChg chg="del">
-        <pc:chgData name="김영찬" userId="a81591f0-1a4d-4c10-b0d3-35a306720c09" providerId="ADAL" clId="{96725876-79DF-416C-B807-402B7C64161B}" dt="2019-05-10T13:37:51.281" v="4" actId="2696"/>
-        <pc:sldMkLst>
-          <pc:docMk/>
-          <pc:sldMk cId="1925558372" sldId="341"/>
-        </pc:sldMkLst>
-      </pc:sldChg>
-      <pc:sldChg chg="del">
-        <pc:chgData name="김영찬" userId="a81591f0-1a4d-4c10-b0d3-35a306720c09" providerId="ADAL" clId="{96725876-79DF-416C-B807-402B7C64161B}" dt="2019-05-10T13:37:51.327" v="5" actId="2696"/>
-        <pc:sldMkLst>
-          <pc:docMk/>
-          <pc:sldMk cId="4112875721" sldId="342"/>
-        </pc:sldMkLst>
-      </pc:sldChg>
-      <pc:sldChg chg="del">
-        <pc:chgData name="김영찬" userId="a81591f0-1a4d-4c10-b0d3-35a306720c09" providerId="ADAL" clId="{96725876-79DF-416C-B807-402B7C64161B}" dt="2019-05-10T13:37:51.222" v="3" actId="2696"/>
-        <pc:sldMkLst>
-          <pc:docMk/>
-          <pc:sldMk cId="3876743948" sldId="344"/>
-        </pc:sldMkLst>
-      </pc:sldChg>
-      <pc:sldChg chg="del">
-        <pc:chgData name="김영찬" userId="a81591f0-1a4d-4c10-b0d3-35a306720c09" providerId="ADAL" clId="{96725876-79DF-416C-B807-402B7C64161B}" dt="2019-05-10T13:37:51.353" v="6" actId="2696"/>
-        <pc:sldMkLst>
-          <pc:docMk/>
-          <pc:sldMk cId="1811619858" sldId="345"/>
-        </pc:sldMkLst>
-      </pc:sldChg>
-      <pc:sldChg chg="del">
-        <pc:chgData name="김영찬" userId="a81591f0-1a4d-4c10-b0d3-35a306720c09" providerId="ADAL" clId="{96725876-79DF-416C-B807-402B7C64161B}" dt="2019-05-10T13:37:51.526" v="8" actId="2696"/>
-        <pc:sldMkLst>
-          <pc:docMk/>
-          <pc:sldMk cId="2112348822" sldId="346"/>
-        </pc:sldMkLst>
-      </pc:sldChg>
-      <pc:sldChg chg="del">
-        <pc:chgData name="김영찬" userId="a81591f0-1a4d-4c10-b0d3-35a306720c09" providerId="ADAL" clId="{96725876-79DF-416C-B807-402B7C64161B}" dt="2019-05-10T13:37:52.016" v="9" actId="2696"/>
-        <pc:sldMkLst>
-          <pc:docMk/>
-          <pc:sldMk cId="2412894241" sldId="347"/>
-        </pc:sldMkLst>
-      </pc:sldChg>
-      <pc:sldChg chg="del">
-        <pc:chgData name="김영찬" userId="a81591f0-1a4d-4c10-b0d3-35a306720c09" providerId="ADAL" clId="{96725876-79DF-416C-B807-402B7C64161B}" dt="2019-05-10T13:37:52.088" v="11" actId="2696"/>
-        <pc:sldMkLst>
-          <pc:docMk/>
-          <pc:sldMk cId="2684789990" sldId="348"/>
-        </pc:sldMkLst>
-      </pc:sldChg>
-      <pc:sldChg chg="del">
-        <pc:chgData name="김영찬" userId="a81591f0-1a4d-4c10-b0d3-35a306720c09" providerId="ADAL" clId="{96725876-79DF-416C-B807-402B7C64161B}" dt="2019-05-10T13:37:52.056" v="10" actId="2696"/>
-        <pc:sldMkLst>
-          <pc:docMk/>
-          <pc:sldMk cId="2414929239" sldId="349"/>
-        </pc:sldMkLst>
-      </pc:sldChg>
-      <pc:sldChg chg="del">
-        <pc:chgData name="김영찬" userId="a81591f0-1a4d-4c10-b0d3-35a306720c09" providerId="ADAL" clId="{96725876-79DF-416C-B807-402B7C64161B}" dt="2019-05-10T13:37:52.101" v="12" actId="2696"/>
-        <pc:sldMkLst>
-          <pc:docMk/>
-          <pc:sldMk cId="2115589346" sldId="351"/>
-        </pc:sldMkLst>
-      </pc:sldChg>
-    </pc:docChg>
-  </pc:docChgLst>
-  <pc:docChgLst>
-    <pc:chgData name="김영찬" userId="a81591f0-1a4d-4c10-b0d3-35a306720c09" providerId="ADAL" clId="{0FF42640-1B0D-47F0-99C2-6800CA124613}"/>
-    <pc:docChg chg="undo custSel addSld delSld modSld sldOrd modMainMaster">
-      <pc:chgData name="김영찬" userId="a81591f0-1a4d-4c10-b0d3-35a306720c09" providerId="ADAL" clId="{0FF42640-1B0D-47F0-99C2-6800CA124613}" dt="2019-04-14T08:37:22.457" v="15416" actId="20577"/>
-      <pc:docMkLst>
-        <pc:docMk/>
-      </pc:docMkLst>
-      <pc:sldMasterChg chg="modSldLayout">
-        <pc:chgData name="김영찬" userId="a81591f0-1a4d-4c10-b0d3-35a306720c09" providerId="ADAL" clId="{0FF42640-1B0D-47F0-99C2-6800CA124613}" dt="2019-04-07T08:15:17.305" v="2540" actId="478"/>
-        <pc:sldMasterMkLst>
-          <pc:docMk/>
-          <pc:sldMasterMk cId="3580537156" sldId="2147483648"/>
-        </pc:sldMasterMkLst>
-        <pc:sldLayoutChg chg="modSp">
-          <pc:chgData name="김영찬" userId="a81591f0-1a4d-4c10-b0d3-35a306720c09" providerId="ADAL" clId="{0FF42640-1B0D-47F0-99C2-6800CA124613}" dt="2019-04-07T08:13:52.548" v="2519" actId="692"/>
-          <pc:sldLayoutMkLst>
-            <pc:docMk/>
-            <pc:sldMasterMk cId="3580537156" sldId="2147483648"/>
-            <pc:sldLayoutMk cId="955644835" sldId="2147483649"/>
-          </pc:sldLayoutMkLst>
-          <pc:spChg chg="mod">
-            <ac:chgData name="김영찬" userId="a81591f0-1a4d-4c10-b0d3-35a306720c09" providerId="ADAL" clId="{0FF42640-1B0D-47F0-99C2-6800CA124613}" dt="2019-04-07T08:13:52.548" v="2519" actId="692"/>
-            <ac:spMkLst>
-              <pc:docMk/>
-              <pc:sldMasterMk cId="3580537156" sldId="2147483648"/>
-              <pc:sldLayoutMk cId="955644835" sldId="2147483649"/>
-              <ac:spMk id="2" creationId="{00B1986A-0BF3-48F4-8615-0276F801B0CA}"/>
-            </ac:spMkLst>
-          </pc:spChg>
-        </pc:sldLayoutChg>
-        <pc:sldLayoutChg chg="modSp">
-          <pc:chgData name="김영찬" userId="a81591f0-1a4d-4c10-b0d3-35a306720c09" providerId="ADAL" clId="{0FF42640-1B0D-47F0-99C2-6800CA124613}" dt="2019-04-07T08:13:55.828" v="2520" actId="692"/>
-          <pc:sldLayoutMkLst>
-            <pc:docMk/>
-            <pc:sldMasterMk cId="3580537156" sldId="2147483648"/>
-            <pc:sldLayoutMk cId="3661968336" sldId="2147483650"/>
-          </pc:sldLayoutMkLst>
-          <pc:spChg chg="mod">
-            <ac:chgData name="김영찬" userId="a81591f0-1a4d-4c10-b0d3-35a306720c09" providerId="ADAL" clId="{0FF42640-1B0D-47F0-99C2-6800CA124613}" dt="2019-04-07T08:13:55.828" v="2520" actId="692"/>
-            <ac:spMkLst>
-              <pc:docMk/>
-              <pc:sldMasterMk cId="3580537156" sldId="2147483648"/>
-              <pc:sldLayoutMk cId="3661968336" sldId="2147483650"/>
-              <ac:spMk id="3" creationId="{A8A81D29-565E-4AAE-8980-ADE5607E6196}"/>
-            </ac:spMkLst>
-          </pc:spChg>
-        </pc:sldLayoutChg>
-        <pc:sldLayoutChg chg="modSp">
-          <pc:chgData name="김영찬" userId="a81591f0-1a4d-4c10-b0d3-35a306720c09" providerId="ADAL" clId="{0FF42640-1B0D-47F0-99C2-6800CA124613}" dt="2019-04-07T08:14:03.343" v="2522" actId="692"/>
-          <pc:sldLayoutMkLst>
-            <pc:docMk/>
-            <pc:sldMasterMk cId="3580537156" sldId="2147483648"/>
-            <pc:sldLayoutMk cId="1647236246" sldId="2147483654"/>
-          </pc:sldLayoutMkLst>
-          <pc:spChg chg="mod">
-            <ac:chgData name="김영찬" userId="a81591f0-1a4d-4c10-b0d3-35a306720c09" providerId="ADAL" clId="{0FF42640-1B0D-47F0-99C2-6800CA124613}" dt="2019-04-07T08:14:03.343" v="2522" actId="692"/>
-            <ac:spMkLst>
-              <pc:docMk/>
-              <pc:sldMasterMk cId="3580537156" sldId="2147483648"/>
-              <pc:sldLayoutMk cId="1647236246" sldId="2147483654"/>
-              <ac:spMk id="7" creationId="{8D7A0A2B-A5E1-4002-AC67-CEB2427BD0B5}"/>
-            </ac:spMkLst>
-          </pc:spChg>
-        </pc:sldLayoutChg>
-        <pc:sldLayoutChg chg="addSp delSp modSp">
-          <pc:chgData name="김영찬" userId="a81591f0-1a4d-4c10-b0d3-35a306720c09" providerId="ADAL" clId="{0FF42640-1B0D-47F0-99C2-6800CA124613}" dt="2019-04-07T08:15:12.443" v="2539"/>
-          <pc:sldLayoutMkLst>
-            <pc:docMk/>
-            <pc:sldMasterMk cId="3580537156" sldId="2147483648"/>
-            <pc:sldLayoutMk cId="870047011" sldId="2147483656"/>
-          </pc:sldLayoutMkLst>
-          <pc:spChg chg="mod">
-            <ac:chgData name="김영찬" userId="a81591f0-1a4d-4c10-b0d3-35a306720c09" providerId="ADAL" clId="{0FF42640-1B0D-47F0-99C2-6800CA124613}" dt="2019-04-07T08:14:23.697" v="2529" actId="14100"/>
-            <ac:spMkLst>
-              <pc:docMk/>
-              <pc:sldMasterMk cId="3580537156" sldId="2147483648"/>
-              <pc:sldLayoutMk cId="870047011" sldId="2147483656"/>
-              <ac:spMk id="3" creationId="{A8A81D29-565E-4AAE-8980-ADE5607E6196}"/>
-            </ac:spMkLst>
-          </pc:spChg>
-          <pc:spChg chg="add mod">
-            <ac:chgData name="김영찬" userId="a81591f0-1a4d-4c10-b0d3-35a306720c09" providerId="ADAL" clId="{0FF42640-1B0D-47F0-99C2-6800CA124613}" dt="2019-04-07T08:14:31.019" v="2531" actId="14100"/>
-            <ac:spMkLst>
-              <pc:docMk/>
-              <pc:sldMasterMk cId="3580537156" sldId="2147483648"/>
-              <pc:sldLayoutMk cId="870047011" sldId="2147483656"/>
-              <ac:spMk id="15" creationId="{0EAF583E-4EE0-4C2F-A8B5-74A8E2A122E0}"/>
-            </ac:spMkLst>
-          </pc:spChg>
-          <pc:spChg chg="add del">
-            <ac:chgData name="김영찬" userId="a81591f0-1a4d-4c10-b0d3-35a306720c09" providerId="ADAL" clId="{0FF42640-1B0D-47F0-99C2-6800CA124613}" dt="2019-04-07T08:15:12.443" v="2539"/>
-            <ac:spMkLst>
-              <pc:docMk/>
-              <pc:sldMasterMk cId="3580537156" sldId="2147483648"/>
-              <pc:sldLayoutMk cId="870047011" sldId="2147483656"/>
-              <ac:spMk id="17" creationId="{EA17FFFB-0737-45D5-A34A-F8526074400B}"/>
-            </ac:spMkLst>
-          </pc:spChg>
-          <pc:spChg chg="add del">
-            <ac:chgData name="김영찬" userId="a81591f0-1a4d-4c10-b0d3-35a306720c09" providerId="ADAL" clId="{0FF42640-1B0D-47F0-99C2-6800CA124613}" dt="2019-04-07T08:15:12.443" v="2539"/>
-            <ac:spMkLst>
-              <pc:docMk/>
-              <pc:sldMasterMk cId="3580537156" sldId="2147483648"/>
-              <pc:sldLayoutMk cId="870047011" sldId="2147483656"/>
-              <ac:spMk id="18" creationId="{251A7378-1EE7-4C77-8A1C-0F080AEB6F34}"/>
-            </ac:spMkLst>
-          </pc:spChg>
-          <pc:spChg chg="add del">
-            <ac:chgData name="김영찬" userId="a81591f0-1a4d-4c10-b0d3-35a306720c09" providerId="ADAL" clId="{0FF42640-1B0D-47F0-99C2-6800CA124613}" dt="2019-04-07T08:15:12.443" v="2539"/>
-            <ac:spMkLst>
-              <pc:docMk/>
-              <pc:sldMasterMk cId="3580537156" sldId="2147483648"/>
-              <pc:sldLayoutMk cId="870047011" sldId="2147483656"/>
-              <ac:spMk id="19" creationId="{F1E1F073-B1D2-4D0C-ADD6-C4F1CFF0A4F8}"/>
-            </ac:spMkLst>
-          </pc:spChg>
-          <pc:spChg chg="add del">
-            <ac:chgData name="김영찬" userId="a81591f0-1a4d-4c10-b0d3-35a306720c09" providerId="ADAL" clId="{0FF42640-1B0D-47F0-99C2-6800CA124613}" dt="2019-04-07T08:15:12.443" v="2539"/>
-            <ac:spMkLst>
-              <pc:docMk/>
-              <pc:sldMasterMk cId="3580537156" sldId="2147483648"/>
-              <pc:sldLayoutMk cId="870047011" sldId="2147483656"/>
-              <ac:spMk id="20" creationId="{F462FD96-C5D2-4E98-B841-C73746D5E7C3}"/>
-            </ac:spMkLst>
-          </pc:spChg>
-          <pc:spChg chg="add del">
-            <ac:chgData name="김영찬" userId="a81591f0-1a4d-4c10-b0d3-35a306720c09" providerId="ADAL" clId="{0FF42640-1B0D-47F0-99C2-6800CA124613}" dt="2019-04-07T08:15:12.443" v="2539"/>
-            <ac:spMkLst>
-              <pc:docMk/>
-              <pc:sldMasterMk cId="3580537156" sldId="2147483648"/>
-              <pc:sldLayoutMk cId="870047011" sldId="2147483656"/>
-              <ac:spMk id="22" creationId="{32C9F139-2930-489E-BF3B-04449072749F}"/>
-            </ac:spMkLst>
-          </pc:spChg>
-        </pc:sldLayoutChg>
-        <pc:sldLayoutChg chg="delSp">
-          <pc:chgData name="김영찬" userId="a81591f0-1a4d-4c10-b0d3-35a306720c09" providerId="ADAL" clId="{0FF42640-1B0D-47F0-99C2-6800CA124613}" dt="2019-04-07T08:15:17.305" v="2540" actId="478"/>
-          <pc:sldLayoutMkLst>
-            <pc:docMk/>
-            <pc:sldMasterMk cId="3580537156" sldId="2147483648"/>
-            <pc:sldLayoutMk cId="2806755365" sldId="2147483657"/>
-          </pc:sldLayoutMkLst>
-          <pc:spChg chg="del">
-            <ac:chgData name="김영찬" userId="a81591f0-1a4d-4c10-b0d3-35a306720c09" providerId="ADAL" clId="{0FF42640-1B0D-47F0-99C2-6800CA124613}" dt="2019-04-07T08:15:17.305" v="2540" actId="478"/>
-            <ac:spMkLst>
-              <pc:docMk/>
-              <pc:sldMasterMk cId="3580537156" sldId="2147483648"/>
-              <pc:sldLayoutMk cId="2806755365" sldId="2147483657"/>
-              <ac:spMk id="3" creationId="{A8A81D29-565E-4AAE-8980-ADE5607E6196}"/>
-            </ac:spMkLst>
-          </pc:spChg>
-        </pc:sldLayoutChg>
-      </pc:sldMasterChg>
-    </pc:docChg>
-  </pc:docChgLst>
-  <pc:docChgLst>
-    <pc:chgData name="김영찬" userId="a81591f0-1a4d-4c10-b0d3-35a306720c09" providerId="ADAL" clId="{BF047AC6-B3CF-4B2E-8A29-CB4C276824B2}"/>
-    <pc:docChg chg="undo redo custSel addSld modSld modMainMaster">
-      <pc:chgData name="김영찬" userId="a81591f0-1a4d-4c10-b0d3-35a306720c09" providerId="ADAL" clId="{BF047AC6-B3CF-4B2E-8A29-CB4C276824B2}" dt="2019-03-05T11:46:45.276" v="503" actId="478"/>
-      <pc:docMkLst>
-        <pc:docMk/>
-      </pc:docMkLst>
-      <pc:sldMasterChg chg="addSp delSp modSp setBg">
-        <pc:chgData name="김영찬" userId="a81591f0-1a4d-4c10-b0d3-35a306720c09" providerId="ADAL" clId="{BF047AC6-B3CF-4B2E-8A29-CB4C276824B2}" dt="2019-03-05T11:46:45.276" v="503" actId="478"/>
-        <pc:sldMasterMkLst>
-          <pc:docMk/>
-          <pc:sldMasterMk cId="3580537156" sldId="2147483648"/>
-        </pc:sldMasterMkLst>
-        <pc:spChg chg="mod">
-          <ac:chgData name="김영찬" userId="a81591f0-1a4d-4c10-b0d3-35a306720c09" providerId="ADAL" clId="{BF047AC6-B3CF-4B2E-8A29-CB4C276824B2}" dt="2019-03-05T11:44:16.807" v="493" actId="14100"/>
-          <ac:spMkLst>
-            <pc:docMk/>
-            <pc:sldMasterMk cId="3580537156" sldId="2147483648"/>
-            <ac:spMk id="2" creationId="{2B2CBED0-AAAF-43BB-A012-E2B7AD4376DF}"/>
-          </ac:spMkLst>
-        </pc:spChg>
-        <pc:spChg chg="mod">
-          <ac:chgData name="김영찬" userId="a81591f0-1a4d-4c10-b0d3-35a306720c09" providerId="ADAL" clId="{BF047AC6-B3CF-4B2E-8A29-CB4C276824B2}" dt="2019-03-05T11:44:42.353" v="497" actId="14100"/>
-          <ac:spMkLst>
-            <pc:docMk/>
-            <pc:sldMasterMk cId="3580537156" sldId="2147483648"/>
-            <ac:spMk id="3" creationId="{A1C1CE26-B709-4AF8-8987-EA6923A2E753}"/>
-          </ac:spMkLst>
-        </pc:spChg>
-        <pc:spChg chg="mod">
-          <ac:chgData name="김영찬" userId="a81591f0-1a4d-4c10-b0d3-35a306720c09" providerId="ADAL" clId="{BF047AC6-B3CF-4B2E-8A29-CB4C276824B2}" dt="2019-03-05T11:43:51.799" v="488" actId="1076"/>
-          <ac:spMkLst>
-            <pc:docMk/>
-            <pc:sldMasterMk cId="3580537156" sldId="2147483648"/>
-            <ac:spMk id="4" creationId="{151B65A2-1A01-493D-B056-7F01DBDAE869}"/>
-          </ac:spMkLst>
-        </pc:spChg>
-        <pc:spChg chg="mod">
-          <ac:chgData name="김영찬" userId="a81591f0-1a4d-4c10-b0d3-35a306720c09" providerId="ADAL" clId="{BF047AC6-B3CF-4B2E-8A29-CB4C276824B2}" dt="2019-03-05T11:43:58.388" v="490" actId="14100"/>
-          <ac:spMkLst>
-            <pc:docMk/>
-            <pc:sldMasterMk cId="3580537156" sldId="2147483648"/>
-            <ac:spMk id="5" creationId="{19F45CDC-4A6E-47CA-B0AF-494B15114B9F}"/>
-          </ac:spMkLst>
-        </pc:spChg>
-        <pc:spChg chg="mod">
-          <ac:chgData name="김영찬" userId="a81591f0-1a4d-4c10-b0d3-35a306720c09" providerId="ADAL" clId="{BF047AC6-B3CF-4B2E-8A29-CB4C276824B2}" dt="2019-03-05T11:43:54.725" v="489" actId="1076"/>
-          <ac:spMkLst>
-            <pc:docMk/>
-            <pc:sldMasterMk cId="3580537156" sldId="2147483648"/>
-            <ac:spMk id="6" creationId="{2D60487B-F447-4475-BED7-0FA25F6736D3}"/>
-          </ac:spMkLst>
-        </pc:spChg>
-        <pc:spChg chg="add del mod">
-          <ac:chgData name="김영찬" userId="a81591f0-1a4d-4c10-b0d3-35a306720c09" providerId="ADAL" clId="{BF047AC6-B3CF-4B2E-8A29-CB4C276824B2}" dt="2019-03-05T11:30:43.966" v="394" actId="478"/>
-          <ac:spMkLst>
-            <pc:docMk/>
-            <pc:sldMasterMk cId="3580537156" sldId="2147483648"/>
-            <ac:spMk id="11" creationId="{EB30CE25-9031-40B3-A4E4-A22572E4A8A3}"/>
-          </ac:spMkLst>
-        </pc:spChg>
-        <pc:spChg chg="add mod ord">
-          <ac:chgData name="김영찬" userId="a81591f0-1a4d-4c10-b0d3-35a306720c09" providerId="ADAL" clId="{BF047AC6-B3CF-4B2E-8A29-CB4C276824B2}" dt="2019-03-05T11:45:17.180" v="499" actId="1076"/>
-          <ac:spMkLst>
-            <pc:docMk/>
-            <pc:sldMasterMk cId="3580537156" sldId="2147483648"/>
-            <ac:spMk id="12" creationId="{DD69A8B2-3687-491F-BFC0-EC5CD912B12E}"/>
-          </ac:spMkLst>
-        </pc:spChg>
-        <pc:spChg chg="add mod ord">
-          <ac:chgData name="김영찬" userId="a81591f0-1a4d-4c10-b0d3-35a306720c09" providerId="ADAL" clId="{BF047AC6-B3CF-4B2E-8A29-CB4C276824B2}" dt="2019-03-05T11:45:17.180" v="499" actId="1076"/>
-          <ac:spMkLst>
-            <pc:docMk/>
-            <pc:sldMasterMk cId="3580537156" sldId="2147483648"/>
-            <ac:spMk id="13" creationId="{C4120C9D-EA0E-44A2-A150-5242B6ECBD71}"/>
-          </ac:spMkLst>
-        </pc:spChg>
-        <pc:spChg chg="add del mod">
-          <ac:chgData name="김영찬" userId="a81591f0-1a4d-4c10-b0d3-35a306720c09" providerId="ADAL" clId="{BF047AC6-B3CF-4B2E-8A29-CB4C276824B2}" dt="2019-03-05T11:31:42.149" v="403" actId="478"/>
-          <ac:spMkLst>
-            <pc:docMk/>
-            <pc:sldMasterMk cId="3580537156" sldId="2147483648"/>
-            <ac:spMk id="14" creationId="{C9323A1A-79D1-43E3-BDB0-C5E649F3BFF3}"/>
-          </ac:spMkLst>
-        </pc:spChg>
-        <pc:spChg chg="add mod">
-          <ac:chgData name="김영찬" userId="a81591f0-1a4d-4c10-b0d3-35a306720c09" providerId="ADAL" clId="{BF047AC6-B3CF-4B2E-8A29-CB4C276824B2}" dt="2019-03-05T11:45:17.180" v="499" actId="1076"/>
-          <ac:spMkLst>
-            <pc:docMk/>
-            <pc:sldMasterMk cId="3580537156" sldId="2147483648"/>
-            <ac:spMk id="15" creationId="{150BE1A5-B6AE-4D37-8732-94A3133924DF}"/>
-          </ac:spMkLst>
-        </pc:spChg>
-        <pc:spChg chg="add mod">
-          <ac:chgData name="김영찬" userId="a81591f0-1a4d-4c10-b0d3-35a306720c09" providerId="ADAL" clId="{BF047AC6-B3CF-4B2E-8A29-CB4C276824B2}" dt="2019-03-05T11:35:59.345" v="435" actId="571"/>
-          <ac:spMkLst>
-            <pc:docMk/>
-            <pc:sldMasterMk cId="3580537156" sldId="2147483648"/>
-            <ac:spMk id="19" creationId="{667A846C-1FCC-4D19-9BE9-73633B6D0D6F}"/>
-          </ac:spMkLst>
-        </pc:spChg>
-        <pc:spChg chg="add mod">
-          <ac:chgData name="김영찬" userId="a81591f0-1a4d-4c10-b0d3-35a306720c09" providerId="ADAL" clId="{BF047AC6-B3CF-4B2E-8A29-CB4C276824B2}" dt="2019-03-05T11:35:59.345" v="435" actId="571"/>
-          <ac:spMkLst>
-            <pc:docMk/>
-            <pc:sldMasterMk cId="3580537156" sldId="2147483648"/>
-            <ac:spMk id="21" creationId="{963FBBFF-ECF0-4CCA-85B8-7120E375C7F4}"/>
-          </ac:spMkLst>
-        </pc:spChg>
-        <pc:spChg chg="add mod">
-          <ac:chgData name="김영찬" userId="a81591f0-1a4d-4c10-b0d3-35a306720c09" providerId="ADAL" clId="{BF047AC6-B3CF-4B2E-8A29-CB4C276824B2}" dt="2019-03-05T11:35:59.345" v="435" actId="571"/>
-          <ac:spMkLst>
-            <pc:docMk/>
-            <pc:sldMasterMk cId="3580537156" sldId="2147483648"/>
-            <ac:spMk id="22" creationId="{0117B27A-0898-4511-BB3D-4797C00F1F60}"/>
-          </ac:spMkLst>
-        </pc:spChg>
-        <pc:spChg chg="add del mod">
-          <ac:chgData name="김영찬" userId="a81591f0-1a4d-4c10-b0d3-35a306720c09" providerId="ADAL" clId="{BF047AC6-B3CF-4B2E-8A29-CB4C276824B2}" dt="2019-03-05T11:46:45.276" v="503" actId="478"/>
-          <ac:spMkLst>
-            <pc:docMk/>
-            <pc:sldMasterMk cId="3580537156" sldId="2147483648"/>
-            <ac:spMk id="49" creationId="{9B680BF5-04B5-4CA4-AA17-4A12A86D9F3B}"/>
-          </ac:spMkLst>
-        </pc:spChg>
-        <pc:cxnChg chg="add mod">
-          <ac:chgData name="김영찬" userId="a81591f0-1a4d-4c10-b0d3-35a306720c09" providerId="ADAL" clId="{BF047AC6-B3CF-4B2E-8A29-CB4C276824B2}" dt="2019-03-05T11:45:17.180" v="499" actId="1076"/>
-          <ac:cxnSpMkLst>
-            <pc:docMk/>
-            <pc:sldMasterMk cId="3580537156" sldId="2147483648"/>
-            <ac:cxnSpMk id="8" creationId="{EA494246-98F6-46B5-863E-3CF1D34C8293}"/>
-          </ac:cxnSpMkLst>
-        </pc:cxnChg>
-        <pc:cxnChg chg="add mod">
-          <ac:chgData name="김영찬" userId="a81591f0-1a4d-4c10-b0d3-35a306720c09" providerId="ADAL" clId="{BF047AC6-B3CF-4B2E-8A29-CB4C276824B2}" dt="2019-03-05T11:45:17.180" v="499" actId="1076"/>
-          <ac:cxnSpMkLst>
-            <pc:docMk/>
-            <pc:sldMasterMk cId="3580537156" sldId="2147483648"/>
-            <ac:cxnSpMk id="17" creationId="{068ADB00-22F2-4132-837C-9E41C47282CD}"/>
-          </ac:cxnSpMkLst>
-        </pc:cxnChg>
-        <pc:cxnChg chg="add mod">
-          <ac:chgData name="김영찬" userId="a81591f0-1a4d-4c10-b0d3-35a306720c09" providerId="ADAL" clId="{BF047AC6-B3CF-4B2E-8A29-CB4C276824B2}" dt="2019-03-05T11:35:59.345" v="435" actId="571"/>
-          <ac:cxnSpMkLst>
-            <pc:docMk/>
-            <pc:sldMasterMk cId="3580537156" sldId="2147483648"/>
-            <ac:cxnSpMk id="18" creationId="{CB5D3D42-C2C9-4DA0-B9FE-A44C3C074DD9}"/>
-          </ac:cxnSpMkLst>
-        </pc:cxnChg>
-        <pc:cxnChg chg="add mod">
-          <ac:chgData name="김영찬" userId="a81591f0-1a4d-4c10-b0d3-35a306720c09" providerId="ADAL" clId="{BF047AC6-B3CF-4B2E-8A29-CB4C276824B2}" dt="2019-03-05T11:35:59.345" v="435" actId="571"/>
-          <ac:cxnSpMkLst>
-            <pc:docMk/>
-            <pc:sldMasterMk cId="3580537156" sldId="2147483648"/>
-            <ac:cxnSpMk id="20" creationId="{6116F9AA-3AEC-4105-9CDD-78D8E11A67BD}"/>
-          </ac:cxnSpMkLst>
-        </pc:cxnChg>
-      </pc:sldMasterChg>
-    </pc:docChg>
-  </pc:docChgLst>
   <pc:docChgLst>
     <pc:chgData name="김영찬" userId="a81591f0-1a4d-4c10-b0d3-35a306720c09" providerId="ADAL" clId="{08995977-9966-4ECA-8EF1-2C98C65450F1}"/>
     <pc:docChg chg="undo redo custSel addSld delSld modSld sldOrd delMainMaster modMainMaster">
@@ -3189,6 +855,1909 @@
     </pc:docChg>
   </pc:docChgLst>
   <pc:docChgLst>
+    <pc:chgData name="김영찬" userId="a81591f0-1a4d-4c10-b0d3-35a306720c09" providerId="ADAL" clId="{8C5D3337-9A92-4731-953F-24DDF54DD1A0}"/>
+    <pc:docChg chg="undo custSel addSld delSld modSld sldOrd modMainMaster">
+      <pc:chgData name="김영찬" userId="a81591f0-1a4d-4c10-b0d3-35a306720c09" providerId="ADAL" clId="{8C5D3337-9A92-4731-953F-24DDF54DD1A0}" dt="2019-05-10T18:15:54.420" v="8108" actId="14100"/>
+      <pc:docMkLst>
+        <pc:docMk/>
+      </pc:docMkLst>
+      <pc:sldChg chg="addSp delSp modSp add">
+        <pc:chgData name="김영찬" userId="a81591f0-1a4d-4c10-b0d3-35a306720c09" providerId="ADAL" clId="{8C5D3337-9A92-4731-953F-24DDF54DD1A0}" dt="2019-05-10T18:09:12.239" v="7934" actId="20577"/>
+        <pc:sldMkLst>
+          <pc:docMk/>
+          <pc:sldMk cId="3255533136" sldId="256"/>
+        </pc:sldMkLst>
+        <pc:spChg chg="mod">
+          <ac:chgData name="김영찬" userId="a81591f0-1a4d-4c10-b0d3-35a306720c09" providerId="ADAL" clId="{8C5D3337-9A92-4731-953F-24DDF54DD1A0}" dt="2019-05-10T18:09:12.239" v="7934" actId="20577"/>
+          <ac:spMkLst>
+            <pc:docMk/>
+            <pc:sldMk cId="3255533136" sldId="256"/>
+            <ac:spMk id="2" creationId="{C886721D-0E80-4306-9F4C-3FAA6FE50BE6}"/>
+          </ac:spMkLst>
+        </pc:spChg>
+        <pc:spChg chg="mod">
+          <ac:chgData name="김영찬" userId="a81591f0-1a4d-4c10-b0d3-35a306720c09" providerId="ADAL" clId="{8C5D3337-9A92-4731-953F-24DDF54DD1A0}" dt="2019-05-10T14:09:51.875" v="325" actId="1076"/>
+          <ac:spMkLst>
+            <pc:docMk/>
+            <pc:sldMk cId="3255533136" sldId="256"/>
+            <ac:spMk id="3" creationId="{5279AEC1-18E8-4C9F-8773-AAFA38626513}"/>
+          </ac:spMkLst>
+        </pc:spChg>
+        <pc:spChg chg="add mod">
+          <ac:chgData name="김영찬" userId="a81591f0-1a4d-4c10-b0d3-35a306720c09" providerId="ADAL" clId="{8C5D3337-9A92-4731-953F-24DDF54DD1A0}" dt="2019-05-10T14:10:42.674" v="338" actId="1076"/>
+          <ac:spMkLst>
+            <pc:docMk/>
+            <pc:sldMk cId="3255533136" sldId="256"/>
+            <ac:spMk id="4" creationId="{1FF4FCEB-3B51-4A16-94C0-C1822123B3AB}"/>
+          </ac:spMkLst>
+        </pc:spChg>
+        <pc:spChg chg="add del mod ord">
+          <ac:chgData name="김영찬" userId="a81591f0-1a4d-4c10-b0d3-35a306720c09" providerId="ADAL" clId="{8C5D3337-9A92-4731-953F-24DDF54DD1A0}" dt="2019-05-10T14:09:54.869" v="326" actId="14100"/>
+          <ac:spMkLst>
+            <pc:docMk/>
+            <pc:sldMk cId="3255533136" sldId="256"/>
+            <ac:spMk id="7" creationId="{D4259DC5-4748-4417-B4DE-648A0E6ABBEE}"/>
+          </ac:spMkLst>
+        </pc:spChg>
+        <pc:spChg chg="add mod ord">
+          <ac:chgData name="김영찬" userId="a81591f0-1a4d-4c10-b0d3-35a306720c09" providerId="ADAL" clId="{8C5D3337-9A92-4731-953F-24DDF54DD1A0}" dt="2019-05-10T14:11:04.855" v="343" actId="207"/>
+          <ac:spMkLst>
+            <pc:docMk/>
+            <pc:sldMk cId="3255533136" sldId="256"/>
+            <ac:spMk id="8" creationId="{DF59E88B-A0BA-4B65-A6EE-9D61823FC220}"/>
+          </ac:spMkLst>
+        </pc:spChg>
+        <pc:picChg chg="add mod ord">
+          <ac:chgData name="김영찬" userId="a81591f0-1a4d-4c10-b0d3-35a306720c09" providerId="ADAL" clId="{8C5D3337-9A92-4731-953F-24DDF54DD1A0}" dt="2019-05-10T14:11:12.279" v="344" actId="14100"/>
+          <ac:picMkLst>
+            <pc:docMk/>
+            <pc:sldMk cId="3255533136" sldId="256"/>
+            <ac:picMk id="6" creationId="{F242EE51-85CB-4E9E-88B8-8EAC726D02B5}"/>
+          </ac:picMkLst>
+        </pc:picChg>
+      </pc:sldChg>
+      <pc:sldChg chg="addSp delSp modSp add">
+        <pc:chgData name="김영찬" userId="a81591f0-1a4d-4c10-b0d3-35a306720c09" providerId="ADAL" clId="{8C5D3337-9A92-4731-953F-24DDF54DD1A0}" dt="2019-05-10T18:09:36.878" v="7936" actId="404"/>
+        <pc:sldMkLst>
+          <pc:docMk/>
+          <pc:sldMk cId="2387132198" sldId="257"/>
+        </pc:sldMkLst>
+        <pc:spChg chg="mod">
+          <ac:chgData name="김영찬" userId="a81591f0-1a4d-4c10-b0d3-35a306720c09" providerId="ADAL" clId="{8C5D3337-9A92-4731-953F-24DDF54DD1A0}" dt="2019-05-10T14:29:52.710" v="1548" actId="6549"/>
+          <ac:spMkLst>
+            <pc:docMk/>
+            <pc:sldMk cId="2387132198" sldId="257"/>
+            <ac:spMk id="2" creationId="{A77E3DE9-FEF8-4AD0-A33E-2204770C5B12}"/>
+          </ac:spMkLst>
+        </pc:spChg>
+        <pc:spChg chg="mod">
+          <ac:chgData name="김영찬" userId="a81591f0-1a4d-4c10-b0d3-35a306720c09" providerId="ADAL" clId="{8C5D3337-9A92-4731-953F-24DDF54DD1A0}" dt="2019-05-10T18:09:36.878" v="7936" actId="404"/>
+          <ac:spMkLst>
+            <pc:docMk/>
+            <pc:sldMk cId="2387132198" sldId="257"/>
+            <ac:spMk id="3" creationId="{2F10FFEF-6EBC-4F35-8045-AAF79FB8D1A3}"/>
+          </ac:spMkLst>
+        </pc:spChg>
+        <pc:spChg chg="del">
+          <ac:chgData name="김영찬" userId="a81591f0-1a4d-4c10-b0d3-35a306720c09" providerId="ADAL" clId="{8C5D3337-9A92-4731-953F-24DDF54DD1A0}" dt="2019-05-10T14:54:15.708" v="3443"/>
+          <ac:spMkLst>
+            <pc:docMk/>
+            <pc:sldMk cId="2387132198" sldId="257"/>
+            <ac:spMk id="5" creationId="{10A04B73-15DC-4760-8E81-1BFE13F53046}"/>
+          </ac:spMkLst>
+        </pc:spChg>
+        <pc:spChg chg="del">
+          <ac:chgData name="김영찬" userId="a81591f0-1a4d-4c10-b0d3-35a306720c09" providerId="ADAL" clId="{8C5D3337-9A92-4731-953F-24DDF54DD1A0}" dt="2019-05-10T14:54:15.708" v="3443"/>
+          <ac:spMkLst>
+            <pc:docMk/>
+            <pc:sldMk cId="2387132198" sldId="257"/>
+            <ac:spMk id="6" creationId="{0F0EF6F7-E98C-42D2-8735-8B93E44AFEF6}"/>
+          </ac:spMkLst>
+        </pc:spChg>
+        <pc:spChg chg="add mod">
+          <ac:chgData name="김영찬" userId="a81591f0-1a4d-4c10-b0d3-35a306720c09" providerId="ADAL" clId="{8C5D3337-9A92-4731-953F-24DDF54DD1A0}" dt="2019-05-10T14:54:15.708" v="3443"/>
+          <ac:spMkLst>
+            <pc:docMk/>
+            <pc:sldMk cId="2387132198" sldId="257"/>
+            <ac:spMk id="7" creationId="{3C842D26-98FE-41E5-97C5-9C024FE7CD9B}"/>
+          </ac:spMkLst>
+        </pc:spChg>
+        <pc:spChg chg="add mod">
+          <ac:chgData name="김영찬" userId="a81591f0-1a4d-4c10-b0d3-35a306720c09" providerId="ADAL" clId="{8C5D3337-9A92-4731-953F-24DDF54DD1A0}" dt="2019-05-10T14:54:15.708" v="3443"/>
+          <ac:spMkLst>
+            <pc:docMk/>
+            <pc:sldMk cId="2387132198" sldId="257"/>
+            <ac:spMk id="8" creationId="{214CD29B-AB5C-4BA5-B4F5-96939971FB00}"/>
+          </ac:spMkLst>
+        </pc:spChg>
+        <pc:picChg chg="add mod">
+          <ac:chgData name="김영찬" userId="a81591f0-1a4d-4c10-b0d3-35a306720c09" providerId="ADAL" clId="{8C5D3337-9A92-4731-953F-24DDF54DD1A0}" dt="2019-05-10T15:35:18.158" v="3627" actId="1076"/>
+          <ac:picMkLst>
+            <pc:docMk/>
+            <pc:sldMk cId="2387132198" sldId="257"/>
+            <ac:picMk id="10" creationId="{CE940992-62A6-452F-AF78-4571619E3A1B}"/>
+          </ac:picMkLst>
+        </pc:picChg>
+      </pc:sldChg>
+      <pc:sldChg chg="addSp delSp modSp add">
+        <pc:chgData name="김영찬" userId="a81591f0-1a4d-4c10-b0d3-35a306720c09" providerId="ADAL" clId="{8C5D3337-9A92-4731-953F-24DDF54DD1A0}" dt="2019-05-10T15:37:43.257" v="3668" actId="1076"/>
+        <pc:sldMkLst>
+          <pc:docMk/>
+          <pc:sldMk cId="856022315" sldId="258"/>
+        </pc:sldMkLst>
+        <pc:spChg chg="mod">
+          <ac:chgData name="김영찬" userId="a81591f0-1a4d-4c10-b0d3-35a306720c09" providerId="ADAL" clId="{8C5D3337-9A92-4731-953F-24DDF54DD1A0}" dt="2019-05-10T14:29:45.696" v="1547"/>
+          <ac:spMkLst>
+            <pc:docMk/>
+            <pc:sldMk cId="856022315" sldId="258"/>
+            <ac:spMk id="2" creationId="{AA57BE3B-8A81-4775-8A24-BE9D0E50C6BC}"/>
+          </ac:spMkLst>
+        </pc:spChg>
+        <pc:spChg chg="mod">
+          <ac:chgData name="김영찬" userId="a81591f0-1a4d-4c10-b0d3-35a306720c09" providerId="ADAL" clId="{8C5D3337-9A92-4731-953F-24DDF54DD1A0}" dt="2019-05-10T15:37:33.877" v="3665" actId="6549"/>
+          <ac:spMkLst>
+            <pc:docMk/>
+            <pc:sldMk cId="856022315" sldId="258"/>
+            <ac:spMk id="3" creationId="{C08FC53D-329F-4A72-89A3-715DA112070D}"/>
+          </ac:spMkLst>
+        </pc:spChg>
+        <pc:spChg chg="del">
+          <ac:chgData name="김영찬" userId="a81591f0-1a4d-4c10-b0d3-35a306720c09" providerId="ADAL" clId="{8C5D3337-9A92-4731-953F-24DDF54DD1A0}" dt="2019-05-10T15:36:16.165" v="3633"/>
+          <ac:spMkLst>
+            <pc:docMk/>
+            <pc:sldMk cId="856022315" sldId="258"/>
+            <ac:spMk id="5" creationId="{78431C81-B31F-49CE-A792-780A185ADE7F}"/>
+          </ac:spMkLst>
+        </pc:spChg>
+        <pc:spChg chg="del">
+          <ac:chgData name="김영찬" userId="a81591f0-1a4d-4c10-b0d3-35a306720c09" providerId="ADAL" clId="{8C5D3337-9A92-4731-953F-24DDF54DD1A0}" dt="2019-05-10T15:36:16.165" v="3633"/>
+          <ac:spMkLst>
+            <pc:docMk/>
+            <pc:sldMk cId="856022315" sldId="258"/>
+            <ac:spMk id="6" creationId="{B36B710E-3751-4800-A4D7-31FA0DA6053A}"/>
+          </ac:spMkLst>
+        </pc:spChg>
+        <pc:spChg chg="add del mod">
+          <ac:chgData name="김영찬" userId="a81591f0-1a4d-4c10-b0d3-35a306720c09" providerId="ADAL" clId="{8C5D3337-9A92-4731-953F-24DDF54DD1A0}" dt="2019-05-10T15:36:41.739" v="3646"/>
+          <ac:spMkLst>
+            <pc:docMk/>
+            <pc:sldMk cId="856022315" sldId="258"/>
+            <ac:spMk id="7" creationId="{C0CBBFC8-39A6-4822-90D6-4443541618AE}"/>
+          </ac:spMkLst>
+        </pc:spChg>
+        <pc:spChg chg="add del mod">
+          <ac:chgData name="김영찬" userId="a81591f0-1a4d-4c10-b0d3-35a306720c09" providerId="ADAL" clId="{8C5D3337-9A92-4731-953F-24DDF54DD1A0}" dt="2019-05-10T15:36:41.739" v="3646"/>
+          <ac:spMkLst>
+            <pc:docMk/>
+            <pc:sldMk cId="856022315" sldId="258"/>
+            <ac:spMk id="8" creationId="{88888516-DFD9-4B84-B728-A9384FB6F472}"/>
+          </ac:spMkLst>
+        </pc:spChg>
+        <pc:spChg chg="add mod">
+          <ac:chgData name="김영찬" userId="a81591f0-1a4d-4c10-b0d3-35a306720c09" providerId="ADAL" clId="{8C5D3337-9A92-4731-953F-24DDF54DD1A0}" dt="2019-05-10T15:36:41.739" v="3646"/>
+          <ac:spMkLst>
+            <pc:docMk/>
+            <pc:sldMk cId="856022315" sldId="258"/>
+            <ac:spMk id="9" creationId="{580A7AB2-671A-4C80-BAAA-64A67F9042B9}"/>
+          </ac:spMkLst>
+        </pc:spChg>
+        <pc:spChg chg="add mod">
+          <ac:chgData name="김영찬" userId="a81591f0-1a4d-4c10-b0d3-35a306720c09" providerId="ADAL" clId="{8C5D3337-9A92-4731-953F-24DDF54DD1A0}" dt="2019-05-10T15:36:41.739" v="3646"/>
+          <ac:spMkLst>
+            <pc:docMk/>
+            <pc:sldMk cId="856022315" sldId="258"/>
+            <ac:spMk id="10" creationId="{E28E6A64-8DD9-461A-A5E0-5DD9B2125734}"/>
+          </ac:spMkLst>
+        </pc:spChg>
+        <pc:picChg chg="add mod">
+          <ac:chgData name="김영찬" userId="a81591f0-1a4d-4c10-b0d3-35a306720c09" providerId="ADAL" clId="{8C5D3337-9A92-4731-953F-24DDF54DD1A0}" dt="2019-05-10T15:37:43.257" v="3668" actId="1076"/>
+          <ac:picMkLst>
+            <pc:docMk/>
+            <pc:sldMk cId="856022315" sldId="258"/>
+            <ac:picMk id="12" creationId="{C98008E5-4F5C-4130-B872-79B59B73B984}"/>
+          </ac:picMkLst>
+        </pc:picChg>
+        <pc:picChg chg="add mod">
+          <ac:chgData name="김영찬" userId="a81591f0-1a4d-4c10-b0d3-35a306720c09" providerId="ADAL" clId="{8C5D3337-9A92-4731-953F-24DDF54DD1A0}" dt="2019-05-10T15:37:43.257" v="3668" actId="1076"/>
+          <ac:picMkLst>
+            <pc:docMk/>
+            <pc:sldMk cId="856022315" sldId="258"/>
+            <ac:picMk id="14" creationId="{625EF72A-0C58-49EF-B7E4-2BC6EB00B44F}"/>
+          </ac:picMkLst>
+        </pc:picChg>
+      </pc:sldChg>
+      <pc:sldChg chg="addSp delSp modSp add ord">
+        <pc:chgData name="김영찬" userId="a81591f0-1a4d-4c10-b0d3-35a306720c09" providerId="ADAL" clId="{8C5D3337-9A92-4731-953F-24DDF54DD1A0}" dt="2019-05-10T16:47:57.339" v="3820" actId="1076"/>
+        <pc:sldMkLst>
+          <pc:docMk/>
+          <pc:sldMk cId="3228944088" sldId="259"/>
+        </pc:sldMkLst>
+        <pc:spChg chg="mod">
+          <ac:chgData name="김영찬" userId="a81591f0-1a4d-4c10-b0d3-35a306720c09" providerId="ADAL" clId="{8C5D3337-9A92-4731-953F-24DDF54DD1A0}" dt="2019-05-10T14:33:59.323" v="1695"/>
+          <ac:spMkLst>
+            <pc:docMk/>
+            <pc:sldMk cId="3228944088" sldId="259"/>
+            <ac:spMk id="2" creationId="{AA57BE3B-8A81-4775-8A24-BE9D0E50C6BC}"/>
+          </ac:spMkLst>
+        </pc:spChg>
+        <pc:spChg chg="mod">
+          <ac:chgData name="김영찬" userId="a81591f0-1a4d-4c10-b0d3-35a306720c09" providerId="ADAL" clId="{8C5D3337-9A92-4731-953F-24DDF54DD1A0}" dt="2019-05-10T16:43:24.389" v="3786" actId="113"/>
+          <ac:spMkLst>
+            <pc:docMk/>
+            <pc:sldMk cId="3228944088" sldId="259"/>
+            <ac:spMk id="3" creationId="{C08FC53D-329F-4A72-89A3-715DA112070D}"/>
+          </ac:spMkLst>
+        </pc:spChg>
+        <pc:spChg chg="del">
+          <ac:chgData name="김영찬" userId="a81591f0-1a4d-4c10-b0d3-35a306720c09" providerId="ADAL" clId="{8C5D3337-9A92-4731-953F-24DDF54DD1A0}" dt="2019-05-10T15:40:09.074" v="3749"/>
+          <ac:spMkLst>
+            <pc:docMk/>
+            <pc:sldMk cId="3228944088" sldId="259"/>
+            <ac:spMk id="5" creationId="{78431C81-B31F-49CE-A792-780A185ADE7F}"/>
+          </ac:spMkLst>
+        </pc:spChg>
+        <pc:spChg chg="del">
+          <ac:chgData name="김영찬" userId="a81591f0-1a4d-4c10-b0d3-35a306720c09" providerId="ADAL" clId="{8C5D3337-9A92-4731-953F-24DDF54DD1A0}" dt="2019-05-10T15:40:09.074" v="3749"/>
+          <ac:spMkLst>
+            <pc:docMk/>
+            <pc:sldMk cId="3228944088" sldId="259"/>
+            <ac:spMk id="6" creationId="{B36B710E-3751-4800-A4D7-31FA0DA6053A}"/>
+          </ac:spMkLst>
+        </pc:spChg>
+        <pc:spChg chg="add mod">
+          <ac:chgData name="김영찬" userId="a81591f0-1a4d-4c10-b0d3-35a306720c09" providerId="ADAL" clId="{8C5D3337-9A92-4731-953F-24DDF54DD1A0}" dt="2019-05-10T15:40:09.074" v="3749"/>
+          <ac:spMkLst>
+            <pc:docMk/>
+            <pc:sldMk cId="3228944088" sldId="259"/>
+            <ac:spMk id="7" creationId="{F234F5A2-857A-43E7-A9E4-F01F38BA6864}"/>
+          </ac:spMkLst>
+        </pc:spChg>
+        <pc:spChg chg="add mod">
+          <ac:chgData name="김영찬" userId="a81591f0-1a4d-4c10-b0d3-35a306720c09" providerId="ADAL" clId="{8C5D3337-9A92-4731-953F-24DDF54DD1A0}" dt="2019-05-10T15:40:09.074" v="3749"/>
+          <ac:spMkLst>
+            <pc:docMk/>
+            <pc:sldMk cId="3228944088" sldId="259"/>
+            <ac:spMk id="8" creationId="{C4EDA559-E071-47FD-AA1A-C3C141F146BE}"/>
+          </ac:spMkLst>
+        </pc:spChg>
+        <pc:picChg chg="add mod">
+          <ac:chgData name="김영찬" userId="a81591f0-1a4d-4c10-b0d3-35a306720c09" providerId="ADAL" clId="{8C5D3337-9A92-4731-953F-24DDF54DD1A0}" dt="2019-05-10T16:47:57.339" v="3820" actId="1076"/>
+          <ac:picMkLst>
+            <pc:docMk/>
+            <pc:sldMk cId="3228944088" sldId="259"/>
+            <ac:picMk id="10" creationId="{EB3537C0-7EE1-4F26-A0C7-648AC7327FBA}"/>
+          </ac:picMkLst>
+        </pc:picChg>
+        <pc:picChg chg="add mod">
+          <ac:chgData name="김영찬" userId="a81591f0-1a4d-4c10-b0d3-35a306720c09" providerId="ADAL" clId="{8C5D3337-9A92-4731-953F-24DDF54DD1A0}" dt="2019-05-10T16:47:57.339" v="3820" actId="1076"/>
+          <ac:picMkLst>
+            <pc:docMk/>
+            <pc:sldMk cId="3228944088" sldId="259"/>
+            <ac:picMk id="12" creationId="{9A9B8CB2-A054-4DBC-B5BB-8D75CDA68F7C}"/>
+          </ac:picMkLst>
+        </pc:picChg>
+        <pc:picChg chg="add mod">
+          <ac:chgData name="김영찬" userId="a81591f0-1a4d-4c10-b0d3-35a306720c09" providerId="ADAL" clId="{8C5D3337-9A92-4731-953F-24DDF54DD1A0}" dt="2019-05-10T16:47:57.339" v="3820" actId="1076"/>
+          <ac:picMkLst>
+            <pc:docMk/>
+            <pc:sldMk cId="3228944088" sldId="259"/>
+            <ac:picMk id="14" creationId="{DB6A2FE9-B28D-406A-9E04-0907EF0CA6C0}"/>
+          </ac:picMkLst>
+        </pc:picChg>
+        <pc:picChg chg="add mod">
+          <ac:chgData name="김영찬" userId="a81591f0-1a4d-4c10-b0d3-35a306720c09" providerId="ADAL" clId="{8C5D3337-9A92-4731-953F-24DDF54DD1A0}" dt="2019-05-10T16:47:57.339" v="3820" actId="1076"/>
+          <ac:picMkLst>
+            <pc:docMk/>
+            <pc:sldMk cId="3228944088" sldId="259"/>
+            <ac:picMk id="16" creationId="{A00272D2-B8DB-4F58-80A2-26028A1DFE26}"/>
+          </ac:picMkLst>
+        </pc:picChg>
+        <pc:picChg chg="add mod">
+          <ac:chgData name="김영찬" userId="a81591f0-1a4d-4c10-b0d3-35a306720c09" providerId="ADAL" clId="{8C5D3337-9A92-4731-953F-24DDF54DD1A0}" dt="2019-05-10T16:47:57.339" v="3820" actId="1076"/>
+          <ac:picMkLst>
+            <pc:docMk/>
+            <pc:sldMk cId="3228944088" sldId="259"/>
+            <ac:picMk id="18" creationId="{E6859861-974B-4D10-8597-BF8D3FA2C810}"/>
+          </ac:picMkLst>
+        </pc:picChg>
+      </pc:sldChg>
+      <pc:sldChg chg="addSp delSp modSp add modNotesTx">
+        <pc:chgData name="김영찬" userId="a81591f0-1a4d-4c10-b0d3-35a306720c09" providerId="ADAL" clId="{8C5D3337-9A92-4731-953F-24DDF54DD1A0}" dt="2019-05-10T18:15:54.420" v="8108" actId="14100"/>
+        <pc:sldMkLst>
+          <pc:docMk/>
+          <pc:sldMk cId="1221641340" sldId="260"/>
+        </pc:sldMkLst>
+        <pc:spChg chg="mod">
+          <ac:chgData name="김영찬" userId="a81591f0-1a4d-4c10-b0d3-35a306720c09" providerId="ADAL" clId="{8C5D3337-9A92-4731-953F-24DDF54DD1A0}" dt="2019-05-10T14:53:02.064" v="3422"/>
+          <ac:spMkLst>
+            <pc:docMk/>
+            <pc:sldMk cId="1221641340" sldId="260"/>
+            <ac:spMk id="2" creationId="{AA57BE3B-8A81-4775-8A24-BE9D0E50C6BC}"/>
+          </ac:spMkLst>
+        </pc:spChg>
+        <pc:spChg chg="del mod">
+          <ac:chgData name="김영찬" userId="a81591f0-1a4d-4c10-b0d3-35a306720c09" providerId="ADAL" clId="{8C5D3337-9A92-4731-953F-24DDF54DD1A0}" dt="2019-05-10T17:18:24.150" v="5100" actId="478"/>
+          <ac:spMkLst>
+            <pc:docMk/>
+            <pc:sldMk cId="1221641340" sldId="260"/>
+            <ac:spMk id="3" creationId="{C08FC53D-329F-4A72-89A3-715DA112070D}"/>
+          </ac:spMkLst>
+        </pc:spChg>
+        <pc:spChg chg="add mod">
+          <ac:chgData name="김영찬" userId="a81591f0-1a4d-4c10-b0d3-35a306720c09" providerId="ADAL" clId="{8C5D3337-9A92-4731-953F-24DDF54DD1A0}" dt="2019-05-10T17:04:58.619" v="4791" actId="208"/>
+          <ac:spMkLst>
+            <pc:docMk/>
+            <pc:sldMk cId="1221641340" sldId="260"/>
+            <ac:spMk id="7" creationId="{6434BBE4-A35E-46D1-A6A6-89E1E5B3AC82}"/>
+          </ac:spMkLst>
+        </pc:spChg>
+        <pc:spChg chg="add del mod">
+          <ac:chgData name="김영찬" userId="a81591f0-1a4d-4c10-b0d3-35a306720c09" providerId="ADAL" clId="{8C5D3337-9A92-4731-953F-24DDF54DD1A0}" dt="2019-05-10T17:05:12.143" v="4793" actId="11529"/>
+          <ac:spMkLst>
+            <pc:docMk/>
+            <pc:sldMk cId="1221641340" sldId="260"/>
+            <ac:spMk id="8" creationId="{68D0622F-914A-4103-9772-471DEAB187FB}"/>
+          </ac:spMkLst>
+        </pc:spChg>
+        <pc:spChg chg="add mod">
+          <ac:chgData name="김영찬" userId="a81591f0-1a4d-4c10-b0d3-35a306720c09" providerId="ADAL" clId="{8C5D3337-9A92-4731-953F-24DDF54DD1A0}" dt="2019-05-10T17:12:22.478" v="4944" actId="113"/>
+          <ac:spMkLst>
+            <pc:docMk/>
+            <pc:sldMk cId="1221641340" sldId="260"/>
+            <ac:spMk id="9" creationId="{88B0BA98-28C2-47C2-ADEB-240E7C8A8678}"/>
+          </ac:spMkLst>
+        </pc:spChg>
+        <pc:spChg chg="add del mod">
+          <ac:chgData name="김영찬" userId="a81591f0-1a4d-4c10-b0d3-35a306720c09" providerId="ADAL" clId="{8C5D3337-9A92-4731-953F-24DDF54DD1A0}" dt="2019-05-10T17:05:45.959" v="4801" actId="478"/>
+          <ac:spMkLst>
+            <pc:docMk/>
+            <pc:sldMk cId="1221641340" sldId="260"/>
+            <ac:spMk id="10" creationId="{A646504D-60C6-4D0E-B0B8-670D6773E705}"/>
+          </ac:spMkLst>
+        </pc:spChg>
+        <pc:spChg chg="add mod">
+          <ac:chgData name="김영찬" userId="a81591f0-1a4d-4c10-b0d3-35a306720c09" providerId="ADAL" clId="{8C5D3337-9A92-4731-953F-24DDF54DD1A0}" dt="2019-05-10T17:06:18.507" v="4807" actId="1076"/>
+          <ac:spMkLst>
+            <pc:docMk/>
+            <pc:sldMk cId="1221641340" sldId="260"/>
+            <ac:spMk id="11" creationId="{AF43066D-0DC7-4CB5-B15D-403A9A9554FC}"/>
+          </ac:spMkLst>
+        </pc:spChg>
+        <pc:spChg chg="add del mod">
+          <ac:chgData name="김영찬" userId="a81591f0-1a4d-4c10-b0d3-35a306720c09" providerId="ADAL" clId="{8C5D3337-9A92-4731-953F-24DDF54DD1A0}" dt="2019-05-10T17:09:39.886" v="4853" actId="478"/>
+          <ac:spMkLst>
+            <pc:docMk/>
+            <pc:sldMk cId="1221641340" sldId="260"/>
+            <ac:spMk id="20" creationId="{E1F298EA-508C-4AB8-9290-EA407823E7F5}"/>
+          </ac:spMkLst>
+        </pc:spChg>
+        <pc:spChg chg="add mod">
+          <ac:chgData name="김영찬" userId="a81591f0-1a4d-4c10-b0d3-35a306720c09" providerId="ADAL" clId="{8C5D3337-9A92-4731-953F-24DDF54DD1A0}" dt="2019-05-10T17:11:29.659" v="4919" actId="242"/>
+          <ac:spMkLst>
+            <pc:docMk/>
+            <pc:sldMk cId="1221641340" sldId="260"/>
+            <ac:spMk id="21" creationId="{988D318C-87AF-41FF-81C3-01B10BB4AB51}"/>
+          </ac:spMkLst>
+        </pc:spChg>
+        <pc:spChg chg="add mod">
+          <ac:chgData name="김영찬" userId="a81591f0-1a4d-4c10-b0d3-35a306720c09" providerId="ADAL" clId="{8C5D3337-9A92-4731-953F-24DDF54DD1A0}" dt="2019-05-10T17:11:29.659" v="4919" actId="242"/>
+          <ac:spMkLst>
+            <pc:docMk/>
+            <pc:sldMk cId="1221641340" sldId="260"/>
+            <ac:spMk id="22" creationId="{FC77D65E-E637-4977-9435-5E99C58611F8}"/>
+          </ac:spMkLst>
+        </pc:spChg>
+        <pc:spChg chg="add mod">
+          <ac:chgData name="김영찬" userId="a81591f0-1a4d-4c10-b0d3-35a306720c09" providerId="ADAL" clId="{8C5D3337-9A92-4731-953F-24DDF54DD1A0}" dt="2019-05-10T17:13:01.799" v="4970" actId="1076"/>
+          <ac:spMkLst>
+            <pc:docMk/>
+            <pc:sldMk cId="1221641340" sldId="260"/>
+            <ac:spMk id="23" creationId="{BE94DD50-7579-4427-B5C6-E261323D05F5}"/>
+          </ac:spMkLst>
+        </pc:spChg>
+        <pc:spChg chg="add del mod">
+          <ac:chgData name="김영찬" userId="a81591f0-1a4d-4c10-b0d3-35a306720c09" providerId="ADAL" clId="{8C5D3337-9A92-4731-953F-24DDF54DD1A0}" dt="2019-05-10T17:13:06.222" v="4972"/>
+          <ac:spMkLst>
+            <pc:docMk/>
+            <pc:sldMk cId="1221641340" sldId="260"/>
+            <ac:spMk id="24" creationId="{39CB740F-1E94-45FF-ADA1-E677B5A8F044}"/>
+          </ac:spMkLst>
+        </pc:spChg>
+        <pc:spChg chg="add mod">
+          <ac:chgData name="김영찬" userId="a81591f0-1a4d-4c10-b0d3-35a306720c09" providerId="ADAL" clId="{8C5D3337-9A92-4731-953F-24DDF54DD1A0}" dt="2019-05-10T17:16:50.137" v="5077" actId="1076"/>
+          <ac:spMkLst>
+            <pc:docMk/>
+            <pc:sldMk cId="1221641340" sldId="260"/>
+            <ac:spMk id="25" creationId="{C2CCB308-36FB-4828-BFC4-2F87099BB597}"/>
+          </ac:spMkLst>
+        </pc:spChg>
+        <pc:spChg chg="add del">
+          <ac:chgData name="김영찬" userId="a81591f0-1a4d-4c10-b0d3-35a306720c09" providerId="ADAL" clId="{8C5D3337-9A92-4731-953F-24DDF54DD1A0}" dt="2019-05-10T17:13:23.499" v="4978"/>
+          <ac:spMkLst>
+            <pc:docMk/>
+            <pc:sldMk cId="1221641340" sldId="260"/>
+            <ac:spMk id="26" creationId="{9DEB08F1-868E-4C5A-B0F0-AFCE8B4A978A}"/>
+          </ac:spMkLst>
+        </pc:spChg>
+        <pc:spChg chg="add mod">
+          <ac:chgData name="김영찬" userId="a81591f0-1a4d-4c10-b0d3-35a306720c09" providerId="ADAL" clId="{8C5D3337-9A92-4731-953F-24DDF54DD1A0}" dt="2019-05-10T17:13:37.611" v="4981" actId="113"/>
+          <ac:spMkLst>
+            <pc:docMk/>
+            <pc:sldMk cId="1221641340" sldId="260"/>
+            <ac:spMk id="27" creationId="{244ACD61-8131-4B35-AA94-E35941CE935B}"/>
+          </ac:spMkLst>
+        </pc:spChg>
+        <pc:spChg chg="add mod">
+          <ac:chgData name="김영찬" userId="a81591f0-1a4d-4c10-b0d3-35a306720c09" providerId="ADAL" clId="{8C5D3337-9A92-4731-953F-24DDF54DD1A0}" dt="2019-05-10T17:16:23.416" v="5068" actId="1076"/>
+          <ac:spMkLst>
+            <pc:docMk/>
+            <pc:sldMk cId="1221641340" sldId="260"/>
+            <ac:spMk id="28" creationId="{7AAC8860-F5FD-4220-B4C6-D7419E5A2CBB}"/>
+          </ac:spMkLst>
+        </pc:spChg>
+        <pc:spChg chg="add mod">
+          <ac:chgData name="김영찬" userId="a81591f0-1a4d-4c10-b0d3-35a306720c09" providerId="ADAL" clId="{8C5D3337-9A92-4731-953F-24DDF54DD1A0}" dt="2019-05-10T17:15:33.831" v="5055" actId="1076"/>
+          <ac:spMkLst>
+            <pc:docMk/>
+            <pc:sldMk cId="1221641340" sldId="260"/>
+            <ac:spMk id="29" creationId="{6D2696B8-4C94-43D8-89BC-E0F7B3E760FC}"/>
+          </ac:spMkLst>
+        </pc:spChg>
+        <pc:spChg chg="add mod">
+          <ac:chgData name="김영찬" userId="a81591f0-1a4d-4c10-b0d3-35a306720c09" providerId="ADAL" clId="{8C5D3337-9A92-4731-953F-24DDF54DD1A0}" dt="2019-05-10T17:15:33.831" v="5055" actId="1076"/>
+          <ac:spMkLst>
+            <pc:docMk/>
+            <pc:sldMk cId="1221641340" sldId="260"/>
+            <ac:spMk id="30" creationId="{5E4C4003-B8A0-4474-9FE0-B0407F0F75DB}"/>
+          </ac:spMkLst>
+        </pc:spChg>
+        <pc:spChg chg="add del mod">
+          <ac:chgData name="김영찬" userId="a81591f0-1a4d-4c10-b0d3-35a306720c09" providerId="ADAL" clId="{8C5D3337-9A92-4731-953F-24DDF54DD1A0}" dt="2019-05-10T17:15:11.463" v="5027" actId="478"/>
+          <ac:spMkLst>
+            <pc:docMk/>
+            <pc:sldMk cId="1221641340" sldId="260"/>
+            <ac:spMk id="31" creationId="{8EAA4F58-5D6C-4A53-B41E-DA24898B23DE}"/>
+          </ac:spMkLst>
+        </pc:spChg>
+        <pc:spChg chg="add mod">
+          <ac:chgData name="김영찬" userId="a81591f0-1a4d-4c10-b0d3-35a306720c09" providerId="ADAL" clId="{8C5D3337-9A92-4731-953F-24DDF54DD1A0}" dt="2019-05-10T17:15:33.831" v="5055" actId="1076"/>
+          <ac:spMkLst>
+            <pc:docMk/>
+            <pc:sldMk cId="1221641340" sldId="260"/>
+            <ac:spMk id="32" creationId="{DA2597A0-2F15-4008-8EB1-1C2DA06A2045}"/>
+          </ac:spMkLst>
+        </pc:spChg>
+        <pc:spChg chg="add del mod">
+          <ac:chgData name="김영찬" userId="a81591f0-1a4d-4c10-b0d3-35a306720c09" providerId="ADAL" clId="{8C5D3337-9A92-4731-953F-24DDF54DD1A0}" dt="2019-05-10T17:15:09.744" v="5026" actId="478"/>
+          <ac:spMkLst>
+            <pc:docMk/>
+            <pc:sldMk cId="1221641340" sldId="260"/>
+            <ac:spMk id="33" creationId="{E0B1088E-DA11-4912-92E1-A5B69F07B04E}"/>
+          </ac:spMkLst>
+        </pc:spChg>
+        <pc:spChg chg="add mod">
+          <ac:chgData name="김영찬" userId="a81591f0-1a4d-4c10-b0d3-35a306720c09" providerId="ADAL" clId="{8C5D3337-9A92-4731-953F-24DDF54DD1A0}" dt="2019-05-10T17:15:33.831" v="5055" actId="1076"/>
+          <ac:spMkLst>
+            <pc:docMk/>
+            <pc:sldMk cId="1221641340" sldId="260"/>
+            <ac:spMk id="34" creationId="{16454BB2-29D4-4C1D-8957-06B579A993E1}"/>
+          </ac:spMkLst>
+        </pc:spChg>
+        <pc:spChg chg="add mod">
+          <ac:chgData name="김영찬" userId="a81591f0-1a4d-4c10-b0d3-35a306720c09" providerId="ADAL" clId="{8C5D3337-9A92-4731-953F-24DDF54DD1A0}" dt="2019-05-10T17:20:40.743" v="5145" actId="164"/>
+          <ac:spMkLst>
+            <pc:docMk/>
+            <pc:sldMk cId="1221641340" sldId="260"/>
+            <ac:spMk id="35" creationId="{42D2E774-ACF4-4D7A-AF5B-1C2736795D2E}"/>
+          </ac:spMkLst>
+        </pc:spChg>
+        <pc:spChg chg="add mod">
+          <ac:chgData name="김영찬" userId="a81591f0-1a4d-4c10-b0d3-35a306720c09" providerId="ADAL" clId="{8C5D3337-9A92-4731-953F-24DDF54DD1A0}" dt="2019-05-10T17:19:35.696" v="5115" actId="164"/>
+          <ac:spMkLst>
+            <pc:docMk/>
+            <pc:sldMk cId="1221641340" sldId="260"/>
+            <ac:spMk id="36" creationId="{61B38A63-E1F9-4709-9AE6-5131142E2527}"/>
+          </ac:spMkLst>
+        </pc:spChg>
+        <pc:spChg chg="add mod">
+          <ac:chgData name="김영찬" userId="a81591f0-1a4d-4c10-b0d3-35a306720c09" providerId="ADAL" clId="{8C5D3337-9A92-4731-953F-24DDF54DD1A0}" dt="2019-05-10T17:20:37.559" v="5144" actId="164"/>
+          <ac:spMkLst>
+            <pc:docMk/>
+            <pc:sldMk cId="1221641340" sldId="260"/>
+            <ac:spMk id="37" creationId="{5FC43440-436A-4C06-829F-17D97A8642F9}"/>
+          </ac:spMkLst>
+        </pc:spChg>
+        <pc:spChg chg="add del mod">
+          <ac:chgData name="김영찬" userId="a81591f0-1a4d-4c10-b0d3-35a306720c09" providerId="ADAL" clId="{8C5D3337-9A92-4731-953F-24DDF54DD1A0}" dt="2019-05-10T17:20:55.720" v="5148" actId="478"/>
+          <ac:spMkLst>
+            <pc:docMk/>
+            <pc:sldMk cId="1221641340" sldId="260"/>
+            <ac:spMk id="38" creationId="{FEFA33D4-633D-466C-AD12-579782A13B10}"/>
+          </ac:spMkLst>
+        </pc:spChg>
+        <pc:spChg chg="add del mod">
+          <ac:chgData name="김영찬" userId="a81591f0-1a4d-4c10-b0d3-35a306720c09" providerId="ADAL" clId="{8C5D3337-9A92-4731-953F-24DDF54DD1A0}" dt="2019-05-10T17:20:57.022" v="5149" actId="478"/>
+          <ac:spMkLst>
+            <pc:docMk/>
+            <pc:sldMk cId="1221641340" sldId="260"/>
+            <ac:spMk id="39" creationId="{460C48C1-2268-4D0F-AEB1-0F9E28629E93}"/>
+          </ac:spMkLst>
+        </pc:spChg>
+        <pc:spChg chg="add del mod">
+          <ac:chgData name="김영찬" userId="a81591f0-1a4d-4c10-b0d3-35a306720c09" providerId="ADAL" clId="{8C5D3337-9A92-4731-953F-24DDF54DD1A0}" dt="2019-05-10T17:18:27.099" v="5101" actId="478"/>
+          <ac:spMkLst>
+            <pc:docMk/>
+            <pc:sldMk cId="1221641340" sldId="260"/>
+            <ac:spMk id="45" creationId="{7C6FC10B-B041-4935-97F0-A1BE3C9CA05A}"/>
+          </ac:spMkLst>
+        </pc:spChg>
+        <pc:spChg chg="add mod">
+          <ac:chgData name="김영찬" userId="a81591f0-1a4d-4c10-b0d3-35a306720c09" providerId="ADAL" clId="{8C5D3337-9A92-4731-953F-24DDF54DD1A0}" dt="2019-05-10T17:20:40.743" v="5145" actId="164"/>
+          <ac:spMkLst>
+            <pc:docMk/>
+            <pc:sldMk cId="1221641340" sldId="260"/>
+            <ac:spMk id="46" creationId="{50F1F7CE-BE0C-415E-A80E-D7EE91C3687C}"/>
+          </ac:spMkLst>
+        </pc:spChg>
+        <pc:spChg chg="add mod">
+          <ac:chgData name="김영찬" userId="a81591f0-1a4d-4c10-b0d3-35a306720c09" providerId="ADAL" clId="{8C5D3337-9A92-4731-953F-24DDF54DD1A0}" dt="2019-05-10T17:20:37.559" v="5144" actId="164"/>
+          <ac:spMkLst>
+            <pc:docMk/>
+            <pc:sldMk cId="1221641340" sldId="260"/>
+            <ac:spMk id="47" creationId="{343F65D2-C6CE-49FF-B6A2-481848D6C2C5}"/>
+          </ac:spMkLst>
+        </pc:spChg>
+        <pc:spChg chg="add mod">
+          <ac:chgData name="김영찬" userId="a81591f0-1a4d-4c10-b0d3-35a306720c09" providerId="ADAL" clId="{8C5D3337-9A92-4731-953F-24DDF54DD1A0}" dt="2019-05-10T17:19:35.696" v="5115" actId="164"/>
+          <ac:spMkLst>
+            <pc:docMk/>
+            <pc:sldMk cId="1221641340" sldId="260"/>
+            <ac:spMk id="48" creationId="{74ADEDCB-A691-4153-A17D-4B6500D782F6}"/>
+          </ac:spMkLst>
+        </pc:spChg>
+        <pc:spChg chg="add mod">
+          <ac:chgData name="김영찬" userId="a81591f0-1a4d-4c10-b0d3-35a306720c09" providerId="ADAL" clId="{8C5D3337-9A92-4731-953F-24DDF54DD1A0}" dt="2019-05-10T17:19:39.844" v="5117" actId="571"/>
+          <ac:spMkLst>
+            <pc:docMk/>
+            <pc:sldMk cId="1221641340" sldId="260"/>
+            <ac:spMk id="50" creationId="{01D43411-BDCE-4FD1-8727-59A674533B91}"/>
+          </ac:spMkLst>
+        </pc:spChg>
+        <pc:spChg chg="add mod">
+          <ac:chgData name="김영찬" userId="a81591f0-1a4d-4c10-b0d3-35a306720c09" providerId="ADAL" clId="{8C5D3337-9A92-4731-953F-24DDF54DD1A0}" dt="2019-05-10T17:19:39.844" v="5117" actId="571"/>
+          <ac:spMkLst>
+            <pc:docMk/>
+            <pc:sldMk cId="1221641340" sldId="260"/>
+            <ac:spMk id="51" creationId="{154D9086-06DD-4110-96AA-E0297B9B92B0}"/>
+          </ac:spMkLst>
+        </pc:spChg>
+        <pc:spChg chg="add mod">
+          <ac:chgData name="김영찬" userId="a81591f0-1a4d-4c10-b0d3-35a306720c09" providerId="ADAL" clId="{8C5D3337-9A92-4731-953F-24DDF54DD1A0}" dt="2019-05-10T17:20:23.700" v="5141" actId="1076"/>
+          <ac:spMkLst>
+            <pc:docMk/>
+            <pc:sldMk cId="1221641340" sldId="260"/>
+            <ac:spMk id="52" creationId="{C9216A7F-02F2-49BE-AA14-6349AEDB4F0F}"/>
+          </ac:spMkLst>
+        </pc:spChg>
+        <pc:spChg chg="add mod">
+          <ac:chgData name="김영찬" userId="a81591f0-1a4d-4c10-b0d3-35a306720c09" providerId="ADAL" clId="{8C5D3337-9A92-4731-953F-24DDF54DD1A0}" dt="2019-05-10T17:20:23.700" v="5141" actId="1076"/>
+          <ac:spMkLst>
+            <pc:docMk/>
+            <pc:sldMk cId="1221641340" sldId="260"/>
+            <ac:spMk id="53" creationId="{D61C2961-EF96-4F2B-862D-9D695F4E7443}"/>
+          </ac:spMkLst>
+        </pc:spChg>
+        <pc:spChg chg="topLvl">
+          <ac:chgData name="김영찬" userId="a81591f0-1a4d-4c10-b0d3-35a306720c09" providerId="ADAL" clId="{8C5D3337-9A92-4731-953F-24DDF54DD1A0}" dt="2019-05-10T17:25:52.698" v="5257" actId="478"/>
+          <ac:spMkLst>
+            <pc:docMk/>
+            <pc:sldMk cId="1221641340" sldId="260"/>
+            <ac:spMk id="60" creationId="{7B22F2BA-AF76-41A7-BCAC-F2DDF314DFAF}"/>
+          </ac:spMkLst>
+        </pc:spChg>
+        <pc:spChg chg="del topLvl">
+          <ac:chgData name="김영찬" userId="a81591f0-1a4d-4c10-b0d3-35a306720c09" providerId="ADAL" clId="{8C5D3337-9A92-4731-953F-24DDF54DD1A0}" dt="2019-05-10T17:25:52.698" v="5257" actId="478"/>
+          <ac:spMkLst>
+            <pc:docMk/>
+            <pc:sldMk cId="1221641340" sldId="260"/>
+            <ac:spMk id="61" creationId="{012B1077-86E0-465B-8E8A-B7599E11513E}"/>
+          </ac:spMkLst>
+        </pc:spChg>
+        <pc:spChg chg="add mod">
+          <ac:chgData name="김영찬" userId="a81591f0-1a4d-4c10-b0d3-35a306720c09" providerId="ADAL" clId="{8C5D3337-9A92-4731-953F-24DDF54DD1A0}" dt="2019-05-10T17:21:09.261" v="5150" actId="571"/>
+          <ac:spMkLst>
+            <pc:docMk/>
+            <pc:sldMk cId="1221641340" sldId="260"/>
+            <ac:spMk id="62" creationId="{A2C3D3A8-3AF5-4D68-A2D5-E86A62AF8A53}"/>
+          </ac:spMkLst>
+        </pc:spChg>
+        <pc:spChg chg="add mod">
+          <ac:chgData name="김영찬" userId="a81591f0-1a4d-4c10-b0d3-35a306720c09" providerId="ADAL" clId="{8C5D3337-9A92-4731-953F-24DDF54DD1A0}" dt="2019-05-10T17:21:09.261" v="5150" actId="571"/>
+          <ac:spMkLst>
+            <pc:docMk/>
+            <pc:sldMk cId="1221641340" sldId="260"/>
+            <ac:spMk id="63" creationId="{36BEF848-E9FD-49B0-98FA-0D0BDB1C4A4E}"/>
+          </ac:spMkLst>
+        </pc:spChg>
+        <pc:spChg chg="topLvl">
+          <ac:chgData name="김영찬" userId="a81591f0-1a4d-4c10-b0d3-35a306720c09" providerId="ADAL" clId="{8C5D3337-9A92-4731-953F-24DDF54DD1A0}" dt="2019-05-10T17:25:41.028" v="5255" actId="478"/>
+          <ac:spMkLst>
+            <pc:docMk/>
+            <pc:sldMk cId="1221641340" sldId="260"/>
+            <ac:spMk id="68" creationId="{CA2BF226-D997-4948-91FA-BD20C8373108}"/>
+          </ac:spMkLst>
+        </pc:spChg>
+        <pc:spChg chg="del topLvl">
+          <ac:chgData name="김영찬" userId="a81591f0-1a4d-4c10-b0d3-35a306720c09" providerId="ADAL" clId="{8C5D3337-9A92-4731-953F-24DDF54DD1A0}" dt="2019-05-10T17:25:41.028" v="5255" actId="478"/>
+          <ac:spMkLst>
+            <pc:docMk/>
+            <pc:sldMk cId="1221641340" sldId="260"/>
+            <ac:spMk id="69" creationId="{6E832FC7-EE5F-4122-AA81-363F6E7D042F}"/>
+          </ac:spMkLst>
+        </pc:spChg>
+        <pc:spChg chg="add mod">
+          <ac:chgData name="김영찬" userId="a81591f0-1a4d-4c10-b0d3-35a306720c09" providerId="ADAL" clId="{8C5D3337-9A92-4731-953F-24DDF54DD1A0}" dt="2019-05-10T17:21:12.334" v="5151" actId="571"/>
+          <ac:spMkLst>
+            <pc:docMk/>
+            <pc:sldMk cId="1221641340" sldId="260"/>
+            <ac:spMk id="70" creationId="{0A9BAC55-4767-41B2-85DC-12B83E25DC62}"/>
+          </ac:spMkLst>
+        </pc:spChg>
+        <pc:spChg chg="add mod">
+          <ac:chgData name="김영찬" userId="a81591f0-1a4d-4c10-b0d3-35a306720c09" providerId="ADAL" clId="{8C5D3337-9A92-4731-953F-24DDF54DD1A0}" dt="2019-05-10T17:21:12.334" v="5151" actId="571"/>
+          <ac:spMkLst>
+            <pc:docMk/>
+            <pc:sldMk cId="1221641340" sldId="260"/>
+            <ac:spMk id="71" creationId="{DF10E50F-ACBD-46AA-98F8-D4BC191DA382}"/>
+          </ac:spMkLst>
+        </pc:spChg>
+        <pc:spChg chg="mod topLvl">
+          <ac:chgData name="김영찬" userId="a81591f0-1a4d-4c10-b0d3-35a306720c09" providerId="ADAL" clId="{8C5D3337-9A92-4731-953F-24DDF54DD1A0}" dt="2019-05-10T17:25:36.276" v="5254" actId="478"/>
+          <ac:spMkLst>
+            <pc:docMk/>
+            <pc:sldMk cId="1221641340" sldId="260"/>
+            <ac:spMk id="73" creationId="{FA29681B-526C-4A88-BD7F-5D2284C6D8DC}"/>
+          </ac:spMkLst>
+        </pc:spChg>
+        <pc:spChg chg="add del mod topLvl">
+          <ac:chgData name="김영찬" userId="a81591f0-1a4d-4c10-b0d3-35a306720c09" providerId="ADAL" clId="{8C5D3337-9A92-4731-953F-24DDF54DD1A0}" dt="2019-05-10T17:25:36.276" v="5254" actId="478"/>
+          <ac:spMkLst>
+            <pc:docMk/>
+            <pc:sldMk cId="1221641340" sldId="260"/>
+            <ac:spMk id="74" creationId="{BF203DAF-6C14-47B4-AA6D-BF65865F7799}"/>
+          </ac:spMkLst>
+        </pc:spChg>
+        <pc:spChg chg="add mod">
+          <ac:chgData name="김영찬" userId="a81591f0-1a4d-4c10-b0d3-35a306720c09" providerId="ADAL" clId="{8C5D3337-9A92-4731-953F-24DDF54DD1A0}" dt="2019-05-10T17:24:06.514" v="5212" actId="164"/>
+          <ac:spMkLst>
+            <pc:docMk/>
+            <pc:sldMk cId="1221641340" sldId="260"/>
+            <ac:spMk id="75" creationId="{BAAB4A38-BA00-43F1-9607-CC47C767197D}"/>
+          </ac:spMkLst>
+        </pc:spChg>
+        <pc:spChg chg="add del mod">
+          <ac:chgData name="김영찬" userId="a81591f0-1a4d-4c10-b0d3-35a306720c09" providerId="ADAL" clId="{8C5D3337-9A92-4731-953F-24DDF54DD1A0}" dt="2019-05-10T17:24:06.514" v="5212" actId="164"/>
+          <ac:spMkLst>
+            <pc:docMk/>
+            <pc:sldMk cId="1221641340" sldId="260"/>
+            <ac:spMk id="76" creationId="{53E0E5E2-583B-441C-889E-EE2D1281AE19}"/>
+          </ac:spMkLst>
+        </pc:spChg>
+        <pc:spChg chg="add mod">
+          <ac:chgData name="김영찬" userId="a81591f0-1a4d-4c10-b0d3-35a306720c09" providerId="ADAL" clId="{8C5D3337-9A92-4731-953F-24DDF54DD1A0}" dt="2019-05-10T17:24:06.514" v="5212" actId="164"/>
+          <ac:spMkLst>
+            <pc:docMk/>
+            <pc:sldMk cId="1221641340" sldId="260"/>
+            <ac:spMk id="77" creationId="{BA5519DE-7441-44FF-A351-E6DD3C2C532C}"/>
+          </ac:spMkLst>
+        </pc:spChg>
+        <pc:spChg chg="mod topLvl">
+          <ac:chgData name="김영찬" userId="a81591f0-1a4d-4c10-b0d3-35a306720c09" providerId="ADAL" clId="{8C5D3337-9A92-4731-953F-24DDF54DD1A0}" dt="2019-05-10T17:24:24.498" v="5223" actId="20577"/>
+          <ac:spMkLst>
+            <pc:docMk/>
+            <pc:sldMk cId="1221641340" sldId="260"/>
+            <ac:spMk id="84" creationId="{EAC85678-A836-4438-A106-91DBC5627003}"/>
+          </ac:spMkLst>
+        </pc:spChg>
+        <pc:spChg chg="del topLvl">
+          <ac:chgData name="김영찬" userId="a81591f0-1a4d-4c10-b0d3-35a306720c09" providerId="ADAL" clId="{8C5D3337-9A92-4731-953F-24DDF54DD1A0}" dt="2019-05-10T17:24:19.943" v="5217" actId="478"/>
+          <ac:spMkLst>
+            <pc:docMk/>
+            <pc:sldMk cId="1221641340" sldId="260"/>
+            <ac:spMk id="85" creationId="{6DEAC3D1-72A0-425A-AAEA-A55EB4BB9FE4}"/>
+          </ac:spMkLst>
+        </pc:spChg>
+        <pc:spChg chg="del">
+          <ac:chgData name="김영찬" userId="a81591f0-1a4d-4c10-b0d3-35a306720c09" providerId="ADAL" clId="{8C5D3337-9A92-4731-953F-24DDF54DD1A0}" dt="2019-05-10T17:24:18.216" v="5216" actId="478"/>
+          <ac:spMkLst>
+            <pc:docMk/>
+            <pc:sldMk cId="1221641340" sldId="260"/>
+            <ac:spMk id="86" creationId="{CC0F573B-5AC5-4D7C-9660-E1A3357CCC58}"/>
+          </ac:spMkLst>
+        </pc:spChg>
+        <pc:spChg chg="add mod">
+          <ac:chgData name="김영찬" userId="a81591f0-1a4d-4c10-b0d3-35a306720c09" providerId="ADAL" clId="{8C5D3337-9A92-4731-953F-24DDF54DD1A0}" dt="2019-05-10T17:24:27.598" v="5224" actId="571"/>
+          <ac:spMkLst>
+            <pc:docMk/>
+            <pc:sldMk cId="1221641340" sldId="260"/>
+            <ac:spMk id="87" creationId="{068D2518-E5B0-476F-B559-82E56135630A}"/>
+          </ac:spMkLst>
+        </pc:spChg>
+        <pc:spChg chg="add mod">
+          <ac:chgData name="김영찬" userId="a81591f0-1a4d-4c10-b0d3-35a306720c09" providerId="ADAL" clId="{8C5D3337-9A92-4731-953F-24DDF54DD1A0}" dt="2019-05-10T17:25:55.236" v="5258" actId="207"/>
+          <ac:spMkLst>
+            <pc:docMk/>
+            <pc:sldMk cId="1221641340" sldId="260"/>
+            <ac:spMk id="88" creationId="{E37A2F05-F345-47D5-B71B-550808A67FA9}"/>
+          </ac:spMkLst>
+        </pc:spChg>
+        <pc:spChg chg="add mod">
+          <ac:chgData name="김영찬" userId="a81591f0-1a4d-4c10-b0d3-35a306720c09" providerId="ADAL" clId="{8C5D3337-9A92-4731-953F-24DDF54DD1A0}" dt="2019-05-10T17:24:34.522" v="5226" actId="571"/>
+          <ac:spMkLst>
+            <pc:docMk/>
+            <pc:sldMk cId="1221641340" sldId="260"/>
+            <ac:spMk id="89" creationId="{D630C5F8-6114-43E2-B495-CACD192E2AC4}"/>
+          </ac:spMkLst>
+        </pc:spChg>
+        <pc:spChg chg="add mod">
+          <ac:chgData name="김영찬" userId="a81591f0-1a4d-4c10-b0d3-35a306720c09" providerId="ADAL" clId="{8C5D3337-9A92-4731-953F-24DDF54DD1A0}" dt="2019-05-10T17:24:39.997" v="5228" actId="571"/>
+          <ac:spMkLst>
+            <pc:docMk/>
+            <pc:sldMk cId="1221641340" sldId="260"/>
+            <ac:spMk id="90" creationId="{01E573BE-5D44-4C66-870F-B5109A078079}"/>
+          </ac:spMkLst>
+        </pc:spChg>
+        <pc:spChg chg="add mod">
+          <ac:chgData name="김영찬" userId="a81591f0-1a4d-4c10-b0d3-35a306720c09" providerId="ADAL" clId="{8C5D3337-9A92-4731-953F-24DDF54DD1A0}" dt="2019-05-10T17:25:49.304" v="5256" actId="207"/>
+          <ac:spMkLst>
+            <pc:docMk/>
+            <pc:sldMk cId="1221641340" sldId="260"/>
+            <ac:spMk id="91" creationId="{1537028D-A7DD-47B8-AD60-E2B722AB0FF7}"/>
+          </ac:spMkLst>
+        </pc:spChg>
+        <pc:spChg chg="add mod">
+          <ac:chgData name="김영찬" userId="a81591f0-1a4d-4c10-b0d3-35a306720c09" providerId="ADAL" clId="{8C5D3337-9A92-4731-953F-24DDF54DD1A0}" dt="2019-05-10T17:24:47.365" v="5230" actId="571"/>
+          <ac:spMkLst>
+            <pc:docMk/>
+            <pc:sldMk cId="1221641340" sldId="260"/>
+            <ac:spMk id="92" creationId="{C0E9D65E-1967-433D-8D25-1B24B3A31FD7}"/>
+          </ac:spMkLst>
+        </pc:spChg>
+        <pc:spChg chg="add mod">
+          <ac:chgData name="김영찬" userId="a81591f0-1a4d-4c10-b0d3-35a306720c09" providerId="ADAL" clId="{8C5D3337-9A92-4731-953F-24DDF54DD1A0}" dt="2019-05-10T17:30:26.112" v="5485" actId="1582"/>
+          <ac:spMkLst>
+            <pc:docMk/>
+            <pc:sldMk cId="1221641340" sldId="260"/>
+            <ac:spMk id="93" creationId="{00B99134-D545-48C7-9194-687C99801880}"/>
+          </ac:spMkLst>
+        </pc:spChg>
+        <pc:spChg chg="mod topLvl">
+          <ac:chgData name="김영찬" userId="a81591f0-1a4d-4c10-b0d3-35a306720c09" providerId="ADAL" clId="{8C5D3337-9A92-4731-953F-24DDF54DD1A0}" dt="2019-05-10T17:30:07.437" v="5484"/>
+          <ac:spMkLst>
+            <pc:docMk/>
+            <pc:sldMk cId="1221641340" sldId="260"/>
+            <ac:spMk id="95" creationId="{8C8EA029-C5D4-44CC-A291-12D8F791ECE9}"/>
+          </ac:spMkLst>
+        </pc:spChg>
+        <pc:spChg chg="del">
+          <ac:chgData name="김영찬" userId="a81591f0-1a4d-4c10-b0d3-35a306720c09" providerId="ADAL" clId="{8C5D3337-9A92-4731-953F-24DDF54DD1A0}" dt="2019-05-10T17:26:26.506" v="5264" actId="478"/>
+          <ac:spMkLst>
+            <pc:docMk/>
+            <pc:sldMk cId="1221641340" sldId="260"/>
+            <ac:spMk id="96" creationId="{790B082E-5254-4F14-AF37-F6755BD56D02}"/>
+          </ac:spMkLst>
+        </pc:spChg>
+        <pc:spChg chg="del topLvl">
+          <ac:chgData name="김영찬" userId="a81591f0-1a4d-4c10-b0d3-35a306720c09" providerId="ADAL" clId="{8C5D3337-9A92-4731-953F-24DDF54DD1A0}" dt="2019-05-10T17:26:30.471" v="5267" actId="478"/>
+          <ac:spMkLst>
+            <pc:docMk/>
+            <pc:sldMk cId="1221641340" sldId="260"/>
+            <ac:spMk id="97" creationId="{3AA5BBD2-1E8A-4269-80F0-E61834BDE166}"/>
+          </ac:spMkLst>
+        </pc:spChg>
+        <pc:spChg chg="add mod">
+          <ac:chgData name="김영찬" userId="a81591f0-1a4d-4c10-b0d3-35a306720c09" providerId="ADAL" clId="{8C5D3337-9A92-4731-953F-24DDF54DD1A0}" dt="2019-05-10T17:26:52.623" v="5290" actId="207"/>
+          <ac:spMkLst>
+            <pc:docMk/>
+            <pc:sldMk cId="1221641340" sldId="260"/>
+            <ac:spMk id="98" creationId="{9FA3C2C2-B434-423B-BB25-24038ABC2008}"/>
+          </ac:spMkLst>
+        </pc:spChg>
+        <pc:spChg chg="add mod">
+          <ac:chgData name="김영찬" userId="a81591f0-1a4d-4c10-b0d3-35a306720c09" providerId="ADAL" clId="{8C5D3337-9A92-4731-953F-24DDF54DD1A0}" dt="2019-05-10T17:27:20.532" v="5315" actId="1076"/>
+          <ac:spMkLst>
+            <pc:docMk/>
+            <pc:sldMk cId="1221641340" sldId="260"/>
+            <ac:spMk id="99" creationId="{4FE9EFE3-EC47-4E1B-8231-F5944EFACE60}"/>
+          </ac:spMkLst>
+        </pc:spChg>
+        <pc:spChg chg="add mod">
+          <ac:chgData name="김영찬" userId="a81591f0-1a4d-4c10-b0d3-35a306720c09" providerId="ADAL" clId="{8C5D3337-9A92-4731-953F-24DDF54DD1A0}" dt="2019-05-10T17:28:02.578" v="5321" actId="207"/>
+          <ac:spMkLst>
+            <pc:docMk/>
+            <pc:sldMk cId="1221641340" sldId="260"/>
+            <ac:spMk id="100" creationId="{261A27DD-4853-4F3C-B05A-B9FE8B123CC0}"/>
+          </ac:spMkLst>
+        </pc:spChg>
+        <pc:spChg chg="add mod">
+          <ac:chgData name="김영찬" userId="a81591f0-1a4d-4c10-b0d3-35a306720c09" providerId="ADAL" clId="{8C5D3337-9A92-4731-953F-24DDF54DD1A0}" dt="2019-05-10T17:28:27.408" v="5327" actId="571"/>
+          <ac:spMkLst>
+            <pc:docMk/>
+            <pc:sldMk cId="1221641340" sldId="260"/>
+            <ac:spMk id="102" creationId="{A3261CFD-9F53-4BA0-8849-CBDA858A9177}"/>
+          </ac:spMkLst>
+        </pc:spChg>
+        <pc:spChg chg="add mod">
+          <ac:chgData name="김영찬" userId="a81591f0-1a4d-4c10-b0d3-35a306720c09" providerId="ADAL" clId="{8C5D3337-9A92-4731-953F-24DDF54DD1A0}" dt="2019-05-10T17:28:27.408" v="5327" actId="571"/>
+          <ac:spMkLst>
+            <pc:docMk/>
+            <pc:sldMk cId="1221641340" sldId="260"/>
+            <ac:spMk id="103" creationId="{36A694E6-F431-4BA0-99BF-B9A26C6A498B}"/>
+          </ac:spMkLst>
+        </pc:spChg>
+        <pc:spChg chg="add mod">
+          <ac:chgData name="김영찬" userId="a81591f0-1a4d-4c10-b0d3-35a306720c09" providerId="ADAL" clId="{8C5D3337-9A92-4731-953F-24DDF54DD1A0}" dt="2019-05-10T17:29:14.210" v="5414" actId="1076"/>
+          <ac:spMkLst>
+            <pc:docMk/>
+            <pc:sldMk cId="1221641340" sldId="260"/>
+            <ac:spMk id="104" creationId="{F085F12D-B613-49F0-AE28-22D415A07D19}"/>
+          </ac:spMkLst>
+        </pc:spChg>
+        <pc:spChg chg="add del">
+          <ac:chgData name="김영찬" userId="a81591f0-1a4d-4c10-b0d3-35a306720c09" providerId="ADAL" clId="{8C5D3337-9A92-4731-953F-24DDF54DD1A0}" dt="2019-05-10T17:29:20.272" v="5416"/>
+          <ac:spMkLst>
+            <pc:docMk/>
+            <pc:sldMk cId="1221641340" sldId="260"/>
+            <ac:spMk id="105" creationId="{A9AA23AA-EE24-4B64-9010-D246B7CA0137}"/>
+          </ac:spMkLst>
+        </pc:spChg>
+        <pc:spChg chg="add mod">
+          <ac:chgData name="김영찬" userId="a81591f0-1a4d-4c10-b0d3-35a306720c09" providerId="ADAL" clId="{8C5D3337-9A92-4731-953F-24DDF54DD1A0}" dt="2019-05-10T17:30:26.112" v="5485" actId="1582"/>
+          <ac:spMkLst>
+            <pc:docMk/>
+            <pc:sldMk cId="1221641340" sldId="260"/>
+            <ac:spMk id="106" creationId="{93E83828-EC9E-48A0-BCDF-D2EC2A864C6B}"/>
+          </ac:spMkLst>
+        </pc:spChg>
+        <pc:spChg chg="add mod">
+          <ac:chgData name="김영찬" userId="a81591f0-1a4d-4c10-b0d3-35a306720c09" providerId="ADAL" clId="{8C5D3337-9A92-4731-953F-24DDF54DD1A0}" dt="2019-05-10T17:31:06.396" v="5515" actId="1076"/>
+          <ac:spMkLst>
+            <pc:docMk/>
+            <pc:sldMk cId="1221641340" sldId="260"/>
+            <ac:spMk id="107" creationId="{24904CE7-5DA6-40D1-B5F1-C3ACC9ECE9C8}"/>
+          </ac:spMkLst>
+        </pc:spChg>
+        <pc:spChg chg="add mod">
+          <ac:chgData name="김영찬" userId="a81591f0-1a4d-4c10-b0d3-35a306720c09" providerId="ADAL" clId="{8C5D3337-9A92-4731-953F-24DDF54DD1A0}" dt="2019-05-10T17:31:19.548" v="5530" actId="14100"/>
+          <ac:spMkLst>
+            <pc:docMk/>
+            <pc:sldMk cId="1221641340" sldId="260"/>
+            <ac:spMk id="108" creationId="{AB8825B0-7968-4597-91DD-281F9BA73EB7}"/>
+          </ac:spMkLst>
+        </pc:spChg>
+        <pc:spChg chg="add mod">
+          <ac:chgData name="김영찬" userId="a81591f0-1a4d-4c10-b0d3-35a306720c09" providerId="ADAL" clId="{8C5D3337-9A92-4731-953F-24DDF54DD1A0}" dt="2019-05-10T18:15:54.420" v="8108" actId="14100"/>
+          <ac:spMkLst>
+            <pc:docMk/>
+            <pc:sldMk cId="1221641340" sldId="260"/>
+            <ac:spMk id="111" creationId="{E603EEBB-1BB0-4354-A1B1-F89B988907D9}"/>
+          </ac:spMkLst>
+        </pc:spChg>
+        <pc:grpChg chg="add mod">
+          <ac:chgData name="김영찬" userId="a81591f0-1a4d-4c10-b0d3-35a306720c09" providerId="ADAL" clId="{8C5D3337-9A92-4731-953F-24DDF54DD1A0}" dt="2019-05-10T17:07:51.952" v="4834" actId="1076"/>
+          <ac:grpSpMkLst>
+            <pc:docMk/>
+            <pc:sldMk cId="1221641340" sldId="260"/>
+            <ac:grpSpMk id="17" creationId="{D262DC4F-D505-4A30-9197-10A478FFD354}"/>
+          </ac:grpSpMkLst>
+        </pc:grpChg>
+        <pc:grpChg chg="add mod">
+          <ac:chgData name="김영찬" userId="a81591f0-1a4d-4c10-b0d3-35a306720c09" providerId="ADAL" clId="{8C5D3337-9A92-4731-953F-24DDF54DD1A0}" dt="2019-05-10T17:20:27.886" v="5142" actId="1076"/>
+          <ac:grpSpMkLst>
+            <pc:docMk/>
+            <pc:sldMk cId="1221641340" sldId="260"/>
+            <ac:grpSpMk id="49" creationId="{9C5D85DC-3298-46C4-999F-C03573D0057A}"/>
+          </ac:grpSpMkLst>
+        </pc:grpChg>
+        <pc:grpChg chg="add mod">
+          <ac:chgData name="김영찬" userId="a81591f0-1a4d-4c10-b0d3-35a306720c09" providerId="ADAL" clId="{8C5D3337-9A92-4731-953F-24DDF54DD1A0}" dt="2019-05-10T17:20:30.812" v="5143" actId="571"/>
+          <ac:grpSpMkLst>
+            <pc:docMk/>
+            <pc:sldMk cId="1221641340" sldId="260"/>
+            <ac:grpSpMk id="54" creationId="{38A7F04C-3C97-4840-9ECC-B1086BC0015E}"/>
+          </ac:grpSpMkLst>
+        </pc:grpChg>
+        <pc:grpChg chg="add mod">
+          <ac:chgData name="김영찬" userId="a81591f0-1a4d-4c10-b0d3-35a306720c09" providerId="ADAL" clId="{8C5D3337-9A92-4731-953F-24DDF54DD1A0}" dt="2019-05-10T17:20:48.945" v="5147" actId="1076"/>
+          <ac:grpSpMkLst>
+            <pc:docMk/>
+            <pc:sldMk cId="1221641340" sldId="260"/>
+            <ac:grpSpMk id="57" creationId="{8601CF00-CA83-4577-A54D-095FE6BDFB52}"/>
+          </ac:grpSpMkLst>
+        </pc:grpChg>
+        <pc:grpChg chg="add mod">
+          <ac:chgData name="김영찬" userId="a81591f0-1a4d-4c10-b0d3-35a306720c09" providerId="ADAL" clId="{8C5D3337-9A92-4731-953F-24DDF54DD1A0}" dt="2019-05-10T17:20:44.815" v="5146" actId="1076"/>
+          <ac:grpSpMkLst>
+            <pc:docMk/>
+            <pc:sldMk cId="1221641340" sldId="260"/>
+            <ac:grpSpMk id="58" creationId="{795A902F-0CEB-4624-A4F7-A35999883786}"/>
+          </ac:grpSpMkLst>
+        </pc:grpChg>
+        <pc:grpChg chg="add del mod">
+          <ac:chgData name="김영찬" userId="a81591f0-1a4d-4c10-b0d3-35a306720c09" providerId="ADAL" clId="{8C5D3337-9A92-4731-953F-24DDF54DD1A0}" dt="2019-05-10T17:25:52.698" v="5257" actId="478"/>
+          <ac:grpSpMkLst>
+            <pc:docMk/>
+            <pc:sldMk cId="1221641340" sldId="260"/>
+            <ac:grpSpMk id="59" creationId="{FAC43C9C-C267-4B9A-AD91-735BC8AA3706}"/>
+          </ac:grpSpMkLst>
+        </pc:grpChg>
+        <pc:grpChg chg="add mod">
+          <ac:chgData name="김영찬" userId="a81591f0-1a4d-4c10-b0d3-35a306720c09" providerId="ADAL" clId="{8C5D3337-9A92-4731-953F-24DDF54DD1A0}" dt="2019-05-10T17:21:09.261" v="5150" actId="571"/>
+          <ac:grpSpMkLst>
+            <pc:docMk/>
+            <pc:sldMk cId="1221641340" sldId="260"/>
+            <ac:grpSpMk id="64" creationId="{48B213A5-8208-4D55-A798-2E1D6D170B76}"/>
+          </ac:grpSpMkLst>
+        </pc:grpChg>
+        <pc:grpChg chg="add del mod">
+          <ac:chgData name="김영찬" userId="a81591f0-1a4d-4c10-b0d3-35a306720c09" providerId="ADAL" clId="{8C5D3337-9A92-4731-953F-24DDF54DD1A0}" dt="2019-05-10T17:25:41.028" v="5255" actId="478"/>
+          <ac:grpSpMkLst>
+            <pc:docMk/>
+            <pc:sldMk cId="1221641340" sldId="260"/>
+            <ac:grpSpMk id="67" creationId="{51EABFA5-E863-4B20-B85F-223822F4A711}"/>
+          </ac:grpSpMkLst>
+        </pc:grpChg>
+        <pc:grpChg chg="add del mod">
+          <ac:chgData name="김영찬" userId="a81591f0-1a4d-4c10-b0d3-35a306720c09" providerId="ADAL" clId="{8C5D3337-9A92-4731-953F-24DDF54DD1A0}" dt="2019-05-10T17:25:36.276" v="5254" actId="478"/>
+          <ac:grpSpMkLst>
+            <pc:docMk/>
+            <pc:sldMk cId="1221641340" sldId="260"/>
+            <ac:grpSpMk id="72" creationId="{53408506-8742-4753-ABE1-CB98D979CBF0}"/>
+          </ac:grpSpMkLst>
+        </pc:grpChg>
+        <pc:grpChg chg="add mod">
+          <ac:chgData name="김영찬" userId="a81591f0-1a4d-4c10-b0d3-35a306720c09" providerId="ADAL" clId="{8C5D3337-9A92-4731-953F-24DDF54DD1A0}" dt="2019-05-10T17:24:06.514" v="5212" actId="164"/>
+          <ac:grpSpMkLst>
+            <pc:docMk/>
+            <pc:sldMk cId="1221641340" sldId="260"/>
+            <ac:grpSpMk id="78" creationId="{80987A1E-3518-4B2A-80D3-B1DE36C55406}"/>
+          </ac:grpSpMkLst>
+        </pc:grpChg>
+        <pc:grpChg chg="add mod">
+          <ac:chgData name="김영찬" userId="a81591f0-1a4d-4c10-b0d3-35a306720c09" providerId="ADAL" clId="{8C5D3337-9A92-4731-953F-24DDF54DD1A0}" dt="2019-05-10T17:24:11.514" v="5214" actId="1076"/>
+          <ac:grpSpMkLst>
+            <pc:docMk/>
+            <pc:sldMk cId="1221641340" sldId="260"/>
+            <ac:grpSpMk id="79" creationId="{991786F9-976D-440E-A1AB-359FDED6E3FF}"/>
+          </ac:grpSpMkLst>
+        </pc:grpChg>
+        <pc:grpChg chg="add del mod">
+          <ac:chgData name="김영찬" userId="a81591f0-1a4d-4c10-b0d3-35a306720c09" providerId="ADAL" clId="{8C5D3337-9A92-4731-953F-24DDF54DD1A0}" dt="2019-05-10T17:24:19.943" v="5217" actId="478"/>
+          <ac:grpSpMkLst>
+            <pc:docMk/>
+            <pc:sldMk cId="1221641340" sldId="260"/>
+            <ac:grpSpMk id="83" creationId="{1601A860-33B1-4029-97CD-6FA83519AEA4}"/>
+          </ac:grpSpMkLst>
+        </pc:grpChg>
+        <pc:grpChg chg="add del mod">
+          <ac:chgData name="김영찬" userId="a81591f0-1a4d-4c10-b0d3-35a306720c09" providerId="ADAL" clId="{8C5D3337-9A92-4731-953F-24DDF54DD1A0}" dt="2019-05-10T17:26:30.471" v="5267" actId="478"/>
+          <ac:grpSpMkLst>
+            <pc:docMk/>
+            <pc:sldMk cId="1221641340" sldId="260"/>
+            <ac:grpSpMk id="94" creationId="{41400074-601A-45C7-B11E-BF4E5E8E2469}"/>
+          </ac:grpSpMkLst>
+        </pc:grpChg>
+        <pc:picChg chg="add mod">
+          <ac:chgData name="김영찬" userId="a81591f0-1a4d-4c10-b0d3-35a306720c09" providerId="ADAL" clId="{8C5D3337-9A92-4731-953F-24DDF54DD1A0}" dt="2019-05-10T17:28:19.889" v="5325" actId="14100"/>
+          <ac:picMkLst>
+            <pc:docMk/>
+            <pc:sldMk cId="1221641340" sldId="260"/>
+            <ac:picMk id="101" creationId="{568BA88D-162C-452A-9720-F7E37A27BBA6}"/>
+          </ac:picMkLst>
+        </pc:picChg>
+        <pc:cxnChg chg="add mod">
+          <ac:chgData name="김영찬" userId="a81591f0-1a4d-4c10-b0d3-35a306720c09" providerId="ADAL" clId="{8C5D3337-9A92-4731-953F-24DDF54DD1A0}" dt="2019-05-10T17:08:01.517" v="4836" actId="1582"/>
+          <ac:cxnSpMkLst>
+            <pc:docMk/>
+            <pc:sldMk cId="1221641340" sldId="260"/>
+            <ac:cxnSpMk id="13" creationId="{4E70AB9B-4A45-4E61-BA3B-60131811A87B}"/>
+          </ac:cxnSpMkLst>
+        </pc:cxnChg>
+        <pc:cxnChg chg="add del mod">
+          <ac:chgData name="김영찬" userId="a81591f0-1a4d-4c10-b0d3-35a306720c09" providerId="ADAL" clId="{8C5D3337-9A92-4731-953F-24DDF54DD1A0}" dt="2019-05-10T17:06:27.130" v="4811" actId="478"/>
+          <ac:cxnSpMkLst>
+            <pc:docMk/>
+            <pc:sldMk cId="1221641340" sldId="260"/>
+            <ac:cxnSpMk id="14" creationId="{5FD38EF2-34DA-49BA-AB24-ECB5B4D60CD1}"/>
+          </ac:cxnSpMkLst>
+        </pc:cxnChg>
+        <pc:cxnChg chg="add mod">
+          <ac:chgData name="김영찬" userId="a81591f0-1a4d-4c10-b0d3-35a306720c09" providerId="ADAL" clId="{8C5D3337-9A92-4731-953F-24DDF54DD1A0}" dt="2019-05-10T17:08:01.517" v="4836" actId="1582"/>
+          <ac:cxnSpMkLst>
+            <pc:docMk/>
+            <pc:sldMk cId="1221641340" sldId="260"/>
+            <ac:cxnSpMk id="16" creationId="{05C85B2D-A01F-4C89-ACBD-FC17A09B1296}"/>
+          </ac:cxnSpMkLst>
+        </pc:cxnChg>
+        <pc:cxnChg chg="add del mod">
+          <ac:chgData name="김영찬" userId="a81591f0-1a4d-4c10-b0d3-35a306720c09" providerId="ADAL" clId="{8C5D3337-9A92-4731-953F-24DDF54DD1A0}" dt="2019-05-10T17:08:46.236" v="4841" actId="478"/>
+          <ac:cxnSpMkLst>
+            <pc:docMk/>
+            <pc:sldMk cId="1221641340" sldId="260"/>
+            <ac:cxnSpMk id="19" creationId="{7D7DA1DD-044F-4FC5-8F44-DE0468706C53}"/>
+          </ac:cxnSpMkLst>
+        </pc:cxnChg>
+        <pc:cxnChg chg="add del mod">
+          <ac:chgData name="김영찬" userId="a81591f0-1a4d-4c10-b0d3-35a306720c09" providerId="ADAL" clId="{8C5D3337-9A92-4731-953F-24DDF54DD1A0}" dt="2019-05-10T17:18:28.665" v="5102" actId="478"/>
+          <ac:cxnSpMkLst>
+            <pc:docMk/>
+            <pc:sldMk cId="1221641340" sldId="260"/>
+            <ac:cxnSpMk id="41" creationId="{F910757A-21D2-491C-8502-A7E30C6385C9}"/>
+          </ac:cxnSpMkLst>
+        </pc:cxnChg>
+        <pc:cxnChg chg="add del mod">
+          <ac:chgData name="김영찬" userId="a81591f0-1a4d-4c10-b0d3-35a306720c09" providerId="ADAL" clId="{8C5D3337-9A92-4731-953F-24DDF54DD1A0}" dt="2019-05-10T17:18:22.005" v="5098" actId="478"/>
+          <ac:cxnSpMkLst>
+            <pc:docMk/>
+            <pc:sldMk cId="1221641340" sldId="260"/>
+            <ac:cxnSpMk id="43" creationId="{82D22490-873A-46F2-BDCE-8F75A0EDD67C}"/>
+          </ac:cxnSpMkLst>
+        </pc:cxnChg>
+        <pc:cxnChg chg="add del mod">
+          <ac:chgData name="김영찬" userId="a81591f0-1a4d-4c10-b0d3-35a306720c09" providerId="ADAL" clId="{8C5D3337-9A92-4731-953F-24DDF54DD1A0}" dt="2019-05-10T17:42:19.610" v="5863" actId="478"/>
+          <ac:cxnSpMkLst>
+            <pc:docMk/>
+            <pc:sldMk cId="1221641340" sldId="260"/>
+            <ac:cxnSpMk id="110" creationId="{C4E5B7C4-0204-4E68-B84F-F7D7E584CC71}"/>
+          </ac:cxnSpMkLst>
+        </pc:cxnChg>
+        <pc:cxnChg chg="add mod ord">
+          <ac:chgData name="김영찬" userId="a81591f0-1a4d-4c10-b0d3-35a306720c09" providerId="ADAL" clId="{8C5D3337-9A92-4731-953F-24DDF54DD1A0}" dt="2019-05-10T18:15:23.358" v="8105" actId="171"/>
+          <ac:cxnSpMkLst>
+            <pc:docMk/>
+            <pc:sldMk cId="1221641340" sldId="260"/>
+            <ac:cxnSpMk id="113" creationId="{E412AD73-05FE-4267-90C9-5281741E8BA2}"/>
+          </ac:cxnSpMkLst>
+        </pc:cxnChg>
+      </pc:sldChg>
+      <pc:sldChg chg="modSp add">
+        <pc:chgData name="김영찬" userId="a81591f0-1a4d-4c10-b0d3-35a306720c09" providerId="ADAL" clId="{8C5D3337-9A92-4731-953F-24DDF54DD1A0}" dt="2019-05-10T18:00:42.363" v="7647" actId="20577"/>
+        <pc:sldMkLst>
+          <pc:docMk/>
+          <pc:sldMk cId="4197121160" sldId="261"/>
+        </pc:sldMkLst>
+        <pc:spChg chg="mod">
+          <ac:chgData name="김영찬" userId="a81591f0-1a4d-4c10-b0d3-35a306720c09" providerId="ADAL" clId="{8C5D3337-9A92-4731-953F-24DDF54DD1A0}" dt="2019-05-10T14:53:54.726" v="3442"/>
+          <ac:spMkLst>
+            <pc:docMk/>
+            <pc:sldMk cId="4197121160" sldId="261"/>
+            <ac:spMk id="2" creationId="{AA57BE3B-8A81-4775-8A24-BE9D0E50C6BC}"/>
+          </ac:spMkLst>
+        </pc:spChg>
+        <pc:spChg chg="mod">
+          <ac:chgData name="김영찬" userId="a81591f0-1a4d-4c10-b0d3-35a306720c09" providerId="ADAL" clId="{8C5D3337-9A92-4731-953F-24DDF54DD1A0}" dt="2019-05-10T16:48:15.030" v="3821" actId="6549"/>
+          <ac:spMkLst>
+            <pc:docMk/>
+            <pc:sldMk cId="4197121160" sldId="261"/>
+            <ac:spMk id="3" creationId="{C08FC53D-329F-4A72-89A3-715DA112070D}"/>
+          </ac:spMkLst>
+        </pc:spChg>
+        <pc:graphicFrameChg chg="mod modGraphic">
+          <ac:chgData name="김영찬" userId="a81591f0-1a4d-4c10-b0d3-35a306720c09" providerId="ADAL" clId="{8C5D3337-9A92-4731-953F-24DDF54DD1A0}" dt="2019-05-10T18:00:42.363" v="7647" actId="20577"/>
+          <ac:graphicFrameMkLst>
+            <pc:docMk/>
+            <pc:sldMk cId="4197121160" sldId="261"/>
+            <ac:graphicFrameMk id="7" creationId="{B5583A04-3A25-4635-A454-27DEBF9D096E}"/>
+          </ac:graphicFrameMkLst>
+        </pc:graphicFrameChg>
+      </pc:sldChg>
+      <pc:sldChg chg="addSp delSp add del">
+        <pc:chgData name="김영찬" userId="a81591f0-1a4d-4c10-b0d3-35a306720c09" providerId="ADAL" clId="{8C5D3337-9A92-4731-953F-24DDF54DD1A0}" dt="2019-05-10T17:09:32.486" v="4850"/>
+        <pc:sldMkLst>
+          <pc:docMk/>
+          <pc:sldMk cId="722420785" sldId="262"/>
+        </pc:sldMkLst>
+        <pc:spChg chg="add del">
+          <ac:chgData name="김영찬" userId="a81591f0-1a4d-4c10-b0d3-35a306720c09" providerId="ADAL" clId="{8C5D3337-9A92-4731-953F-24DDF54DD1A0}" dt="2019-05-10T17:09:31.511" v="4849" actId="478"/>
+          <ac:spMkLst>
+            <pc:docMk/>
+            <pc:sldMk cId="722420785" sldId="262"/>
+            <ac:spMk id="20" creationId="{E1F298EA-508C-4AB8-9290-EA407823E7F5}"/>
+          </ac:spMkLst>
+        </pc:spChg>
+      </pc:sldChg>
+      <pc:sldChg chg="addSp add del">
+        <pc:chgData name="김영찬" userId="a81591f0-1a4d-4c10-b0d3-35a306720c09" providerId="ADAL" clId="{8C5D3337-9A92-4731-953F-24DDF54DD1A0}" dt="2019-05-10T17:50:40.539" v="6203" actId="2696"/>
+        <pc:sldMkLst>
+          <pc:docMk/>
+          <pc:sldMk cId="3074357894" sldId="262"/>
+        </pc:sldMkLst>
+        <pc:spChg chg="add">
+          <ac:chgData name="김영찬" userId="a81591f0-1a4d-4c10-b0d3-35a306720c09" providerId="ADAL" clId="{8C5D3337-9A92-4731-953F-24DDF54DD1A0}" dt="2019-05-10T17:13:08.334" v="4973"/>
+          <ac:spMkLst>
+            <pc:docMk/>
+            <pc:sldMk cId="3074357894" sldId="262"/>
+            <ac:spMk id="14" creationId="{D83C9E43-585D-465F-B3C4-42CEEFFD5255}"/>
+          </ac:spMkLst>
+        </pc:spChg>
+      </pc:sldChg>
+      <pc:sldChg chg="add del">
+        <pc:chgData name="김영찬" userId="a81591f0-1a4d-4c10-b0d3-35a306720c09" providerId="ADAL" clId="{8C5D3337-9A92-4731-953F-24DDF54DD1A0}" dt="2019-05-10T17:11:51.752" v="4924" actId="2696"/>
+        <pc:sldMkLst>
+          <pc:docMk/>
+          <pc:sldMk cId="1918612071" sldId="263"/>
+        </pc:sldMkLst>
+      </pc:sldChg>
+      <pc:sldChg chg="add del ord">
+        <pc:chgData name="김영찬" userId="a81591f0-1a4d-4c10-b0d3-35a306720c09" providerId="ADAL" clId="{8C5D3337-9A92-4731-953F-24DDF54DD1A0}" dt="2019-05-10T17:12:26.989" v="4947" actId="2696"/>
+        <pc:sldMkLst>
+          <pc:docMk/>
+          <pc:sldMk cId="953340062" sldId="264"/>
+        </pc:sldMkLst>
+      </pc:sldChg>
+      <pc:sldChg chg="addSp delSp modSp add ord modNotesTx">
+        <pc:chgData name="김영찬" userId="a81591f0-1a4d-4c10-b0d3-35a306720c09" providerId="ADAL" clId="{8C5D3337-9A92-4731-953F-24DDF54DD1A0}" dt="2019-05-10T18:15:33.918" v="8107" actId="171"/>
+        <pc:sldMkLst>
+          <pc:docMk/>
+          <pc:sldMk cId="2582276959" sldId="265"/>
+        </pc:sldMkLst>
+        <pc:spChg chg="mod">
+          <ac:chgData name="김영찬" userId="a81591f0-1a4d-4c10-b0d3-35a306720c09" providerId="ADAL" clId="{8C5D3337-9A92-4731-953F-24DDF54DD1A0}" dt="2019-05-10T17:34:16.267" v="5553" actId="1076"/>
+          <ac:spMkLst>
+            <pc:docMk/>
+            <pc:sldMk cId="2582276959" sldId="265"/>
+            <ac:spMk id="7" creationId="{6434BBE4-A35E-46D1-A6A6-89E1E5B3AC82}"/>
+          </ac:spMkLst>
+        </pc:spChg>
+        <pc:spChg chg="mod">
+          <ac:chgData name="김영찬" userId="a81591f0-1a4d-4c10-b0d3-35a306720c09" providerId="ADAL" clId="{8C5D3337-9A92-4731-953F-24DDF54DD1A0}" dt="2019-05-10T17:34:16.267" v="5553" actId="1076"/>
+          <ac:spMkLst>
+            <pc:docMk/>
+            <pc:sldMk cId="2582276959" sldId="265"/>
+            <ac:spMk id="9" creationId="{88B0BA98-28C2-47C2-ADEB-240E7C8A8678}"/>
+          </ac:spMkLst>
+        </pc:spChg>
+        <pc:spChg chg="mod">
+          <ac:chgData name="김영찬" userId="a81591f0-1a4d-4c10-b0d3-35a306720c09" providerId="ADAL" clId="{8C5D3337-9A92-4731-953F-24DDF54DD1A0}" dt="2019-05-10T17:34:16.267" v="5553" actId="1076"/>
+          <ac:spMkLst>
+            <pc:docMk/>
+            <pc:sldMk cId="2582276959" sldId="265"/>
+            <ac:spMk id="11" creationId="{AF43066D-0DC7-4CB5-B15D-403A9A9554FC}"/>
+          </ac:spMkLst>
+        </pc:spChg>
+        <pc:spChg chg="add mod">
+          <ac:chgData name="김영찬" userId="a81591f0-1a4d-4c10-b0d3-35a306720c09" providerId="ADAL" clId="{8C5D3337-9A92-4731-953F-24DDF54DD1A0}" dt="2019-05-10T17:40:32.194" v="5805" actId="20577"/>
+          <ac:spMkLst>
+            <pc:docMk/>
+            <pc:sldMk cId="2582276959" sldId="265"/>
+            <ac:spMk id="18" creationId="{61955F4C-FFAF-4582-8C24-B7F49E195252}"/>
+          </ac:spMkLst>
+        </pc:spChg>
+        <pc:spChg chg="add mod">
+          <ac:chgData name="김영찬" userId="a81591f0-1a4d-4c10-b0d3-35a306720c09" providerId="ADAL" clId="{8C5D3337-9A92-4731-953F-24DDF54DD1A0}" dt="2019-05-10T17:34:16.267" v="5553" actId="1076"/>
+          <ac:spMkLst>
+            <pc:docMk/>
+            <pc:sldMk cId="2582276959" sldId="265"/>
+            <ac:spMk id="19" creationId="{762E667A-9045-423C-8595-FEC345859956}"/>
+          </ac:spMkLst>
+        </pc:spChg>
+        <pc:spChg chg="add mod">
+          <ac:chgData name="김영찬" userId="a81591f0-1a4d-4c10-b0d3-35a306720c09" providerId="ADAL" clId="{8C5D3337-9A92-4731-953F-24DDF54DD1A0}" dt="2019-05-10T17:34:16.267" v="5553" actId="1076"/>
+          <ac:spMkLst>
+            <pc:docMk/>
+            <pc:sldMk cId="2582276959" sldId="265"/>
+            <ac:spMk id="20" creationId="{8D5929E5-49A3-4BBC-A9BF-60241544D46D}"/>
+          </ac:spMkLst>
+        </pc:spChg>
+        <pc:spChg chg="mod">
+          <ac:chgData name="김영찬" userId="a81591f0-1a4d-4c10-b0d3-35a306720c09" providerId="ADAL" clId="{8C5D3337-9A92-4731-953F-24DDF54DD1A0}" dt="2019-05-10T17:34:16.267" v="5553" actId="1076"/>
+          <ac:spMkLst>
+            <pc:docMk/>
+            <pc:sldMk cId="2582276959" sldId="265"/>
+            <ac:spMk id="21" creationId="{988D318C-87AF-41FF-81C3-01B10BB4AB51}"/>
+          </ac:spMkLst>
+        </pc:spChg>
+        <pc:spChg chg="mod">
+          <ac:chgData name="김영찬" userId="a81591f0-1a4d-4c10-b0d3-35a306720c09" providerId="ADAL" clId="{8C5D3337-9A92-4731-953F-24DDF54DD1A0}" dt="2019-05-10T17:34:16.267" v="5553" actId="1076"/>
+          <ac:spMkLst>
+            <pc:docMk/>
+            <pc:sldMk cId="2582276959" sldId="265"/>
+            <ac:spMk id="22" creationId="{FC77D65E-E637-4977-9435-5E99C58611F8}"/>
+          </ac:spMkLst>
+        </pc:spChg>
+        <pc:spChg chg="mod">
+          <ac:chgData name="김영찬" userId="a81591f0-1a4d-4c10-b0d3-35a306720c09" providerId="ADAL" clId="{8C5D3337-9A92-4731-953F-24DDF54DD1A0}" dt="2019-05-10T18:01:26.565" v="7729" actId="1076"/>
+          <ac:spMkLst>
+            <pc:docMk/>
+            <pc:sldMk cId="2582276959" sldId="265"/>
+            <ac:spMk id="23" creationId="{BE94DD50-7579-4427-B5C6-E261323D05F5}"/>
+          </ac:spMkLst>
+        </pc:spChg>
+        <pc:spChg chg="add mod">
+          <ac:chgData name="김영찬" userId="a81591f0-1a4d-4c10-b0d3-35a306720c09" providerId="ADAL" clId="{8C5D3337-9A92-4731-953F-24DDF54DD1A0}" dt="2019-05-10T17:34:16.267" v="5553" actId="1076"/>
+          <ac:spMkLst>
+            <pc:docMk/>
+            <pc:sldMk cId="2582276959" sldId="265"/>
+            <ac:spMk id="24" creationId="{94F31387-3574-415E-B813-C3A499201D81}"/>
+          </ac:spMkLst>
+        </pc:spChg>
+        <pc:spChg chg="add mod">
+          <ac:chgData name="김영찬" userId="a81591f0-1a4d-4c10-b0d3-35a306720c09" providerId="ADAL" clId="{8C5D3337-9A92-4731-953F-24DDF54DD1A0}" dt="2019-05-10T17:34:16.267" v="5553" actId="1076"/>
+          <ac:spMkLst>
+            <pc:docMk/>
+            <pc:sldMk cId="2582276959" sldId="265"/>
+            <ac:spMk id="26" creationId="{9E227871-F366-439A-B0E0-3B8AAC805176}"/>
+          </ac:spMkLst>
+        </pc:spChg>
+        <pc:spChg chg="add mod">
+          <ac:chgData name="김영찬" userId="a81591f0-1a4d-4c10-b0d3-35a306720c09" providerId="ADAL" clId="{8C5D3337-9A92-4731-953F-24DDF54DD1A0}" dt="2019-05-10T17:34:16.267" v="5553" actId="1076"/>
+          <ac:spMkLst>
+            <pc:docMk/>
+            <pc:sldMk cId="2582276959" sldId="265"/>
+            <ac:spMk id="27" creationId="{F8FC38A5-7E25-4D3D-AA7D-853842B7EF7B}"/>
+          </ac:spMkLst>
+        </pc:spChg>
+        <pc:spChg chg="add mod">
+          <ac:chgData name="김영찬" userId="a81591f0-1a4d-4c10-b0d3-35a306720c09" providerId="ADAL" clId="{8C5D3337-9A92-4731-953F-24DDF54DD1A0}" dt="2019-05-10T17:47:58.802" v="6028" actId="1076"/>
+          <ac:spMkLst>
+            <pc:docMk/>
+            <pc:sldMk cId="2582276959" sldId="265"/>
+            <ac:spMk id="28" creationId="{F7AB2A20-517A-498F-9456-2227C120888B}"/>
+          </ac:spMkLst>
+        </pc:spChg>
+        <pc:spChg chg="add mod">
+          <ac:chgData name="김영찬" userId="a81591f0-1a4d-4c10-b0d3-35a306720c09" providerId="ADAL" clId="{8C5D3337-9A92-4731-953F-24DDF54DD1A0}" dt="2019-05-10T17:55:06.161" v="6896" actId="403"/>
+          <ac:spMkLst>
+            <pc:docMk/>
+            <pc:sldMk cId="2582276959" sldId="265"/>
+            <ac:spMk id="29" creationId="{EFB61870-2F03-4C81-975E-5B6D933216F1}"/>
+          </ac:spMkLst>
+        </pc:spChg>
+        <pc:spChg chg="add mod">
+          <ac:chgData name="김영찬" userId="a81591f0-1a4d-4c10-b0d3-35a306720c09" providerId="ADAL" clId="{8C5D3337-9A92-4731-953F-24DDF54DD1A0}" dt="2019-05-10T18:01:14.360" v="7726" actId="1076"/>
+          <ac:spMkLst>
+            <pc:docMk/>
+            <pc:sldMk cId="2582276959" sldId="265"/>
+            <ac:spMk id="30" creationId="{64B4FE7E-B21B-45D9-B20A-10FD80F1BA6B}"/>
+          </ac:spMkLst>
+        </pc:spChg>
+        <pc:spChg chg="add mod">
+          <ac:chgData name="김영찬" userId="a81591f0-1a4d-4c10-b0d3-35a306720c09" providerId="ADAL" clId="{8C5D3337-9A92-4731-953F-24DDF54DD1A0}" dt="2019-05-10T18:01:51.014" v="7732" actId="1076"/>
+          <ac:spMkLst>
+            <pc:docMk/>
+            <pc:sldMk cId="2582276959" sldId="265"/>
+            <ac:spMk id="31" creationId="{FB251861-8A83-4AD8-ABAC-A5420030A015}"/>
+          </ac:spMkLst>
+        </pc:spChg>
+        <pc:spChg chg="add mod">
+          <ac:chgData name="김영찬" userId="a81591f0-1a4d-4c10-b0d3-35a306720c09" providerId="ADAL" clId="{8C5D3337-9A92-4731-953F-24DDF54DD1A0}" dt="2019-05-10T17:37:06.521" v="5644" actId="20577"/>
+          <ac:spMkLst>
+            <pc:docMk/>
+            <pc:sldMk cId="2582276959" sldId="265"/>
+            <ac:spMk id="32" creationId="{84AD476A-FD78-4DF6-B3A9-37DE6D2F7B79}"/>
+          </ac:spMkLst>
+        </pc:spChg>
+        <pc:spChg chg="add mod">
+          <ac:chgData name="김영찬" userId="a81591f0-1a4d-4c10-b0d3-35a306720c09" providerId="ADAL" clId="{8C5D3337-9A92-4731-953F-24DDF54DD1A0}" dt="2019-05-10T17:37:16.501" v="5658" actId="1076"/>
+          <ac:spMkLst>
+            <pc:docMk/>
+            <pc:sldMk cId="2582276959" sldId="265"/>
+            <ac:spMk id="33" creationId="{7E881AC3-27B3-4241-A38C-9C02407FF0CB}"/>
+          </ac:spMkLst>
+        </pc:spChg>
+        <pc:spChg chg="add mod">
+          <ac:chgData name="김영찬" userId="a81591f0-1a4d-4c10-b0d3-35a306720c09" providerId="ADAL" clId="{8C5D3337-9A92-4731-953F-24DDF54DD1A0}" dt="2019-05-10T17:37:18.433" v="5660" actId="571"/>
+          <ac:spMkLst>
+            <pc:docMk/>
+            <pc:sldMk cId="2582276959" sldId="265"/>
+            <ac:spMk id="34" creationId="{A4D8031F-F64D-49C2-AA4B-D52E8C1EDE7D}"/>
+          </ac:spMkLst>
+        </pc:spChg>
+        <pc:spChg chg="add mod">
+          <ac:chgData name="김영찬" userId="a81591f0-1a4d-4c10-b0d3-35a306720c09" providerId="ADAL" clId="{8C5D3337-9A92-4731-953F-24DDF54DD1A0}" dt="2019-05-10T17:37:18.433" v="5660" actId="571"/>
+          <ac:spMkLst>
+            <pc:docMk/>
+            <pc:sldMk cId="2582276959" sldId="265"/>
+            <ac:spMk id="35" creationId="{3F60F4AC-1D83-43C5-B4C5-4C3D1EDCE2EF}"/>
+          </ac:spMkLst>
+        </pc:spChg>
+        <pc:spChg chg="add del mod">
+          <ac:chgData name="김영찬" userId="a81591f0-1a4d-4c10-b0d3-35a306720c09" providerId="ADAL" clId="{8C5D3337-9A92-4731-953F-24DDF54DD1A0}" dt="2019-05-10T17:37:41.464" v="5666" actId="478"/>
+          <ac:spMkLst>
+            <pc:docMk/>
+            <pc:sldMk cId="2582276959" sldId="265"/>
+            <ac:spMk id="36" creationId="{ACEB7AAA-FD6C-473B-8EEF-E75A7D0BFC45}"/>
+          </ac:spMkLst>
+        </pc:spChg>
+        <pc:spChg chg="add mod">
+          <ac:chgData name="김영찬" userId="a81591f0-1a4d-4c10-b0d3-35a306720c09" providerId="ADAL" clId="{8C5D3337-9A92-4731-953F-24DDF54DD1A0}" dt="2019-05-10T17:38:05.949" v="5681" actId="14100"/>
+          <ac:spMkLst>
+            <pc:docMk/>
+            <pc:sldMk cId="2582276959" sldId="265"/>
+            <ac:spMk id="37" creationId="{CB35EFBA-5839-4172-BD1F-06036DFAE808}"/>
+          </ac:spMkLst>
+        </pc:spChg>
+        <pc:spChg chg="add mod">
+          <ac:chgData name="김영찬" userId="a81591f0-1a4d-4c10-b0d3-35a306720c09" providerId="ADAL" clId="{8C5D3337-9A92-4731-953F-24DDF54DD1A0}" dt="2019-05-10T17:38:09.451" v="5682" actId="1076"/>
+          <ac:spMkLst>
+            <pc:docMk/>
+            <pc:sldMk cId="2582276959" sldId="265"/>
+            <ac:spMk id="38" creationId="{E2972689-5762-43E9-BD75-5F1606FB050B}"/>
+          </ac:spMkLst>
+        </pc:spChg>
+        <pc:spChg chg="add del mod">
+          <ac:chgData name="김영찬" userId="a81591f0-1a4d-4c10-b0d3-35a306720c09" providerId="ADAL" clId="{8C5D3337-9A92-4731-953F-24DDF54DD1A0}" dt="2019-05-10T17:38:37.469" v="5687" actId="478"/>
+          <ac:spMkLst>
+            <pc:docMk/>
+            <pc:sldMk cId="2582276959" sldId="265"/>
+            <ac:spMk id="39" creationId="{5011DAC8-DCE2-4C62-A282-FA52C35D17EB}"/>
+          </ac:spMkLst>
+        </pc:spChg>
+        <pc:spChg chg="add mod">
+          <ac:chgData name="김영찬" userId="a81591f0-1a4d-4c10-b0d3-35a306720c09" providerId="ADAL" clId="{8C5D3337-9A92-4731-953F-24DDF54DD1A0}" dt="2019-05-10T17:40:03.612" v="5729" actId="1076"/>
+          <ac:spMkLst>
+            <pc:docMk/>
+            <pc:sldMk cId="2582276959" sldId="265"/>
+            <ac:spMk id="40" creationId="{70CF3580-7838-4E89-A456-A1F0FACF264F}"/>
+          </ac:spMkLst>
+        </pc:spChg>
+        <pc:spChg chg="add del mod">
+          <ac:chgData name="김영찬" userId="a81591f0-1a4d-4c10-b0d3-35a306720c09" providerId="ADAL" clId="{8C5D3337-9A92-4731-953F-24DDF54DD1A0}" dt="2019-05-10T17:38:52.622" v="5692" actId="478"/>
+          <ac:spMkLst>
+            <pc:docMk/>
+            <pc:sldMk cId="2582276959" sldId="265"/>
+            <ac:spMk id="41" creationId="{69EEE542-7F91-4922-9370-AD598960402E}"/>
+          </ac:spMkLst>
+        </pc:spChg>
+        <pc:spChg chg="add mod">
+          <ac:chgData name="김영찬" userId="a81591f0-1a4d-4c10-b0d3-35a306720c09" providerId="ADAL" clId="{8C5D3337-9A92-4731-953F-24DDF54DD1A0}" dt="2019-05-10T17:40:07.512" v="5730" actId="1076"/>
+          <ac:spMkLst>
+            <pc:docMk/>
+            <pc:sldMk cId="2582276959" sldId="265"/>
+            <ac:spMk id="42" creationId="{E7D49E53-CC64-4753-A13D-F0FA0FF310B6}"/>
+          </ac:spMkLst>
+        </pc:spChg>
+        <pc:spChg chg="add mod">
+          <ac:chgData name="김영찬" userId="a81591f0-1a4d-4c10-b0d3-35a306720c09" providerId="ADAL" clId="{8C5D3337-9A92-4731-953F-24DDF54DD1A0}" dt="2019-05-10T17:56:04.501" v="7004" actId="14100"/>
+          <ac:spMkLst>
+            <pc:docMk/>
+            <pc:sldMk cId="2582276959" sldId="265"/>
+            <ac:spMk id="46" creationId="{581FC385-8C18-4205-B329-C1CDAF74689E}"/>
+          </ac:spMkLst>
+        </pc:spChg>
+        <pc:spChg chg="add mod topLvl">
+          <ac:chgData name="김영찬" userId="a81591f0-1a4d-4c10-b0d3-35a306720c09" providerId="ADAL" clId="{8C5D3337-9A92-4731-953F-24DDF54DD1A0}" dt="2019-05-10T17:56:17.238" v="7008" actId="1076"/>
+          <ac:spMkLst>
+            <pc:docMk/>
+            <pc:sldMk cId="2582276959" sldId="265"/>
+            <ac:spMk id="47" creationId="{FCACF82F-8ABB-4DA2-99E0-D39D66B81BB2}"/>
+          </ac:spMkLst>
+        </pc:spChg>
+        <pc:spChg chg="add mod">
+          <ac:chgData name="김영찬" userId="a81591f0-1a4d-4c10-b0d3-35a306720c09" providerId="ADAL" clId="{8C5D3337-9A92-4731-953F-24DDF54DD1A0}" dt="2019-05-10T17:46:46.174" v="5979" actId="1582"/>
+          <ac:spMkLst>
+            <pc:docMk/>
+            <pc:sldMk cId="2582276959" sldId="265"/>
+            <ac:spMk id="48" creationId="{B1C03A54-E79D-4CB5-B0A8-06046A121E48}"/>
+          </ac:spMkLst>
+        </pc:spChg>
+        <pc:spChg chg="add mod">
+          <ac:chgData name="김영찬" userId="a81591f0-1a4d-4c10-b0d3-35a306720c09" providerId="ADAL" clId="{8C5D3337-9A92-4731-953F-24DDF54DD1A0}" dt="2019-05-10T17:47:06.915" v="5983" actId="14100"/>
+          <ac:spMkLst>
+            <pc:docMk/>
+            <pc:sldMk cId="2582276959" sldId="265"/>
+            <ac:spMk id="49" creationId="{47E3461F-2C29-4AC8-95DE-B87B1F9B14D7}"/>
+          </ac:spMkLst>
+        </pc:spChg>
+        <pc:spChg chg="mod topLvl">
+          <ac:chgData name="김영찬" userId="a81591f0-1a4d-4c10-b0d3-35a306720c09" providerId="ADAL" clId="{8C5D3337-9A92-4731-953F-24DDF54DD1A0}" dt="2019-05-10T17:56:17.238" v="7008" actId="1076"/>
+          <ac:spMkLst>
+            <pc:docMk/>
+            <pc:sldMk cId="2582276959" sldId="265"/>
+            <ac:spMk id="53" creationId="{5D1206B4-3A4E-44E6-827C-27CEC0C7315C}"/>
+          </ac:spMkLst>
+        </pc:spChg>
+        <pc:spChg chg="mod topLvl">
+          <ac:chgData name="김영찬" userId="a81591f0-1a4d-4c10-b0d3-35a306720c09" providerId="ADAL" clId="{8C5D3337-9A92-4731-953F-24DDF54DD1A0}" dt="2019-05-10T17:56:17.238" v="7008" actId="1076"/>
+          <ac:spMkLst>
+            <pc:docMk/>
+            <pc:sldMk cId="2582276959" sldId="265"/>
+            <ac:spMk id="55" creationId="{225FB835-2225-4A26-AB1E-DB50DBF7E597}"/>
+          </ac:spMkLst>
+        </pc:spChg>
+        <pc:spChg chg="del mod">
+          <ac:chgData name="김영찬" userId="a81591f0-1a4d-4c10-b0d3-35a306720c09" providerId="ADAL" clId="{8C5D3337-9A92-4731-953F-24DDF54DD1A0}" dt="2019-05-10T17:45:52.314" v="5967" actId="478"/>
+          <ac:spMkLst>
+            <pc:docMk/>
+            <pc:sldMk cId="2582276959" sldId="265"/>
+            <ac:spMk id="56" creationId="{EFE220D5-3854-496F-9A8F-6CF33B25E90F}"/>
+          </ac:spMkLst>
+        </pc:spChg>
+        <pc:spChg chg="mod topLvl">
+          <ac:chgData name="김영찬" userId="a81591f0-1a4d-4c10-b0d3-35a306720c09" providerId="ADAL" clId="{8C5D3337-9A92-4731-953F-24DDF54DD1A0}" dt="2019-05-10T17:56:17.238" v="7008" actId="1076"/>
+          <ac:spMkLst>
+            <pc:docMk/>
+            <pc:sldMk cId="2582276959" sldId="265"/>
+            <ac:spMk id="58" creationId="{AE087BA9-6968-4AB6-B0B3-568BB13234A0}"/>
+          </ac:spMkLst>
+        </pc:spChg>
+        <pc:spChg chg="mod topLvl">
+          <ac:chgData name="김영찬" userId="a81591f0-1a4d-4c10-b0d3-35a306720c09" providerId="ADAL" clId="{8C5D3337-9A92-4731-953F-24DDF54DD1A0}" dt="2019-05-10T17:56:17.238" v="7008" actId="1076"/>
+          <ac:spMkLst>
+            <pc:docMk/>
+            <pc:sldMk cId="2582276959" sldId="265"/>
+            <ac:spMk id="60" creationId="{DA46C195-7A22-4E71-AA0F-F7110B32C538}"/>
+          </ac:spMkLst>
+        </pc:spChg>
+        <pc:spChg chg="del mod">
+          <ac:chgData name="김영찬" userId="a81591f0-1a4d-4c10-b0d3-35a306720c09" providerId="ADAL" clId="{8C5D3337-9A92-4731-953F-24DDF54DD1A0}" dt="2019-05-10T17:45:55.021" v="5968" actId="478"/>
+          <ac:spMkLst>
+            <pc:docMk/>
+            <pc:sldMk cId="2582276959" sldId="265"/>
+            <ac:spMk id="61" creationId="{6FD9796A-3610-4070-9EA9-D1A0AE625C28}"/>
+          </ac:spMkLst>
+        </pc:spChg>
+        <pc:spChg chg="add mod">
+          <ac:chgData name="김영찬" userId="a81591f0-1a4d-4c10-b0d3-35a306720c09" providerId="ADAL" clId="{8C5D3337-9A92-4731-953F-24DDF54DD1A0}" dt="2019-05-10T17:49:16.970" v="6173" actId="1076"/>
+          <ac:spMkLst>
+            <pc:docMk/>
+            <pc:sldMk cId="2582276959" sldId="265"/>
+            <ac:spMk id="62" creationId="{72511F03-F295-42C2-AF41-4720E9710643}"/>
+          </ac:spMkLst>
+        </pc:spChg>
+        <pc:spChg chg="add del">
+          <ac:chgData name="김영찬" userId="a81591f0-1a4d-4c10-b0d3-35a306720c09" providerId="ADAL" clId="{8C5D3337-9A92-4731-953F-24DDF54DD1A0}" dt="2019-05-10T17:48:10.299" v="6030"/>
+          <ac:spMkLst>
+            <pc:docMk/>
+            <pc:sldMk cId="2582276959" sldId="265"/>
+            <ac:spMk id="63" creationId="{2611635B-1670-496F-9976-73EC4A58D9E2}"/>
+          </ac:spMkLst>
+        </pc:spChg>
+        <pc:spChg chg="add del mod">
+          <ac:chgData name="김영찬" userId="a81591f0-1a4d-4c10-b0d3-35a306720c09" providerId="ADAL" clId="{8C5D3337-9A92-4731-953F-24DDF54DD1A0}" dt="2019-05-10T17:49:55.781" v="6194" actId="1076"/>
+          <ac:spMkLst>
+            <pc:docMk/>
+            <pc:sldMk cId="2582276959" sldId="265"/>
+            <ac:spMk id="64" creationId="{4C9C2DD2-AF4F-4A11-A176-4AC8115ECA4D}"/>
+          </ac:spMkLst>
+        </pc:spChg>
+        <pc:spChg chg="add mod">
+          <ac:chgData name="김영찬" userId="a81591f0-1a4d-4c10-b0d3-35a306720c09" providerId="ADAL" clId="{8C5D3337-9A92-4731-953F-24DDF54DD1A0}" dt="2019-05-10T18:01:13.930" v="7725"/>
+          <ac:spMkLst>
+            <pc:docMk/>
+            <pc:sldMk cId="2582276959" sldId="265"/>
+            <ac:spMk id="66" creationId="{86890F16-6935-487A-98EF-CDCDC04222D8}"/>
+          </ac:spMkLst>
+        </pc:spChg>
+        <pc:spChg chg="add mod">
+          <ac:chgData name="김영찬" userId="a81591f0-1a4d-4c10-b0d3-35a306720c09" providerId="ADAL" clId="{8C5D3337-9A92-4731-953F-24DDF54DD1A0}" dt="2019-05-10T18:01:13.930" v="7725"/>
+          <ac:spMkLst>
+            <pc:docMk/>
+            <pc:sldMk cId="2582276959" sldId="265"/>
+            <ac:spMk id="67" creationId="{4FD04725-12BB-4157-978A-119F704B92B5}"/>
+          </ac:spMkLst>
+        </pc:spChg>
+        <pc:spChg chg="add mod">
+          <ac:chgData name="김영찬" userId="a81591f0-1a4d-4c10-b0d3-35a306720c09" providerId="ADAL" clId="{8C5D3337-9A92-4731-953F-24DDF54DD1A0}" dt="2019-05-10T18:04:25.420" v="7853" actId="1076"/>
+          <ac:spMkLst>
+            <pc:docMk/>
+            <pc:sldMk cId="2582276959" sldId="265"/>
+            <ac:spMk id="68" creationId="{396B13CE-1307-426A-A954-2328F66940EC}"/>
+          </ac:spMkLst>
+        </pc:spChg>
+        <pc:grpChg chg="mod">
+          <ac:chgData name="김영찬" userId="a81591f0-1a4d-4c10-b0d3-35a306720c09" providerId="ADAL" clId="{8C5D3337-9A92-4731-953F-24DDF54DD1A0}" dt="2019-05-10T17:34:16.267" v="5553" actId="1076"/>
+          <ac:grpSpMkLst>
+            <pc:docMk/>
+            <pc:sldMk cId="2582276959" sldId="265"/>
+            <ac:grpSpMk id="17" creationId="{D262DC4F-D505-4A30-9197-10A478FFD354}"/>
+          </ac:grpSpMkLst>
+        </pc:grpChg>
+        <pc:grpChg chg="add mod topLvl">
+          <ac:chgData name="김영찬" userId="a81591f0-1a4d-4c10-b0d3-35a306720c09" providerId="ADAL" clId="{8C5D3337-9A92-4731-953F-24DDF54DD1A0}" dt="2019-05-10T17:56:17.238" v="7008" actId="1076"/>
+          <ac:grpSpMkLst>
+            <pc:docMk/>
+            <pc:sldMk cId="2582276959" sldId="265"/>
+            <ac:grpSpMk id="50" creationId="{E57ABCDC-9666-47EF-9E26-DD1C96EBD674}"/>
+          </ac:grpSpMkLst>
+        </pc:grpChg>
+        <pc:grpChg chg="add del mod">
+          <ac:chgData name="김영찬" userId="a81591f0-1a4d-4c10-b0d3-35a306720c09" providerId="ADAL" clId="{8C5D3337-9A92-4731-953F-24DDF54DD1A0}" dt="2019-05-10T17:46:13.570" v="5971" actId="165"/>
+          <ac:grpSpMkLst>
+            <pc:docMk/>
+            <pc:sldMk cId="2582276959" sldId="265"/>
+            <ac:grpSpMk id="51" creationId="{DCAA0E67-BC03-4AD8-9EFA-E80CC692D663}"/>
+          </ac:grpSpMkLst>
+        </pc:grpChg>
+        <pc:grpChg chg="add del mod">
+          <ac:chgData name="김영찬" userId="a81591f0-1a4d-4c10-b0d3-35a306720c09" providerId="ADAL" clId="{8C5D3337-9A92-4731-953F-24DDF54DD1A0}" dt="2019-05-10T17:46:09.333" v="5969" actId="165"/>
+          <ac:grpSpMkLst>
+            <pc:docMk/>
+            <pc:sldMk cId="2582276959" sldId="265"/>
+            <ac:grpSpMk id="52" creationId="{79FA1BEE-E419-4E64-AE47-150EEB132140}"/>
+          </ac:grpSpMkLst>
+        </pc:grpChg>
+        <pc:grpChg chg="del mod">
+          <ac:chgData name="김영찬" userId="a81591f0-1a4d-4c10-b0d3-35a306720c09" providerId="ADAL" clId="{8C5D3337-9A92-4731-953F-24DDF54DD1A0}" dt="2019-05-10T17:45:52.314" v="5967" actId="478"/>
+          <ac:grpSpMkLst>
+            <pc:docMk/>
+            <pc:sldMk cId="2582276959" sldId="265"/>
+            <ac:grpSpMk id="54" creationId="{5A74065D-12A0-41B5-B288-22A5113E35ED}"/>
+          </ac:grpSpMkLst>
+        </pc:grpChg>
+        <pc:grpChg chg="add del mod">
+          <ac:chgData name="김영찬" userId="a81591f0-1a4d-4c10-b0d3-35a306720c09" providerId="ADAL" clId="{8C5D3337-9A92-4731-953F-24DDF54DD1A0}" dt="2019-05-10T17:46:11.303" v="5970" actId="165"/>
+          <ac:grpSpMkLst>
+            <pc:docMk/>
+            <pc:sldMk cId="2582276959" sldId="265"/>
+            <ac:grpSpMk id="57" creationId="{B6BE8822-B056-41B5-995D-5135F453263C}"/>
+          </ac:grpSpMkLst>
+        </pc:grpChg>
+        <pc:grpChg chg="del mod">
+          <ac:chgData name="김영찬" userId="a81591f0-1a4d-4c10-b0d3-35a306720c09" providerId="ADAL" clId="{8C5D3337-9A92-4731-953F-24DDF54DD1A0}" dt="2019-05-10T17:45:55.021" v="5968" actId="478"/>
+          <ac:grpSpMkLst>
+            <pc:docMk/>
+            <pc:sldMk cId="2582276959" sldId="265"/>
+            <ac:grpSpMk id="59" creationId="{C5E99859-B5F2-4780-8845-9268F5AAD747}"/>
+          </ac:grpSpMkLst>
+        </pc:grpChg>
+        <pc:picChg chg="add mod">
+          <ac:chgData name="김영찬" userId="a81591f0-1a4d-4c10-b0d3-35a306720c09" providerId="ADAL" clId="{8C5D3337-9A92-4731-953F-24DDF54DD1A0}" dt="2019-05-10T17:34:16.267" v="5553" actId="1076"/>
+          <ac:picMkLst>
+            <pc:docMk/>
+            <pc:sldMk cId="2582276959" sldId="265"/>
+            <ac:picMk id="25" creationId="{9963EE23-F192-46B8-87EF-C84A7818A35D}"/>
+          </ac:picMkLst>
+        </pc:picChg>
+        <pc:picChg chg="add mod">
+          <ac:chgData name="김영찬" userId="a81591f0-1a4d-4c10-b0d3-35a306720c09" providerId="ADAL" clId="{8C5D3337-9A92-4731-953F-24DDF54DD1A0}" dt="2019-05-10T17:50:19.888" v="6202" actId="1076"/>
+          <ac:picMkLst>
+            <pc:docMk/>
+            <pc:sldMk cId="2582276959" sldId="265"/>
+            <ac:picMk id="65" creationId="{5F538F27-1F41-4F12-896A-09AD58C8C0BF}"/>
+          </ac:picMkLst>
+        </pc:picChg>
+        <pc:cxnChg chg="add mod">
+          <ac:chgData name="김영찬" userId="a81591f0-1a4d-4c10-b0d3-35a306720c09" providerId="ADAL" clId="{8C5D3337-9A92-4731-953F-24DDF54DD1A0}" dt="2019-05-10T17:34:16.267" v="5553" actId="1076"/>
+          <ac:cxnSpMkLst>
+            <pc:docMk/>
+            <pc:sldMk cId="2582276959" sldId="265"/>
+            <ac:cxnSpMk id="10" creationId="{F264205D-E2E2-4061-9A3D-6F99671212C1}"/>
+          </ac:cxnSpMkLst>
+        </pc:cxnChg>
+        <pc:cxnChg chg="add del mod">
+          <ac:chgData name="김영찬" userId="a81591f0-1a4d-4c10-b0d3-35a306720c09" providerId="ADAL" clId="{8C5D3337-9A92-4731-953F-24DDF54DD1A0}" dt="2019-05-10T17:40:50.686" v="5807" actId="11529"/>
+          <ac:cxnSpMkLst>
+            <pc:docMk/>
+            <pc:sldMk cId="2582276959" sldId="265"/>
+            <ac:cxnSpMk id="14" creationId="{469C3474-948E-41AE-9CBD-77A8B17CE0D2}"/>
+          </ac:cxnSpMkLst>
+        </pc:cxnChg>
+        <pc:cxnChg chg="add del mod">
+          <ac:chgData name="김영찬" userId="a81591f0-1a4d-4c10-b0d3-35a306720c09" providerId="ADAL" clId="{8C5D3337-9A92-4731-953F-24DDF54DD1A0}" dt="2019-05-10T17:41:02.283" v="5809" actId="11529"/>
+          <ac:cxnSpMkLst>
+            <pc:docMk/>
+            <pc:sldMk cId="2582276959" sldId="265"/>
+            <ac:cxnSpMk id="43" creationId="{DB473207-3503-4B07-A52F-196304ECF67B}"/>
+          </ac:cxnSpMkLst>
+        </pc:cxnChg>
+        <pc:cxnChg chg="add mod">
+          <ac:chgData name="김영찬" userId="a81591f0-1a4d-4c10-b0d3-35a306720c09" providerId="ADAL" clId="{8C5D3337-9A92-4731-953F-24DDF54DD1A0}" dt="2019-05-10T17:41:23.884" v="5812" actId="208"/>
+          <ac:cxnSpMkLst>
+            <pc:docMk/>
+            <pc:sldMk cId="2582276959" sldId="265"/>
+            <ac:cxnSpMk id="45" creationId="{442CCCA7-A6FD-4F69-AEBC-A669F5F24301}"/>
+          </ac:cxnSpMkLst>
+        </pc:cxnChg>
+        <pc:cxnChg chg="add mod ord">
+          <ac:chgData name="김영찬" userId="a81591f0-1a4d-4c10-b0d3-35a306720c09" providerId="ADAL" clId="{8C5D3337-9A92-4731-953F-24DDF54DD1A0}" dt="2019-05-10T18:15:33.918" v="8107" actId="171"/>
+          <ac:cxnSpMkLst>
+            <pc:docMk/>
+            <pc:sldMk cId="2582276959" sldId="265"/>
+            <ac:cxnSpMk id="71" creationId="{8F59005E-9052-45E6-90AA-E496E45F7E57}"/>
+          </ac:cxnSpMkLst>
+        </pc:cxnChg>
+      </pc:sldChg>
+      <pc:sldChg chg="addSp delSp modSp add">
+        <pc:chgData name="김영찬" userId="a81591f0-1a4d-4c10-b0d3-35a306720c09" providerId="ADAL" clId="{8C5D3337-9A92-4731-953F-24DDF54DD1A0}" dt="2019-05-10T18:13:55.873" v="8098"/>
+        <pc:sldMkLst>
+          <pc:docMk/>
+          <pc:sldMk cId="306099351" sldId="266"/>
+        </pc:sldMkLst>
+        <pc:spChg chg="mod">
+          <ac:chgData name="김영찬" userId="a81591f0-1a4d-4c10-b0d3-35a306720c09" providerId="ADAL" clId="{8C5D3337-9A92-4731-953F-24DDF54DD1A0}" dt="2019-05-10T18:00:08.338" v="7587" actId="6549"/>
+          <ac:spMkLst>
+            <pc:docMk/>
+            <pc:sldMk cId="306099351" sldId="266"/>
+            <ac:spMk id="3" creationId="{C08FC53D-329F-4A72-89A3-715DA112070D}"/>
+          </ac:spMkLst>
+        </pc:spChg>
+        <pc:picChg chg="add del mod">
+          <ac:chgData name="김영찬" userId="a81591f0-1a4d-4c10-b0d3-35a306720c09" providerId="ADAL" clId="{8C5D3337-9A92-4731-953F-24DDF54DD1A0}" dt="2019-05-10T18:13:36.818" v="8091" actId="478"/>
+          <ac:picMkLst>
+            <pc:docMk/>
+            <pc:sldMk cId="306099351" sldId="266"/>
+            <ac:picMk id="6" creationId="{5BE1AFC7-5F64-4902-887E-A84B8B25964B}"/>
+          </ac:picMkLst>
+        </pc:picChg>
+        <pc:picChg chg="del">
+          <ac:chgData name="김영찬" userId="a81591f0-1a4d-4c10-b0d3-35a306720c09" providerId="ADAL" clId="{8C5D3337-9A92-4731-953F-24DDF54DD1A0}" dt="2019-05-10T18:07:51.840" v="7913" actId="478"/>
+          <ac:picMkLst>
+            <pc:docMk/>
+            <pc:sldMk cId="306099351" sldId="266"/>
+            <ac:picMk id="10" creationId="{EB3537C0-7EE1-4F26-A0C7-648AC7327FBA}"/>
+          </ac:picMkLst>
+        </pc:picChg>
+        <pc:picChg chg="add del mod">
+          <ac:chgData name="김영찬" userId="a81591f0-1a4d-4c10-b0d3-35a306720c09" providerId="ADAL" clId="{8C5D3337-9A92-4731-953F-24DDF54DD1A0}" dt="2019-05-10T18:13:43.664" v="8095" actId="478"/>
+          <ac:picMkLst>
+            <pc:docMk/>
+            <pc:sldMk cId="306099351" sldId="266"/>
+            <ac:picMk id="11" creationId="{A9A5F66D-9CA7-49DD-A9EA-5ED24B829558}"/>
+          </ac:picMkLst>
+        </pc:picChg>
+        <pc:picChg chg="del">
+          <ac:chgData name="김영찬" userId="a81591f0-1a4d-4c10-b0d3-35a306720c09" providerId="ADAL" clId="{8C5D3337-9A92-4731-953F-24DDF54DD1A0}" dt="2019-05-10T18:07:52.362" v="7914" actId="478"/>
+          <ac:picMkLst>
+            <pc:docMk/>
+            <pc:sldMk cId="306099351" sldId="266"/>
+            <ac:picMk id="12" creationId="{9A9B8CB2-A054-4DBC-B5BB-8D75CDA68F7C}"/>
+          </ac:picMkLst>
+        </pc:picChg>
+        <pc:picChg chg="del">
+          <ac:chgData name="김영찬" userId="a81591f0-1a4d-4c10-b0d3-35a306720c09" providerId="ADAL" clId="{8C5D3337-9A92-4731-953F-24DDF54DD1A0}" dt="2019-05-10T18:07:53.355" v="7916" actId="478"/>
+          <ac:picMkLst>
+            <pc:docMk/>
+            <pc:sldMk cId="306099351" sldId="266"/>
+            <ac:picMk id="14" creationId="{DB6A2FE9-B28D-406A-9E04-0907EF0CA6C0}"/>
+          </ac:picMkLst>
+        </pc:picChg>
+        <pc:picChg chg="del">
+          <ac:chgData name="김영찬" userId="a81591f0-1a4d-4c10-b0d3-35a306720c09" providerId="ADAL" clId="{8C5D3337-9A92-4731-953F-24DDF54DD1A0}" dt="2019-05-10T18:07:52.526" v="7915" actId="478"/>
+          <ac:picMkLst>
+            <pc:docMk/>
+            <pc:sldMk cId="306099351" sldId="266"/>
+            <ac:picMk id="16" creationId="{A00272D2-B8DB-4F58-80A2-26028A1DFE26}"/>
+          </ac:picMkLst>
+        </pc:picChg>
+        <pc:picChg chg="add del mod">
+          <ac:chgData name="김영찬" userId="a81591f0-1a4d-4c10-b0d3-35a306720c09" providerId="ADAL" clId="{8C5D3337-9A92-4731-953F-24DDF54DD1A0}" dt="2019-05-10T18:13:19.373" v="8084"/>
+          <ac:picMkLst>
+            <pc:docMk/>
+            <pc:sldMk cId="306099351" sldId="266"/>
+            <ac:picMk id="17" creationId="{4FFCF188-9F7A-4E65-905F-69B340D593EB}"/>
+          </ac:picMkLst>
+        </pc:picChg>
+        <pc:picChg chg="del">
+          <ac:chgData name="김영찬" userId="a81591f0-1a4d-4c10-b0d3-35a306720c09" providerId="ADAL" clId="{8C5D3337-9A92-4731-953F-24DDF54DD1A0}" dt="2019-05-10T18:07:53.826" v="7917" actId="478"/>
+          <ac:picMkLst>
+            <pc:docMk/>
+            <pc:sldMk cId="306099351" sldId="266"/>
+            <ac:picMk id="18" creationId="{E6859861-974B-4D10-8597-BF8D3FA2C810}"/>
+          </ac:picMkLst>
+        </pc:picChg>
+        <pc:picChg chg="add del mod">
+          <ac:chgData name="김영찬" userId="a81591f0-1a4d-4c10-b0d3-35a306720c09" providerId="ADAL" clId="{8C5D3337-9A92-4731-953F-24DDF54DD1A0}" dt="2019-05-10T18:13:42.386" v="8094"/>
+          <ac:picMkLst>
+            <pc:docMk/>
+            <pc:sldMk cId="306099351" sldId="266"/>
+            <ac:picMk id="19" creationId="{2D70FC0F-5AC7-4B2D-AF75-D910C39D668D}"/>
+          </ac:picMkLst>
+        </pc:picChg>
+        <pc:picChg chg="add del mod">
+          <ac:chgData name="김영찬" userId="a81591f0-1a4d-4c10-b0d3-35a306720c09" providerId="ADAL" clId="{8C5D3337-9A92-4731-953F-24DDF54DD1A0}" dt="2019-05-10T18:13:35.500" v="8090"/>
+          <ac:picMkLst>
+            <pc:docMk/>
+            <pc:sldMk cId="306099351" sldId="266"/>
+            <ac:picMk id="20" creationId="{A86D876A-044F-48DF-A62A-60629ACBC4C2}"/>
+          </ac:picMkLst>
+        </pc:picChg>
+        <pc:picChg chg="add">
+          <ac:chgData name="김영찬" userId="a81591f0-1a4d-4c10-b0d3-35a306720c09" providerId="ADAL" clId="{8C5D3337-9A92-4731-953F-24DDF54DD1A0}" dt="2019-05-10T18:13:37.483" v="8092"/>
+          <ac:picMkLst>
+            <pc:docMk/>
+            <pc:sldMk cId="306099351" sldId="266"/>
+            <ac:picMk id="21" creationId="{4935CDEA-1299-4F66-89AE-C64002D5BA67}"/>
+          </ac:picMkLst>
+        </pc:picChg>
+        <pc:picChg chg="add del">
+          <ac:chgData name="김영찬" userId="a81591f0-1a4d-4c10-b0d3-35a306720c09" providerId="ADAL" clId="{8C5D3337-9A92-4731-953F-24DDF54DD1A0}" dt="2019-05-10T18:13:55.047" v="8097"/>
+          <ac:picMkLst>
+            <pc:docMk/>
+            <pc:sldMk cId="306099351" sldId="266"/>
+            <ac:picMk id="22" creationId="{5C459EFE-E371-45FF-855F-ED6B038A953F}"/>
+          </ac:picMkLst>
+        </pc:picChg>
+        <pc:picChg chg="add">
+          <ac:chgData name="김영찬" userId="a81591f0-1a4d-4c10-b0d3-35a306720c09" providerId="ADAL" clId="{8C5D3337-9A92-4731-953F-24DDF54DD1A0}" dt="2019-05-10T18:13:55.873" v="8098"/>
+          <ac:picMkLst>
+            <pc:docMk/>
+            <pc:sldMk cId="306099351" sldId="266"/>
+            <ac:picMk id="23" creationId="{A63C2F75-F5BB-418F-8602-1D6FBCC95CE8}"/>
+          </ac:picMkLst>
+        </pc:picChg>
+      </pc:sldChg>
+      <pc:sldChg chg="add del">
+        <pc:chgData name="김영찬" userId="a81591f0-1a4d-4c10-b0d3-35a306720c09" providerId="ADAL" clId="{8C5D3337-9A92-4731-953F-24DDF54DD1A0}" dt="2019-05-10T17:57:16.066" v="7204" actId="2696"/>
+        <pc:sldMkLst>
+          <pc:docMk/>
+          <pc:sldMk cId="4282280917" sldId="266"/>
+        </pc:sldMkLst>
+      </pc:sldChg>
+      <pc:sldChg chg="modSp add">
+        <pc:chgData name="김영찬" userId="a81591f0-1a4d-4c10-b0d3-35a306720c09" providerId="ADAL" clId="{8C5D3337-9A92-4731-953F-24DDF54DD1A0}" dt="2019-05-10T18:12:20.441" v="8079" actId="20577"/>
+        <pc:sldMkLst>
+          <pc:docMk/>
+          <pc:sldMk cId="2517608374" sldId="267"/>
+        </pc:sldMkLst>
+        <pc:spChg chg="mod">
+          <ac:chgData name="김영찬" userId="a81591f0-1a4d-4c10-b0d3-35a306720c09" providerId="ADAL" clId="{8C5D3337-9A92-4731-953F-24DDF54DD1A0}" dt="2019-05-10T18:11:57.296" v="8012" actId="20577"/>
+          <ac:spMkLst>
+            <pc:docMk/>
+            <pc:sldMk cId="2517608374" sldId="267"/>
+            <ac:spMk id="2" creationId="{B55F72E5-0990-4306-9554-B56B09BCA813}"/>
+          </ac:spMkLst>
+        </pc:spChg>
+        <pc:spChg chg="mod">
+          <ac:chgData name="김영찬" userId="a81591f0-1a4d-4c10-b0d3-35a306720c09" providerId="ADAL" clId="{8C5D3337-9A92-4731-953F-24DDF54DD1A0}" dt="2019-05-10T18:12:20.441" v="8079" actId="20577"/>
+          <ac:spMkLst>
+            <pc:docMk/>
+            <pc:sldMk cId="2517608374" sldId="267"/>
+            <ac:spMk id="3" creationId="{9BED47D4-ED28-440D-90C9-75F03E72F699}"/>
+          </ac:spMkLst>
+        </pc:spChg>
+      </pc:sldChg>
+      <pc:sldChg chg="delSp add del">
+        <pc:chgData name="김영찬" userId="a81591f0-1a4d-4c10-b0d3-35a306720c09" providerId="ADAL" clId="{8C5D3337-9A92-4731-953F-24DDF54DD1A0}" dt="2019-05-10T18:11:17.918" v="7939" actId="2696"/>
+        <pc:sldMkLst>
+          <pc:docMk/>
+          <pc:sldMk cId="3936716245" sldId="267"/>
+        </pc:sldMkLst>
+        <pc:graphicFrameChg chg="del">
+          <ac:chgData name="김영찬" userId="a81591f0-1a4d-4c10-b0d3-35a306720c09" providerId="ADAL" clId="{8C5D3337-9A92-4731-953F-24DDF54DD1A0}" dt="2019-05-10T18:11:15.061" v="7938" actId="478"/>
+          <ac:graphicFrameMkLst>
+            <pc:docMk/>
+            <pc:sldMk cId="3936716245" sldId="267"/>
+            <ac:graphicFrameMk id="7" creationId="{B5583A04-3A25-4635-A454-27DEBF9D096E}"/>
+          </ac:graphicFrameMkLst>
+        </pc:graphicFrameChg>
+      </pc:sldChg>
+      <pc:sldChg chg="add del">
+        <pc:chgData name="김영찬" userId="a81591f0-1a4d-4c10-b0d3-35a306720c09" providerId="ADAL" clId="{8C5D3337-9A92-4731-953F-24DDF54DD1A0}" dt="2019-05-10T18:11:22.193" v="7942"/>
+        <pc:sldMkLst>
+          <pc:docMk/>
+          <pc:sldMk cId="1675557315" sldId="268"/>
+        </pc:sldMkLst>
+      </pc:sldChg>
+      <pc:sldMasterChg chg="modSp modSldLayout">
+        <pc:chgData name="김영찬" userId="a81591f0-1a4d-4c10-b0d3-35a306720c09" providerId="ADAL" clId="{8C5D3337-9A92-4731-953F-24DDF54DD1A0}" dt="2019-05-10T13:39:09.190" v="18" actId="6549"/>
+        <pc:sldMasterMkLst>
+          <pc:docMk/>
+          <pc:sldMasterMk cId="3580537156" sldId="2147483648"/>
+        </pc:sldMasterMkLst>
+        <pc:spChg chg="mod">
+          <ac:chgData name="김영찬" userId="a81591f0-1a4d-4c10-b0d3-35a306720c09" providerId="ADAL" clId="{8C5D3337-9A92-4731-953F-24DDF54DD1A0}" dt="2019-05-10T13:38:39.765" v="6" actId="20577"/>
+          <ac:spMkLst>
+            <pc:docMk/>
+            <pc:sldMasterMk cId="3580537156" sldId="2147483648"/>
+            <ac:spMk id="6" creationId="{2D60487B-F447-4475-BED7-0FA25F6736D3}"/>
+          </ac:spMkLst>
+        </pc:spChg>
+        <pc:sldLayoutChg chg="delSp modSp">
+          <pc:chgData name="김영찬" userId="a81591f0-1a4d-4c10-b0d3-35a306720c09" providerId="ADAL" clId="{8C5D3337-9A92-4731-953F-24DDF54DD1A0}" dt="2019-05-10T13:38:49.361" v="13" actId="20577"/>
+          <pc:sldLayoutMkLst>
+            <pc:docMk/>
+            <pc:sldMasterMk cId="3580537156" sldId="2147483648"/>
+            <pc:sldLayoutMk cId="955644835" sldId="2147483649"/>
+          </pc:sldLayoutMkLst>
+          <pc:spChg chg="mod">
+            <ac:chgData name="김영찬" userId="a81591f0-1a4d-4c10-b0d3-35a306720c09" providerId="ADAL" clId="{8C5D3337-9A92-4731-953F-24DDF54DD1A0}" dt="2019-05-10T13:38:49.361" v="13" actId="20577"/>
+            <ac:spMkLst>
+              <pc:docMk/>
+              <pc:sldMasterMk cId="3580537156" sldId="2147483648"/>
+              <pc:sldLayoutMk cId="955644835" sldId="2147483649"/>
+              <ac:spMk id="6" creationId="{CEF52F6E-FB35-49F8-A36C-DCA83F900EBA}"/>
+            </ac:spMkLst>
+          </pc:spChg>
+          <pc:graphicFrameChg chg="del">
+            <ac:chgData name="김영찬" userId="a81591f0-1a4d-4c10-b0d3-35a306720c09" providerId="ADAL" clId="{8C5D3337-9A92-4731-953F-24DDF54DD1A0}" dt="2019-05-10T13:38:24.403" v="1" actId="478"/>
+            <ac:graphicFrameMkLst>
+              <pc:docMk/>
+              <pc:sldMasterMk cId="3580537156" sldId="2147483648"/>
+              <pc:sldLayoutMk cId="955644835" sldId="2147483649"/>
+              <ac:graphicFrameMk id="9" creationId="{B26179DA-896A-4F4E-BD9B-64A85D141D36}"/>
+            </ac:graphicFrameMkLst>
+          </pc:graphicFrameChg>
+        </pc:sldLayoutChg>
+        <pc:sldLayoutChg chg="modSp">
+          <pc:chgData name="김영찬" userId="a81591f0-1a4d-4c10-b0d3-35a306720c09" providerId="ADAL" clId="{8C5D3337-9A92-4731-953F-24DDF54DD1A0}" dt="2019-05-10T13:38:52.825" v="14" actId="6549"/>
+          <pc:sldLayoutMkLst>
+            <pc:docMk/>
+            <pc:sldMasterMk cId="3580537156" sldId="2147483648"/>
+            <pc:sldLayoutMk cId="3661968336" sldId="2147483650"/>
+          </pc:sldLayoutMkLst>
+          <pc:spChg chg="mod">
+            <ac:chgData name="김영찬" userId="a81591f0-1a4d-4c10-b0d3-35a306720c09" providerId="ADAL" clId="{8C5D3337-9A92-4731-953F-24DDF54DD1A0}" dt="2019-05-10T13:38:52.825" v="14" actId="6549"/>
+            <ac:spMkLst>
+              <pc:docMk/>
+              <pc:sldMasterMk cId="3580537156" sldId="2147483648"/>
+              <pc:sldLayoutMk cId="3661968336" sldId="2147483650"/>
+              <ac:spMk id="6" creationId="{7F11998C-BBAB-4AA3-B370-94C0B157A0EB}"/>
+            </ac:spMkLst>
+          </pc:spChg>
+        </pc:sldLayoutChg>
+        <pc:sldLayoutChg chg="modSp">
+          <pc:chgData name="김영찬" userId="a81591f0-1a4d-4c10-b0d3-35a306720c09" providerId="ADAL" clId="{8C5D3337-9A92-4731-953F-24DDF54DD1A0}" dt="2019-05-10T13:39:09.190" v="18" actId="6549"/>
+          <pc:sldLayoutMkLst>
+            <pc:docMk/>
+            <pc:sldMasterMk cId="3580537156" sldId="2147483648"/>
+            <pc:sldLayoutMk cId="1647236246" sldId="2147483654"/>
+          </pc:sldLayoutMkLst>
+          <pc:spChg chg="mod">
+            <ac:chgData name="김영찬" userId="a81591f0-1a4d-4c10-b0d3-35a306720c09" providerId="ADAL" clId="{8C5D3337-9A92-4731-953F-24DDF54DD1A0}" dt="2019-05-10T13:39:09.190" v="18" actId="6549"/>
+            <ac:spMkLst>
+              <pc:docMk/>
+              <pc:sldMasterMk cId="3580537156" sldId="2147483648"/>
+              <pc:sldLayoutMk cId="1647236246" sldId="2147483654"/>
+              <ac:spMk id="5" creationId="{2226448C-2409-4968-B73D-6AAA0704DAE1}"/>
+            </ac:spMkLst>
+          </pc:spChg>
+        </pc:sldLayoutChg>
+        <pc:sldLayoutChg chg="modSp">
+          <pc:chgData name="김영찬" userId="a81591f0-1a4d-4c10-b0d3-35a306720c09" providerId="ADAL" clId="{8C5D3337-9A92-4731-953F-24DDF54DD1A0}" dt="2019-05-10T13:39:05.258" v="17" actId="6549"/>
+          <pc:sldLayoutMkLst>
+            <pc:docMk/>
+            <pc:sldMasterMk cId="3580537156" sldId="2147483648"/>
+            <pc:sldLayoutMk cId="716585775" sldId="2147483655"/>
+          </pc:sldLayoutMkLst>
+          <pc:spChg chg="mod">
+            <ac:chgData name="김영찬" userId="a81591f0-1a4d-4c10-b0d3-35a306720c09" providerId="ADAL" clId="{8C5D3337-9A92-4731-953F-24DDF54DD1A0}" dt="2019-05-10T13:39:05.258" v="17" actId="6549"/>
+            <ac:spMkLst>
+              <pc:docMk/>
+              <pc:sldMasterMk cId="3580537156" sldId="2147483648"/>
+              <pc:sldLayoutMk cId="716585775" sldId="2147483655"/>
+              <ac:spMk id="6" creationId="{7F11998C-BBAB-4AA3-B370-94C0B157A0EB}"/>
+            </ac:spMkLst>
+          </pc:spChg>
+        </pc:sldLayoutChg>
+        <pc:sldLayoutChg chg="modSp">
+          <pc:chgData name="김영찬" userId="a81591f0-1a4d-4c10-b0d3-35a306720c09" providerId="ADAL" clId="{8C5D3337-9A92-4731-953F-24DDF54DD1A0}" dt="2019-05-10T13:38:58.268" v="15" actId="6549"/>
+          <pc:sldLayoutMkLst>
+            <pc:docMk/>
+            <pc:sldMasterMk cId="3580537156" sldId="2147483648"/>
+            <pc:sldLayoutMk cId="870047011" sldId="2147483656"/>
+          </pc:sldLayoutMkLst>
+          <pc:spChg chg="mod">
+            <ac:chgData name="김영찬" userId="a81591f0-1a4d-4c10-b0d3-35a306720c09" providerId="ADAL" clId="{8C5D3337-9A92-4731-953F-24DDF54DD1A0}" dt="2019-05-10T13:38:58.268" v="15" actId="6549"/>
+            <ac:spMkLst>
+              <pc:docMk/>
+              <pc:sldMasterMk cId="3580537156" sldId="2147483648"/>
+              <pc:sldLayoutMk cId="870047011" sldId="2147483656"/>
+              <ac:spMk id="6" creationId="{7F11998C-BBAB-4AA3-B370-94C0B157A0EB}"/>
+            </ac:spMkLst>
+          </pc:spChg>
+        </pc:sldLayoutChg>
+        <pc:sldLayoutChg chg="modSp">
+          <pc:chgData name="김영찬" userId="a81591f0-1a4d-4c10-b0d3-35a306720c09" providerId="ADAL" clId="{8C5D3337-9A92-4731-953F-24DDF54DD1A0}" dt="2019-05-10T13:39:01.338" v="16" actId="6549"/>
+          <pc:sldLayoutMkLst>
+            <pc:docMk/>
+            <pc:sldMasterMk cId="3580537156" sldId="2147483648"/>
+            <pc:sldLayoutMk cId="2806755365" sldId="2147483657"/>
+          </pc:sldLayoutMkLst>
+          <pc:spChg chg="mod">
+            <ac:chgData name="김영찬" userId="a81591f0-1a4d-4c10-b0d3-35a306720c09" providerId="ADAL" clId="{8C5D3337-9A92-4731-953F-24DDF54DD1A0}" dt="2019-05-10T13:39:01.338" v="16" actId="6549"/>
+            <ac:spMkLst>
+              <pc:docMk/>
+              <pc:sldMasterMk cId="3580537156" sldId="2147483648"/>
+              <pc:sldLayoutMk cId="2806755365" sldId="2147483657"/>
+              <ac:spMk id="6" creationId="{7F11998C-BBAB-4AA3-B370-94C0B157A0EB}"/>
+            </ac:spMkLst>
+          </pc:spChg>
+        </pc:sldLayoutChg>
+      </pc:sldMasterChg>
+    </pc:docChg>
+  </pc:docChgLst>
+  <pc:docChgLst>
     <pc:chgData name="김영찬" userId="a81591f0-1a4d-4c10-b0d3-35a306720c09" providerId="ADAL" clId="{55A6C147-651B-4EA1-B137-62EAA54887D7}"/>
     <pc:docChg chg="undo redo custSel addSld delSld modSld sldOrd modMainMaster">
       <pc:chgData name="김영찬" userId="a81591f0-1a4d-4c10-b0d3-35a306720c09" providerId="ADAL" clId="{55A6C147-651B-4EA1-B137-62EAA54887D7}" dt="2019-04-16T02:09:39.478" v="30811"/>
@@ -3334,6 +2903,175 @@
     </pc:docChg>
   </pc:docChgLst>
   <pc:docChgLst>
+    <pc:chgData name="김영찬" userId="a81591f0-1a4d-4c10-b0d3-35a306720c09" providerId="ADAL" clId="{BF047AC6-B3CF-4B2E-8A29-CB4C276824B2}"/>
+    <pc:docChg chg="undo redo custSel addSld modSld modMainMaster">
+      <pc:chgData name="김영찬" userId="a81591f0-1a4d-4c10-b0d3-35a306720c09" providerId="ADAL" clId="{BF047AC6-B3CF-4B2E-8A29-CB4C276824B2}" dt="2019-03-05T11:46:45.276" v="503" actId="478"/>
+      <pc:docMkLst>
+        <pc:docMk/>
+      </pc:docMkLst>
+      <pc:sldMasterChg chg="addSp delSp modSp setBg">
+        <pc:chgData name="김영찬" userId="a81591f0-1a4d-4c10-b0d3-35a306720c09" providerId="ADAL" clId="{BF047AC6-B3CF-4B2E-8A29-CB4C276824B2}" dt="2019-03-05T11:46:45.276" v="503" actId="478"/>
+        <pc:sldMasterMkLst>
+          <pc:docMk/>
+          <pc:sldMasterMk cId="3580537156" sldId="2147483648"/>
+        </pc:sldMasterMkLst>
+        <pc:spChg chg="mod">
+          <ac:chgData name="김영찬" userId="a81591f0-1a4d-4c10-b0d3-35a306720c09" providerId="ADAL" clId="{BF047AC6-B3CF-4B2E-8A29-CB4C276824B2}" dt="2019-03-05T11:44:16.807" v="493" actId="14100"/>
+          <ac:spMkLst>
+            <pc:docMk/>
+            <pc:sldMasterMk cId="3580537156" sldId="2147483648"/>
+            <ac:spMk id="2" creationId="{2B2CBED0-AAAF-43BB-A012-E2B7AD4376DF}"/>
+          </ac:spMkLst>
+        </pc:spChg>
+        <pc:spChg chg="mod">
+          <ac:chgData name="김영찬" userId="a81591f0-1a4d-4c10-b0d3-35a306720c09" providerId="ADAL" clId="{BF047AC6-B3CF-4B2E-8A29-CB4C276824B2}" dt="2019-03-05T11:44:42.353" v="497" actId="14100"/>
+          <ac:spMkLst>
+            <pc:docMk/>
+            <pc:sldMasterMk cId="3580537156" sldId="2147483648"/>
+            <ac:spMk id="3" creationId="{A1C1CE26-B709-4AF8-8987-EA6923A2E753}"/>
+          </ac:spMkLst>
+        </pc:spChg>
+        <pc:spChg chg="mod">
+          <ac:chgData name="김영찬" userId="a81591f0-1a4d-4c10-b0d3-35a306720c09" providerId="ADAL" clId="{BF047AC6-B3CF-4B2E-8A29-CB4C276824B2}" dt="2019-03-05T11:43:51.799" v="488" actId="1076"/>
+          <ac:spMkLst>
+            <pc:docMk/>
+            <pc:sldMasterMk cId="3580537156" sldId="2147483648"/>
+            <ac:spMk id="4" creationId="{151B65A2-1A01-493D-B056-7F01DBDAE869}"/>
+          </ac:spMkLst>
+        </pc:spChg>
+        <pc:spChg chg="mod">
+          <ac:chgData name="김영찬" userId="a81591f0-1a4d-4c10-b0d3-35a306720c09" providerId="ADAL" clId="{BF047AC6-B3CF-4B2E-8A29-CB4C276824B2}" dt="2019-03-05T11:43:58.388" v="490" actId="14100"/>
+          <ac:spMkLst>
+            <pc:docMk/>
+            <pc:sldMasterMk cId="3580537156" sldId="2147483648"/>
+            <ac:spMk id="5" creationId="{19F45CDC-4A6E-47CA-B0AF-494B15114B9F}"/>
+          </ac:spMkLst>
+        </pc:spChg>
+        <pc:spChg chg="mod">
+          <ac:chgData name="김영찬" userId="a81591f0-1a4d-4c10-b0d3-35a306720c09" providerId="ADAL" clId="{BF047AC6-B3CF-4B2E-8A29-CB4C276824B2}" dt="2019-03-05T11:43:54.725" v="489" actId="1076"/>
+          <ac:spMkLst>
+            <pc:docMk/>
+            <pc:sldMasterMk cId="3580537156" sldId="2147483648"/>
+            <ac:spMk id="6" creationId="{2D60487B-F447-4475-BED7-0FA25F6736D3}"/>
+          </ac:spMkLst>
+        </pc:spChg>
+        <pc:spChg chg="add del mod">
+          <ac:chgData name="김영찬" userId="a81591f0-1a4d-4c10-b0d3-35a306720c09" providerId="ADAL" clId="{BF047AC6-B3CF-4B2E-8A29-CB4C276824B2}" dt="2019-03-05T11:30:43.966" v="394" actId="478"/>
+          <ac:spMkLst>
+            <pc:docMk/>
+            <pc:sldMasterMk cId="3580537156" sldId="2147483648"/>
+            <ac:spMk id="11" creationId="{EB30CE25-9031-40B3-A4E4-A22572E4A8A3}"/>
+          </ac:spMkLst>
+        </pc:spChg>
+        <pc:spChg chg="add mod ord">
+          <ac:chgData name="김영찬" userId="a81591f0-1a4d-4c10-b0d3-35a306720c09" providerId="ADAL" clId="{BF047AC6-B3CF-4B2E-8A29-CB4C276824B2}" dt="2019-03-05T11:45:17.180" v="499" actId="1076"/>
+          <ac:spMkLst>
+            <pc:docMk/>
+            <pc:sldMasterMk cId="3580537156" sldId="2147483648"/>
+            <ac:spMk id="12" creationId="{DD69A8B2-3687-491F-BFC0-EC5CD912B12E}"/>
+          </ac:spMkLst>
+        </pc:spChg>
+        <pc:spChg chg="add mod ord">
+          <ac:chgData name="김영찬" userId="a81591f0-1a4d-4c10-b0d3-35a306720c09" providerId="ADAL" clId="{BF047AC6-B3CF-4B2E-8A29-CB4C276824B2}" dt="2019-03-05T11:45:17.180" v="499" actId="1076"/>
+          <ac:spMkLst>
+            <pc:docMk/>
+            <pc:sldMasterMk cId="3580537156" sldId="2147483648"/>
+            <ac:spMk id="13" creationId="{C4120C9D-EA0E-44A2-A150-5242B6ECBD71}"/>
+          </ac:spMkLst>
+        </pc:spChg>
+        <pc:spChg chg="add del mod">
+          <ac:chgData name="김영찬" userId="a81591f0-1a4d-4c10-b0d3-35a306720c09" providerId="ADAL" clId="{BF047AC6-B3CF-4B2E-8A29-CB4C276824B2}" dt="2019-03-05T11:31:42.149" v="403" actId="478"/>
+          <ac:spMkLst>
+            <pc:docMk/>
+            <pc:sldMasterMk cId="3580537156" sldId="2147483648"/>
+            <ac:spMk id="14" creationId="{C9323A1A-79D1-43E3-BDB0-C5E649F3BFF3}"/>
+          </ac:spMkLst>
+        </pc:spChg>
+        <pc:spChg chg="add mod">
+          <ac:chgData name="김영찬" userId="a81591f0-1a4d-4c10-b0d3-35a306720c09" providerId="ADAL" clId="{BF047AC6-B3CF-4B2E-8A29-CB4C276824B2}" dt="2019-03-05T11:45:17.180" v="499" actId="1076"/>
+          <ac:spMkLst>
+            <pc:docMk/>
+            <pc:sldMasterMk cId="3580537156" sldId="2147483648"/>
+            <ac:spMk id="15" creationId="{150BE1A5-B6AE-4D37-8732-94A3133924DF}"/>
+          </ac:spMkLst>
+        </pc:spChg>
+        <pc:spChg chg="add mod">
+          <ac:chgData name="김영찬" userId="a81591f0-1a4d-4c10-b0d3-35a306720c09" providerId="ADAL" clId="{BF047AC6-B3CF-4B2E-8A29-CB4C276824B2}" dt="2019-03-05T11:35:59.345" v="435" actId="571"/>
+          <ac:spMkLst>
+            <pc:docMk/>
+            <pc:sldMasterMk cId="3580537156" sldId="2147483648"/>
+            <ac:spMk id="19" creationId="{667A846C-1FCC-4D19-9BE9-73633B6D0D6F}"/>
+          </ac:spMkLst>
+        </pc:spChg>
+        <pc:spChg chg="add mod">
+          <ac:chgData name="김영찬" userId="a81591f0-1a4d-4c10-b0d3-35a306720c09" providerId="ADAL" clId="{BF047AC6-B3CF-4B2E-8A29-CB4C276824B2}" dt="2019-03-05T11:35:59.345" v="435" actId="571"/>
+          <ac:spMkLst>
+            <pc:docMk/>
+            <pc:sldMasterMk cId="3580537156" sldId="2147483648"/>
+            <ac:spMk id="21" creationId="{963FBBFF-ECF0-4CCA-85B8-7120E375C7F4}"/>
+          </ac:spMkLst>
+        </pc:spChg>
+        <pc:spChg chg="add mod">
+          <ac:chgData name="김영찬" userId="a81591f0-1a4d-4c10-b0d3-35a306720c09" providerId="ADAL" clId="{BF047AC6-B3CF-4B2E-8A29-CB4C276824B2}" dt="2019-03-05T11:35:59.345" v="435" actId="571"/>
+          <ac:spMkLst>
+            <pc:docMk/>
+            <pc:sldMasterMk cId="3580537156" sldId="2147483648"/>
+            <ac:spMk id="22" creationId="{0117B27A-0898-4511-BB3D-4797C00F1F60}"/>
+          </ac:spMkLst>
+        </pc:spChg>
+        <pc:spChg chg="add del mod">
+          <ac:chgData name="김영찬" userId="a81591f0-1a4d-4c10-b0d3-35a306720c09" providerId="ADAL" clId="{BF047AC6-B3CF-4B2E-8A29-CB4C276824B2}" dt="2019-03-05T11:46:45.276" v="503" actId="478"/>
+          <ac:spMkLst>
+            <pc:docMk/>
+            <pc:sldMasterMk cId="3580537156" sldId="2147483648"/>
+            <ac:spMk id="49" creationId="{9B680BF5-04B5-4CA4-AA17-4A12A86D9F3B}"/>
+          </ac:spMkLst>
+        </pc:spChg>
+        <pc:cxnChg chg="add mod">
+          <ac:chgData name="김영찬" userId="a81591f0-1a4d-4c10-b0d3-35a306720c09" providerId="ADAL" clId="{BF047AC6-B3CF-4B2E-8A29-CB4C276824B2}" dt="2019-03-05T11:45:17.180" v="499" actId="1076"/>
+          <ac:cxnSpMkLst>
+            <pc:docMk/>
+            <pc:sldMasterMk cId="3580537156" sldId="2147483648"/>
+            <ac:cxnSpMk id="8" creationId="{EA494246-98F6-46B5-863E-3CF1D34C8293}"/>
+          </ac:cxnSpMkLst>
+        </pc:cxnChg>
+        <pc:cxnChg chg="add mod">
+          <ac:chgData name="김영찬" userId="a81591f0-1a4d-4c10-b0d3-35a306720c09" providerId="ADAL" clId="{BF047AC6-B3CF-4B2E-8A29-CB4C276824B2}" dt="2019-03-05T11:45:17.180" v="499" actId="1076"/>
+          <ac:cxnSpMkLst>
+            <pc:docMk/>
+            <pc:sldMasterMk cId="3580537156" sldId="2147483648"/>
+            <ac:cxnSpMk id="17" creationId="{068ADB00-22F2-4132-837C-9E41C47282CD}"/>
+          </ac:cxnSpMkLst>
+        </pc:cxnChg>
+        <pc:cxnChg chg="add mod">
+          <ac:chgData name="김영찬" userId="a81591f0-1a4d-4c10-b0d3-35a306720c09" providerId="ADAL" clId="{BF047AC6-B3CF-4B2E-8A29-CB4C276824B2}" dt="2019-03-05T11:35:59.345" v="435" actId="571"/>
+          <ac:cxnSpMkLst>
+            <pc:docMk/>
+            <pc:sldMasterMk cId="3580537156" sldId="2147483648"/>
+            <ac:cxnSpMk id="18" creationId="{CB5D3D42-C2C9-4DA0-B9FE-A44C3C074DD9}"/>
+          </ac:cxnSpMkLst>
+        </pc:cxnChg>
+        <pc:cxnChg chg="add mod">
+          <ac:chgData name="김영찬" userId="a81591f0-1a4d-4c10-b0d3-35a306720c09" providerId="ADAL" clId="{BF047AC6-B3CF-4B2E-8A29-CB4C276824B2}" dt="2019-03-05T11:35:59.345" v="435" actId="571"/>
+          <ac:cxnSpMkLst>
+            <pc:docMk/>
+            <pc:sldMasterMk cId="3580537156" sldId="2147483648"/>
+            <ac:cxnSpMk id="20" creationId="{6116F9AA-3AEC-4105-9CDD-78D8E11A67BD}"/>
+          </ac:cxnSpMkLst>
+        </pc:cxnChg>
+      </pc:sldMasterChg>
+    </pc:docChg>
+  </pc:docChgLst>
+  <pc:docChgLst>
+    <pc:chgData name="김영찬" userId="a81591f0-1a4d-4c10-b0d3-35a306720c09" providerId="ADAL" clId="{3222EEAA-C4D3-4163-9871-70D3B67B13F5}"/>
+    <pc:docChg chg="undo custSel addSld delSld modSld sldOrd">
+      <pc:chgData name="김영찬" userId="a81591f0-1a4d-4c10-b0d3-35a306720c09" providerId="ADAL" clId="{3222EEAA-C4D3-4163-9871-70D3B67B13F5}" dt="2019-04-28T16:27:50.859" v="4320" actId="14100"/>
+      <pc:docMkLst>
+        <pc:docMk/>
+      </pc:docMkLst>
+    </pc:docChg>
+  </pc:docChgLst>
+  <pc:docChgLst>
     <pc:chgData name="김영찬" userId="a81591f0-1a4d-4c10-b0d3-35a306720c09" providerId="ADAL" clId="{D6696B76-AE65-491A-B254-287DE2784131}"/>
     <pc:docChg chg="undo custSel addSld delSld modSld sldOrd modMainMaster">
       <pc:chgData name="김영찬" userId="a81591f0-1a4d-4c10-b0d3-35a306720c09" providerId="ADAL" clId="{D6696B76-AE65-491A-B254-287DE2784131}" dt="2019-04-22T04:45:16.545" v="3308" actId="404"/>
@@ -3362,6 +3100,268 @@
               <ac:graphicFrameMk id="9" creationId="{B26179DA-896A-4F4E-BD9B-64A85D141D36}"/>
             </ac:graphicFrameMkLst>
           </pc:graphicFrameChg>
+        </pc:sldLayoutChg>
+      </pc:sldMasterChg>
+    </pc:docChg>
+  </pc:docChgLst>
+  <pc:docChgLst>
+    <pc:chgData name="김영찬" userId="a81591f0-1a4d-4c10-b0d3-35a306720c09" providerId="ADAL" clId="{96725876-79DF-416C-B807-402B7C64161B}"/>
+    <pc:docChg chg="delSld">
+      <pc:chgData name="김영찬" userId="a81591f0-1a4d-4c10-b0d3-35a306720c09" providerId="ADAL" clId="{96725876-79DF-416C-B807-402B7C64161B}" dt="2019-05-10T13:37:52.124" v="13" actId="2696"/>
+      <pc:docMkLst>
+        <pc:docMk/>
+      </pc:docMkLst>
+      <pc:sldChg chg="del">
+        <pc:chgData name="김영찬" userId="a81591f0-1a4d-4c10-b0d3-35a306720c09" providerId="ADAL" clId="{96725876-79DF-416C-B807-402B7C64161B}" dt="2019-05-10T13:37:50.670" v="0" actId="2696"/>
+        <pc:sldMkLst>
+          <pc:docMk/>
+          <pc:sldMk cId="966465038" sldId="256"/>
+        </pc:sldMkLst>
+      </pc:sldChg>
+      <pc:sldChg chg="del">
+        <pc:chgData name="김영찬" userId="a81591f0-1a4d-4c10-b0d3-35a306720c09" providerId="ADAL" clId="{96725876-79DF-416C-B807-402B7C64161B}" dt="2019-05-10T13:37:51.160" v="1" actId="2696"/>
+        <pc:sldMkLst>
+          <pc:docMk/>
+          <pc:sldMk cId="2155472885" sldId="306"/>
+        </pc:sldMkLst>
+      </pc:sldChg>
+      <pc:sldChg chg="del">
+        <pc:chgData name="김영찬" userId="a81591f0-1a4d-4c10-b0d3-35a306720c09" providerId="ADAL" clId="{96725876-79DF-416C-B807-402B7C64161B}" dt="2019-05-10T13:37:52.124" v="13" actId="2696"/>
+        <pc:sldMkLst>
+          <pc:docMk/>
+          <pc:sldMk cId="1806619063" sldId="309"/>
+        </pc:sldMkLst>
+      </pc:sldChg>
+      <pc:sldChg chg="del">
+        <pc:chgData name="김영찬" userId="a81591f0-1a4d-4c10-b0d3-35a306720c09" providerId="ADAL" clId="{96725876-79DF-416C-B807-402B7C64161B}" dt="2019-05-10T13:37:51.193" v="2" actId="2696"/>
+        <pc:sldMkLst>
+          <pc:docMk/>
+          <pc:sldMk cId="2714743729" sldId="320"/>
+        </pc:sldMkLst>
+      </pc:sldChg>
+      <pc:sldChg chg="del">
+        <pc:chgData name="김영찬" userId="a81591f0-1a4d-4c10-b0d3-35a306720c09" providerId="ADAL" clId="{96725876-79DF-416C-B807-402B7C64161B}" dt="2019-05-10T13:37:51.379" v="7" actId="2696"/>
+        <pc:sldMkLst>
+          <pc:docMk/>
+          <pc:sldMk cId="736709296" sldId="340"/>
+        </pc:sldMkLst>
+      </pc:sldChg>
+      <pc:sldChg chg="del">
+        <pc:chgData name="김영찬" userId="a81591f0-1a4d-4c10-b0d3-35a306720c09" providerId="ADAL" clId="{96725876-79DF-416C-B807-402B7C64161B}" dt="2019-05-10T13:37:51.281" v="4" actId="2696"/>
+        <pc:sldMkLst>
+          <pc:docMk/>
+          <pc:sldMk cId="1925558372" sldId="341"/>
+        </pc:sldMkLst>
+      </pc:sldChg>
+      <pc:sldChg chg="del">
+        <pc:chgData name="김영찬" userId="a81591f0-1a4d-4c10-b0d3-35a306720c09" providerId="ADAL" clId="{96725876-79DF-416C-B807-402B7C64161B}" dt="2019-05-10T13:37:51.327" v="5" actId="2696"/>
+        <pc:sldMkLst>
+          <pc:docMk/>
+          <pc:sldMk cId="4112875721" sldId="342"/>
+        </pc:sldMkLst>
+      </pc:sldChg>
+      <pc:sldChg chg="del">
+        <pc:chgData name="김영찬" userId="a81591f0-1a4d-4c10-b0d3-35a306720c09" providerId="ADAL" clId="{96725876-79DF-416C-B807-402B7C64161B}" dt="2019-05-10T13:37:51.222" v="3" actId="2696"/>
+        <pc:sldMkLst>
+          <pc:docMk/>
+          <pc:sldMk cId="3876743948" sldId="344"/>
+        </pc:sldMkLst>
+      </pc:sldChg>
+      <pc:sldChg chg="del">
+        <pc:chgData name="김영찬" userId="a81591f0-1a4d-4c10-b0d3-35a306720c09" providerId="ADAL" clId="{96725876-79DF-416C-B807-402B7C64161B}" dt="2019-05-10T13:37:51.353" v="6" actId="2696"/>
+        <pc:sldMkLst>
+          <pc:docMk/>
+          <pc:sldMk cId="1811619858" sldId="345"/>
+        </pc:sldMkLst>
+      </pc:sldChg>
+      <pc:sldChg chg="del">
+        <pc:chgData name="김영찬" userId="a81591f0-1a4d-4c10-b0d3-35a306720c09" providerId="ADAL" clId="{96725876-79DF-416C-B807-402B7C64161B}" dt="2019-05-10T13:37:51.526" v="8" actId="2696"/>
+        <pc:sldMkLst>
+          <pc:docMk/>
+          <pc:sldMk cId="2112348822" sldId="346"/>
+        </pc:sldMkLst>
+      </pc:sldChg>
+      <pc:sldChg chg="del">
+        <pc:chgData name="김영찬" userId="a81591f0-1a4d-4c10-b0d3-35a306720c09" providerId="ADAL" clId="{96725876-79DF-416C-B807-402B7C64161B}" dt="2019-05-10T13:37:52.016" v="9" actId="2696"/>
+        <pc:sldMkLst>
+          <pc:docMk/>
+          <pc:sldMk cId="2412894241" sldId="347"/>
+        </pc:sldMkLst>
+      </pc:sldChg>
+      <pc:sldChg chg="del">
+        <pc:chgData name="김영찬" userId="a81591f0-1a4d-4c10-b0d3-35a306720c09" providerId="ADAL" clId="{96725876-79DF-416C-B807-402B7C64161B}" dt="2019-05-10T13:37:52.088" v="11" actId="2696"/>
+        <pc:sldMkLst>
+          <pc:docMk/>
+          <pc:sldMk cId="2684789990" sldId="348"/>
+        </pc:sldMkLst>
+      </pc:sldChg>
+      <pc:sldChg chg="del">
+        <pc:chgData name="김영찬" userId="a81591f0-1a4d-4c10-b0d3-35a306720c09" providerId="ADAL" clId="{96725876-79DF-416C-B807-402B7C64161B}" dt="2019-05-10T13:37:52.056" v="10" actId="2696"/>
+        <pc:sldMkLst>
+          <pc:docMk/>
+          <pc:sldMk cId="2414929239" sldId="349"/>
+        </pc:sldMkLst>
+      </pc:sldChg>
+      <pc:sldChg chg="del">
+        <pc:chgData name="김영찬" userId="a81591f0-1a4d-4c10-b0d3-35a306720c09" providerId="ADAL" clId="{96725876-79DF-416C-B807-402B7C64161B}" dt="2019-05-10T13:37:52.101" v="12" actId="2696"/>
+        <pc:sldMkLst>
+          <pc:docMk/>
+          <pc:sldMk cId="2115589346" sldId="351"/>
+        </pc:sldMkLst>
+      </pc:sldChg>
+    </pc:docChg>
+  </pc:docChgLst>
+  <pc:docChgLst>
+    <pc:chgData name="김영찬" userId="a81591f0-1a4d-4c10-b0d3-35a306720c09" providerId="ADAL" clId="{0FF42640-1B0D-47F0-99C2-6800CA124613}"/>
+    <pc:docChg chg="undo custSel addSld delSld modSld sldOrd modMainMaster">
+      <pc:chgData name="김영찬" userId="a81591f0-1a4d-4c10-b0d3-35a306720c09" providerId="ADAL" clId="{0FF42640-1B0D-47F0-99C2-6800CA124613}" dt="2019-04-14T08:37:22.457" v="15416" actId="20577"/>
+      <pc:docMkLst>
+        <pc:docMk/>
+      </pc:docMkLst>
+      <pc:sldMasterChg chg="modSldLayout">
+        <pc:chgData name="김영찬" userId="a81591f0-1a4d-4c10-b0d3-35a306720c09" providerId="ADAL" clId="{0FF42640-1B0D-47F0-99C2-6800CA124613}" dt="2019-04-07T08:15:17.305" v="2540" actId="478"/>
+        <pc:sldMasterMkLst>
+          <pc:docMk/>
+          <pc:sldMasterMk cId="3580537156" sldId="2147483648"/>
+        </pc:sldMasterMkLst>
+        <pc:sldLayoutChg chg="modSp">
+          <pc:chgData name="김영찬" userId="a81591f0-1a4d-4c10-b0d3-35a306720c09" providerId="ADAL" clId="{0FF42640-1B0D-47F0-99C2-6800CA124613}" dt="2019-04-07T08:13:52.548" v="2519" actId="692"/>
+          <pc:sldLayoutMkLst>
+            <pc:docMk/>
+            <pc:sldMasterMk cId="3580537156" sldId="2147483648"/>
+            <pc:sldLayoutMk cId="955644835" sldId="2147483649"/>
+          </pc:sldLayoutMkLst>
+          <pc:spChg chg="mod">
+            <ac:chgData name="김영찬" userId="a81591f0-1a4d-4c10-b0d3-35a306720c09" providerId="ADAL" clId="{0FF42640-1B0D-47F0-99C2-6800CA124613}" dt="2019-04-07T08:13:52.548" v="2519" actId="692"/>
+            <ac:spMkLst>
+              <pc:docMk/>
+              <pc:sldMasterMk cId="3580537156" sldId="2147483648"/>
+              <pc:sldLayoutMk cId="955644835" sldId="2147483649"/>
+              <ac:spMk id="2" creationId="{00B1986A-0BF3-48F4-8615-0276F801B0CA}"/>
+            </ac:spMkLst>
+          </pc:spChg>
+        </pc:sldLayoutChg>
+        <pc:sldLayoutChg chg="modSp">
+          <pc:chgData name="김영찬" userId="a81591f0-1a4d-4c10-b0d3-35a306720c09" providerId="ADAL" clId="{0FF42640-1B0D-47F0-99C2-6800CA124613}" dt="2019-04-07T08:13:55.828" v="2520" actId="692"/>
+          <pc:sldLayoutMkLst>
+            <pc:docMk/>
+            <pc:sldMasterMk cId="3580537156" sldId="2147483648"/>
+            <pc:sldLayoutMk cId="3661968336" sldId="2147483650"/>
+          </pc:sldLayoutMkLst>
+          <pc:spChg chg="mod">
+            <ac:chgData name="김영찬" userId="a81591f0-1a4d-4c10-b0d3-35a306720c09" providerId="ADAL" clId="{0FF42640-1B0D-47F0-99C2-6800CA124613}" dt="2019-04-07T08:13:55.828" v="2520" actId="692"/>
+            <ac:spMkLst>
+              <pc:docMk/>
+              <pc:sldMasterMk cId="3580537156" sldId="2147483648"/>
+              <pc:sldLayoutMk cId="3661968336" sldId="2147483650"/>
+              <ac:spMk id="3" creationId="{A8A81D29-565E-4AAE-8980-ADE5607E6196}"/>
+            </ac:spMkLst>
+          </pc:spChg>
+        </pc:sldLayoutChg>
+        <pc:sldLayoutChg chg="modSp">
+          <pc:chgData name="김영찬" userId="a81591f0-1a4d-4c10-b0d3-35a306720c09" providerId="ADAL" clId="{0FF42640-1B0D-47F0-99C2-6800CA124613}" dt="2019-04-07T08:14:03.343" v="2522" actId="692"/>
+          <pc:sldLayoutMkLst>
+            <pc:docMk/>
+            <pc:sldMasterMk cId="3580537156" sldId="2147483648"/>
+            <pc:sldLayoutMk cId="1647236246" sldId="2147483654"/>
+          </pc:sldLayoutMkLst>
+          <pc:spChg chg="mod">
+            <ac:chgData name="김영찬" userId="a81591f0-1a4d-4c10-b0d3-35a306720c09" providerId="ADAL" clId="{0FF42640-1B0D-47F0-99C2-6800CA124613}" dt="2019-04-07T08:14:03.343" v="2522" actId="692"/>
+            <ac:spMkLst>
+              <pc:docMk/>
+              <pc:sldMasterMk cId="3580537156" sldId="2147483648"/>
+              <pc:sldLayoutMk cId="1647236246" sldId="2147483654"/>
+              <ac:spMk id="7" creationId="{8D7A0A2B-A5E1-4002-AC67-CEB2427BD0B5}"/>
+            </ac:spMkLst>
+          </pc:spChg>
+        </pc:sldLayoutChg>
+        <pc:sldLayoutChg chg="addSp delSp modSp">
+          <pc:chgData name="김영찬" userId="a81591f0-1a4d-4c10-b0d3-35a306720c09" providerId="ADAL" clId="{0FF42640-1B0D-47F0-99C2-6800CA124613}" dt="2019-04-07T08:15:12.443" v="2539"/>
+          <pc:sldLayoutMkLst>
+            <pc:docMk/>
+            <pc:sldMasterMk cId="3580537156" sldId="2147483648"/>
+            <pc:sldLayoutMk cId="870047011" sldId="2147483656"/>
+          </pc:sldLayoutMkLst>
+          <pc:spChg chg="mod">
+            <ac:chgData name="김영찬" userId="a81591f0-1a4d-4c10-b0d3-35a306720c09" providerId="ADAL" clId="{0FF42640-1B0D-47F0-99C2-6800CA124613}" dt="2019-04-07T08:14:23.697" v="2529" actId="14100"/>
+            <ac:spMkLst>
+              <pc:docMk/>
+              <pc:sldMasterMk cId="3580537156" sldId="2147483648"/>
+              <pc:sldLayoutMk cId="870047011" sldId="2147483656"/>
+              <ac:spMk id="3" creationId="{A8A81D29-565E-4AAE-8980-ADE5607E6196}"/>
+            </ac:spMkLst>
+          </pc:spChg>
+          <pc:spChg chg="add mod">
+            <ac:chgData name="김영찬" userId="a81591f0-1a4d-4c10-b0d3-35a306720c09" providerId="ADAL" clId="{0FF42640-1B0D-47F0-99C2-6800CA124613}" dt="2019-04-07T08:14:31.019" v="2531" actId="14100"/>
+            <ac:spMkLst>
+              <pc:docMk/>
+              <pc:sldMasterMk cId="3580537156" sldId="2147483648"/>
+              <pc:sldLayoutMk cId="870047011" sldId="2147483656"/>
+              <ac:spMk id="15" creationId="{0EAF583E-4EE0-4C2F-A8B5-74A8E2A122E0}"/>
+            </ac:spMkLst>
+          </pc:spChg>
+          <pc:spChg chg="add del">
+            <ac:chgData name="김영찬" userId="a81591f0-1a4d-4c10-b0d3-35a306720c09" providerId="ADAL" clId="{0FF42640-1B0D-47F0-99C2-6800CA124613}" dt="2019-04-07T08:15:12.443" v="2539"/>
+            <ac:spMkLst>
+              <pc:docMk/>
+              <pc:sldMasterMk cId="3580537156" sldId="2147483648"/>
+              <pc:sldLayoutMk cId="870047011" sldId="2147483656"/>
+              <ac:spMk id="17" creationId="{EA17FFFB-0737-45D5-A34A-F8526074400B}"/>
+            </ac:spMkLst>
+          </pc:spChg>
+          <pc:spChg chg="add del">
+            <ac:chgData name="김영찬" userId="a81591f0-1a4d-4c10-b0d3-35a306720c09" providerId="ADAL" clId="{0FF42640-1B0D-47F0-99C2-6800CA124613}" dt="2019-04-07T08:15:12.443" v="2539"/>
+            <ac:spMkLst>
+              <pc:docMk/>
+              <pc:sldMasterMk cId="3580537156" sldId="2147483648"/>
+              <pc:sldLayoutMk cId="870047011" sldId="2147483656"/>
+              <ac:spMk id="18" creationId="{251A7378-1EE7-4C77-8A1C-0F080AEB6F34}"/>
+            </ac:spMkLst>
+          </pc:spChg>
+          <pc:spChg chg="add del">
+            <ac:chgData name="김영찬" userId="a81591f0-1a4d-4c10-b0d3-35a306720c09" providerId="ADAL" clId="{0FF42640-1B0D-47F0-99C2-6800CA124613}" dt="2019-04-07T08:15:12.443" v="2539"/>
+            <ac:spMkLst>
+              <pc:docMk/>
+              <pc:sldMasterMk cId="3580537156" sldId="2147483648"/>
+              <pc:sldLayoutMk cId="870047011" sldId="2147483656"/>
+              <ac:spMk id="19" creationId="{F1E1F073-B1D2-4D0C-ADD6-C4F1CFF0A4F8}"/>
+            </ac:spMkLst>
+          </pc:spChg>
+          <pc:spChg chg="add del">
+            <ac:chgData name="김영찬" userId="a81591f0-1a4d-4c10-b0d3-35a306720c09" providerId="ADAL" clId="{0FF42640-1B0D-47F0-99C2-6800CA124613}" dt="2019-04-07T08:15:12.443" v="2539"/>
+            <ac:spMkLst>
+              <pc:docMk/>
+              <pc:sldMasterMk cId="3580537156" sldId="2147483648"/>
+              <pc:sldLayoutMk cId="870047011" sldId="2147483656"/>
+              <ac:spMk id="20" creationId="{F462FD96-C5D2-4E98-B841-C73746D5E7C3}"/>
+            </ac:spMkLst>
+          </pc:spChg>
+          <pc:spChg chg="add del">
+            <ac:chgData name="김영찬" userId="a81591f0-1a4d-4c10-b0d3-35a306720c09" providerId="ADAL" clId="{0FF42640-1B0D-47F0-99C2-6800CA124613}" dt="2019-04-07T08:15:12.443" v="2539"/>
+            <ac:spMkLst>
+              <pc:docMk/>
+              <pc:sldMasterMk cId="3580537156" sldId="2147483648"/>
+              <pc:sldLayoutMk cId="870047011" sldId="2147483656"/>
+              <ac:spMk id="22" creationId="{32C9F139-2930-489E-BF3B-04449072749F}"/>
+            </ac:spMkLst>
+          </pc:spChg>
+        </pc:sldLayoutChg>
+        <pc:sldLayoutChg chg="delSp">
+          <pc:chgData name="김영찬" userId="a81591f0-1a4d-4c10-b0d3-35a306720c09" providerId="ADAL" clId="{0FF42640-1B0D-47F0-99C2-6800CA124613}" dt="2019-04-07T08:15:17.305" v="2540" actId="478"/>
+          <pc:sldLayoutMkLst>
+            <pc:docMk/>
+            <pc:sldMasterMk cId="3580537156" sldId="2147483648"/>
+            <pc:sldLayoutMk cId="2806755365" sldId="2147483657"/>
+          </pc:sldLayoutMkLst>
+          <pc:spChg chg="del">
+            <ac:chgData name="김영찬" userId="a81591f0-1a4d-4c10-b0d3-35a306720c09" providerId="ADAL" clId="{0FF42640-1B0D-47F0-99C2-6800CA124613}" dt="2019-04-07T08:15:17.305" v="2540" actId="478"/>
+            <ac:spMkLst>
+              <pc:docMk/>
+              <pc:sldMasterMk cId="3580537156" sldId="2147483648"/>
+              <pc:sldLayoutMk cId="2806755365" sldId="2147483657"/>
+              <ac:spMk id="3" creationId="{A8A81D29-565E-4AAE-8980-ADE5607E6196}"/>
+            </ac:spMkLst>
+          </pc:spChg>
         </pc:sldLayoutChg>
       </pc:sldMasterChg>
     </pc:docChg>
@@ -3463,7 +3463,7 @@
           <a:p>
             <a:fld id="{9EBD400C-D4EE-43AF-A8C1-EAEA1AAE157C}" type="datetimeFigureOut">
               <a:rPr lang="ko-KR" altLang="en-US" smtClean="0"/>
-              <a:t>2019-05-10</a:t>
+              <a:t>2019-05-11</a:t>
             </a:fld>
             <a:endParaRPr lang="ko-KR" altLang="en-US"/>
           </a:p>
@@ -3640,7 +3640,7 @@
           <a:p>
             <a:fld id="{4AC17D22-34BF-49C7-B9E4-936328C69082}" type="datetimeFigureOut">
               <a:rPr lang="ko-KR" altLang="en-US" smtClean="0"/>
-              <a:t>2019-05-10</a:t>
+              <a:t>2019-05-11</a:t>
             </a:fld>
             <a:endParaRPr lang="ko-KR" altLang="en-US"/>
           </a:p>
@@ -4323,6 +4323,90 @@
     <p:extLst>
       <p:ext uri="{BB962C8B-B14F-4D97-AF65-F5344CB8AC3E}">
         <p14:creationId xmlns:p14="http://schemas.microsoft.com/office/powerpoint/2010/main" val="4210739244"/>
+      </p:ext>
+    </p:extLst>
+  </p:cSld>
+  <p:clrMapOvr>
+    <a:masterClrMapping/>
+  </p:clrMapOvr>
+</p:notes>
+</file>
+
+<file path=ppt/notesSlides/notesSlide3.xml><?xml version="1.0" encoding="utf-8"?>
+<p:notes xmlns:a="http://schemas.openxmlformats.org/drawingml/2006/main" xmlns:r="http://schemas.openxmlformats.org/officeDocument/2006/relationships" xmlns:p="http://schemas.openxmlformats.org/presentationml/2006/main">
+  <p:cSld>
+    <p:spTree>
+      <p:nvGrpSpPr>
+        <p:cNvPr id="1" name=""/>
+        <p:cNvGrpSpPr/>
+        <p:nvPr/>
+      </p:nvGrpSpPr>
+      <p:grpSpPr>
+        <a:xfrm>
+          <a:off x="0" y="0"/>
+          <a:ext cx="0" cy="0"/>
+          <a:chOff x="0" y="0"/>
+          <a:chExt cx="0" cy="0"/>
+        </a:xfrm>
+      </p:grpSpPr>
+      <p:sp>
+        <p:nvSpPr>
+          <p:cNvPr id="2" name="슬라이드 이미지 개체 틀 1"/>
+          <p:cNvSpPr>
+            <a:spLocks noGrp="1" noRot="1" noChangeAspect="1"/>
+          </p:cNvSpPr>
+          <p:nvPr>
+            <p:ph type="sldImg"/>
+          </p:nvPr>
+        </p:nvSpPr>
+        <p:spPr/>
+      </p:sp>
+      <p:sp>
+        <p:nvSpPr>
+          <p:cNvPr id="3" name="슬라이드 노트 개체 틀 2"/>
+          <p:cNvSpPr>
+            <a:spLocks noGrp="1"/>
+          </p:cNvSpPr>
+          <p:nvPr>
+            <p:ph type="body" idx="1"/>
+          </p:nvPr>
+        </p:nvSpPr>
+        <p:spPr/>
+        <p:txBody>
+          <a:bodyPr/>
+          <a:lstStyle/>
+          <a:p>
+            <a:endParaRPr lang="ko-KR" altLang="en-US" dirty="0"/>
+          </a:p>
+        </p:txBody>
+      </p:sp>
+      <p:sp>
+        <p:nvSpPr>
+          <p:cNvPr id="4" name="슬라이드 번호 개체 틀 3"/>
+          <p:cNvSpPr>
+            <a:spLocks noGrp="1"/>
+          </p:cNvSpPr>
+          <p:nvPr>
+            <p:ph type="sldNum" sz="quarter" idx="5"/>
+          </p:nvPr>
+        </p:nvSpPr>
+        <p:spPr/>
+        <p:txBody>
+          <a:bodyPr/>
+          <a:lstStyle/>
+          <a:p>
+            <a:fld id="{7DB6435A-952E-424A-9EED-850E76F56CEF}" type="slidenum">
+              <a:rPr lang="ko-KR" altLang="en-US" smtClean="0"/>
+              <a:t>9</a:t>
+            </a:fld>
+            <a:endParaRPr lang="ko-KR" altLang="en-US"/>
+          </a:p>
+        </p:txBody>
+      </p:sp>
+    </p:spTree>
+    <p:extLst>
+      <p:ext uri="{BB962C8B-B14F-4D97-AF65-F5344CB8AC3E}">
+        <p14:creationId xmlns:p14="http://schemas.microsoft.com/office/powerpoint/2010/main" val="3010779504"/>
       </p:ext>
     </p:extLst>
   </p:cSld>
@@ -7969,7 +8053,7 @@
                   <a:schemeClr val="bg1"/>
                 </a:solidFill>
               </a:rPr>
-              <a:t>2015xxxxxx </a:t>
+              <a:t>2015182001 </a:t>
             </a:r>
             <a:r>
               <a:rPr lang="ko-KR" altLang="en-US" sz="2000" b="0" dirty="0">
@@ -9327,6 +9411,15 @@
           </a:bodyPr>
           <a:lstStyle/>
           <a:p>
+            <a:endParaRPr lang="en-US" altLang="ko-KR" sz="1800" b="1" dirty="0"/>
+          </a:p>
+          <a:p>
+            <a:endParaRPr lang="en-US" altLang="ko-KR" sz="1800" b="1" dirty="0"/>
+          </a:p>
+          <a:p>
+            <a:endParaRPr lang="en-US" altLang="ko-KR" sz="1800" b="1" dirty="0"/>
+          </a:p>
+          <a:p>
             <a:r>
               <a:rPr lang="ko-KR" altLang="en-US" sz="1800" b="1" dirty="0" err="1"/>
               <a:t>텔레그램</a:t>
@@ -9358,6 +9451,15 @@
               <a:rPr lang="en-US" altLang="ko-KR" sz="1400" dirty="0"/>
               <a:t>.</a:t>
             </a:r>
+          </a:p>
+          <a:p>
+            <a:endParaRPr lang="en-US" altLang="ko-KR" sz="1800" dirty="0"/>
+          </a:p>
+          <a:p>
+            <a:endParaRPr lang="en-US" altLang="ko-KR" sz="1800" dirty="0"/>
+          </a:p>
+          <a:p>
+            <a:endParaRPr lang="en-US" altLang="ko-KR" sz="1800" dirty="0"/>
           </a:p>
           <a:p>
             <a:endParaRPr lang="en-US" altLang="ko-KR" sz="1800" dirty="0"/>
@@ -16163,7 +16265,7 @@
           <p:nvPr>
             <p:extLst>
               <p:ext uri="{D42A27DB-BD31-4B8C-83A1-F6EECF244321}">
-                <p14:modId xmlns:p14="http://schemas.microsoft.com/office/powerpoint/2010/main" val="499200489"/>
+                <p14:modId xmlns:p14="http://schemas.microsoft.com/office/powerpoint/2010/main" val="2569471764"/>
               </p:ext>
             </p:extLst>
           </p:nvPr>
@@ -16834,13 +16936,13 @@
           </a:p>
           <a:p>
             <a:endParaRPr lang="en-US" altLang="ko-KR" sz="1600" dirty="0">
-              <a:hlinkClick r:id="rId2"/>
+              <a:hlinkClick r:id="rId3"/>
             </a:endParaRPr>
           </a:p>
           <a:p>
             <a:r>
               <a:rPr lang="en-US" altLang="ko-KR" sz="1600" dirty="0">
-                <a:hlinkClick r:id="rId2"/>
+                <a:hlinkClick r:id="rId3"/>
               </a:rPr>
               <a:t>https://github.com/Oongim/2019Script-Langauge/commit/c5a9debb55fbf8eb40fe323ca8328625d40e8aae</a:t>
             </a:r>

--- a/기획 발표.pptx
+++ b/기획 발표.pptx
@@ -3072,39 +3072,6 @@
     </pc:docChg>
   </pc:docChgLst>
   <pc:docChgLst>
-    <pc:chgData name="김영찬" userId="a81591f0-1a4d-4c10-b0d3-35a306720c09" providerId="ADAL" clId="{D6696B76-AE65-491A-B254-287DE2784131}"/>
-    <pc:docChg chg="undo custSel addSld delSld modSld sldOrd modMainMaster">
-      <pc:chgData name="김영찬" userId="a81591f0-1a4d-4c10-b0d3-35a306720c09" providerId="ADAL" clId="{D6696B76-AE65-491A-B254-287DE2784131}" dt="2019-04-22T04:45:16.545" v="3308" actId="404"/>
-      <pc:docMkLst>
-        <pc:docMk/>
-      </pc:docMkLst>
-      <pc:sldMasterChg chg="modSldLayout">
-        <pc:chgData name="김영찬" userId="a81591f0-1a4d-4c10-b0d3-35a306720c09" providerId="ADAL" clId="{D6696B76-AE65-491A-B254-287DE2784131}" dt="2019-04-21T18:44:31.196" v="1371" actId="6549"/>
-        <pc:sldMasterMkLst>
-          <pc:docMk/>
-          <pc:sldMasterMk cId="3580537156" sldId="2147483648"/>
-        </pc:sldMasterMkLst>
-        <pc:sldLayoutChg chg="modSp">
-          <pc:chgData name="김영찬" userId="a81591f0-1a4d-4c10-b0d3-35a306720c09" providerId="ADAL" clId="{D6696B76-AE65-491A-B254-287DE2784131}" dt="2019-04-21T18:44:31.196" v="1371" actId="6549"/>
-          <pc:sldLayoutMkLst>
-            <pc:docMk/>
-            <pc:sldMasterMk cId="3580537156" sldId="2147483648"/>
-            <pc:sldLayoutMk cId="955644835" sldId="2147483649"/>
-          </pc:sldLayoutMkLst>
-          <pc:graphicFrameChg chg="modGraphic">
-            <ac:chgData name="김영찬" userId="a81591f0-1a4d-4c10-b0d3-35a306720c09" providerId="ADAL" clId="{D6696B76-AE65-491A-B254-287DE2784131}" dt="2019-04-21T18:44:31.196" v="1371" actId="6549"/>
-            <ac:graphicFrameMkLst>
-              <pc:docMk/>
-              <pc:sldMasterMk cId="3580537156" sldId="2147483648"/>
-              <pc:sldLayoutMk cId="955644835" sldId="2147483649"/>
-              <ac:graphicFrameMk id="9" creationId="{B26179DA-896A-4F4E-BD9B-64A85D141D36}"/>
-            </ac:graphicFrameMkLst>
-          </pc:graphicFrameChg>
-        </pc:sldLayoutChg>
-      </pc:sldMasterChg>
-    </pc:docChg>
-  </pc:docChgLst>
-  <pc:docChgLst>
     <pc:chgData name="김영찬" userId="a81591f0-1a4d-4c10-b0d3-35a306720c09" providerId="ADAL" clId="{96725876-79DF-416C-B807-402B7C64161B}"/>
     <pc:docChg chg="delSld">
       <pc:chgData name="김영찬" userId="a81591f0-1a4d-4c10-b0d3-35a306720c09" providerId="ADAL" clId="{96725876-79DF-416C-B807-402B7C64161B}" dt="2019-05-10T13:37:52.124" v="13" actId="2696"/>
@@ -3212,6 +3179,39 @@
     </pc:docChg>
   </pc:docChgLst>
   <pc:docChgLst>
+    <pc:chgData name="김영찬" userId="a81591f0-1a4d-4c10-b0d3-35a306720c09" providerId="ADAL" clId="{D6696B76-AE65-491A-B254-287DE2784131}"/>
+    <pc:docChg chg="undo custSel addSld delSld modSld sldOrd modMainMaster">
+      <pc:chgData name="김영찬" userId="a81591f0-1a4d-4c10-b0d3-35a306720c09" providerId="ADAL" clId="{D6696B76-AE65-491A-B254-287DE2784131}" dt="2019-04-22T04:45:16.545" v="3308" actId="404"/>
+      <pc:docMkLst>
+        <pc:docMk/>
+      </pc:docMkLst>
+      <pc:sldMasterChg chg="modSldLayout">
+        <pc:chgData name="김영찬" userId="a81591f0-1a4d-4c10-b0d3-35a306720c09" providerId="ADAL" clId="{D6696B76-AE65-491A-B254-287DE2784131}" dt="2019-04-21T18:44:31.196" v="1371" actId="6549"/>
+        <pc:sldMasterMkLst>
+          <pc:docMk/>
+          <pc:sldMasterMk cId="3580537156" sldId="2147483648"/>
+        </pc:sldMasterMkLst>
+        <pc:sldLayoutChg chg="modSp">
+          <pc:chgData name="김영찬" userId="a81591f0-1a4d-4c10-b0d3-35a306720c09" providerId="ADAL" clId="{D6696B76-AE65-491A-B254-287DE2784131}" dt="2019-04-21T18:44:31.196" v="1371" actId="6549"/>
+          <pc:sldLayoutMkLst>
+            <pc:docMk/>
+            <pc:sldMasterMk cId="3580537156" sldId="2147483648"/>
+            <pc:sldLayoutMk cId="955644835" sldId="2147483649"/>
+          </pc:sldLayoutMkLst>
+          <pc:graphicFrameChg chg="modGraphic">
+            <ac:chgData name="김영찬" userId="a81591f0-1a4d-4c10-b0d3-35a306720c09" providerId="ADAL" clId="{D6696B76-AE65-491A-B254-287DE2784131}" dt="2019-04-21T18:44:31.196" v="1371" actId="6549"/>
+            <ac:graphicFrameMkLst>
+              <pc:docMk/>
+              <pc:sldMasterMk cId="3580537156" sldId="2147483648"/>
+              <pc:sldLayoutMk cId="955644835" sldId="2147483649"/>
+              <ac:graphicFrameMk id="9" creationId="{B26179DA-896A-4F4E-BD9B-64A85D141D36}"/>
+            </ac:graphicFrameMkLst>
+          </pc:graphicFrameChg>
+        </pc:sldLayoutChg>
+      </pc:sldMasterChg>
+    </pc:docChg>
+  </pc:docChgLst>
+  <pc:docChgLst>
     <pc:chgData name="김영찬" userId="a81591f0-1a4d-4c10-b0d3-35a306720c09" providerId="ADAL" clId="{0FF42640-1B0D-47F0-99C2-6800CA124613}"/>
     <pc:docChg chg="undo custSel addSld delSld modSld sldOrd modMainMaster">
       <pc:chgData name="김영찬" userId="a81591f0-1a4d-4c10-b0d3-35a306720c09" providerId="ADAL" clId="{0FF42640-1B0D-47F0-99C2-6800CA124613}" dt="2019-04-14T08:37:22.457" v="15416" actId="20577"/>
@@ -3463,7 +3463,7 @@
           <a:p>
             <a:fld id="{9EBD400C-D4EE-43AF-A8C1-EAEA1AAE157C}" type="datetimeFigureOut">
               <a:rPr lang="ko-KR" altLang="en-US" smtClean="0"/>
-              <a:t>2019-05-11</a:t>
+              <a:t>2019-05-12</a:t>
             </a:fld>
             <a:endParaRPr lang="ko-KR" altLang="en-US"/>
           </a:p>
@@ -3640,7 +3640,7 @@
           <a:p>
             <a:fld id="{4AC17D22-34BF-49C7-B9E4-936328C69082}" type="datetimeFigureOut">
               <a:rPr lang="ko-KR" altLang="en-US" smtClean="0"/>
-              <a:t>2019-05-11</a:t>
+              <a:t>2019-05-12</a:t>
             </a:fld>
             <a:endParaRPr lang="ko-KR" altLang="en-US"/>
           </a:p>
@@ -4499,7 +4499,7 @@
           <a:p>
             <a:fld id="{AFB8E149-2C51-4ADD-BF12-9ED39A8F29B7}" type="datetime1">
               <a:rPr lang="ko-KR" altLang="en-US" smtClean="0"/>
-              <a:t>2019-05-11</a:t>
+              <a:t>2019-05-12</a:t>
             </a:fld>
             <a:endParaRPr lang="ko-KR" altLang="en-US"/>
           </a:p>
@@ -4743,7 +4743,7 @@
           <a:p>
             <a:fld id="{254F05D0-7BEB-4E54-8B88-9E52B88A7ED6}" type="datetime1">
               <a:rPr lang="ko-KR" altLang="en-US" smtClean="0"/>
-              <a:t>2019-05-11</a:t>
+              <a:t>2019-05-12</a:t>
             </a:fld>
             <a:endParaRPr lang="ko-KR" altLang="en-US"/>
           </a:p>
@@ -5275,7 +5275,7 @@
           <a:p>
             <a:fld id="{88808292-3813-4042-9978-4F1A545F40BE}" type="datetime1">
               <a:rPr lang="ko-KR" altLang="en-US" smtClean="0"/>
-              <a:t>2019-05-11</a:t>
+              <a:t>2019-05-12</a:t>
             </a:fld>
             <a:endParaRPr lang="ko-KR" altLang="en-US"/>
           </a:p>
@@ -5807,7 +5807,7 @@
           <a:p>
             <a:fld id="{47FB0504-EED6-4277-A0FB-8774F035E42D}" type="datetime1">
               <a:rPr lang="ko-KR" altLang="en-US" smtClean="0"/>
-              <a:t>2019-05-11</a:t>
+              <a:t>2019-05-12</a:t>
             </a:fld>
             <a:endParaRPr lang="ko-KR" altLang="en-US"/>
           </a:p>
@@ -6383,7 +6383,7 @@
           <a:p>
             <a:fld id="{4E120477-E608-4E03-99B7-D64E1C12E98E}" type="datetime1">
               <a:rPr lang="ko-KR" altLang="en-US" smtClean="0"/>
-              <a:t>2019-05-11</a:t>
+              <a:t>2019-05-12</a:t>
             </a:fld>
             <a:endParaRPr lang="ko-KR" altLang="en-US"/>
           </a:p>
@@ -6984,7 +6984,7 @@
           <a:p>
             <a:fld id="{16361297-DE0A-42FB-A537-4E7EC73ACB5F}" type="datetime1">
               <a:rPr lang="ko-KR" altLang="en-US" smtClean="0"/>
-              <a:t>2019-05-11</a:t>
+              <a:t>2019-05-12</a:t>
             </a:fld>
             <a:endParaRPr lang="ko-KR" altLang="en-US"/>
           </a:p>
@@ -7345,7 +7345,7 @@
           <a:p>
             <a:fld id="{1E3D61BA-8358-430B-BB50-426CB24AA664}" type="datetime1">
               <a:rPr lang="ko-KR" altLang="en-US" smtClean="0"/>
-              <a:t>2019-05-11</a:t>
+              <a:t>2019-05-12</a:t>
             </a:fld>
             <a:endParaRPr lang="ko-KR" altLang="en-US"/>
           </a:p>
@@ -8272,7 +8272,7 @@
             </a:r>
             <a:r>
               <a:rPr lang="ko-KR" altLang="en-US" sz="1600" dirty="0"/>
-              <a:t>한국 산업 기술 대학교 인근의 자취방 전</a:t>
+              <a:t>한국산업기술대학교 인근의 자취방 전</a:t>
             </a:r>
             <a:r>
               <a:rPr lang="en-US" altLang="ko-KR" sz="1600" dirty="0"/>
@@ -8296,7 +8296,7 @@
           <a:p>
             <a:r>
               <a:rPr lang="ko-KR" altLang="en-US" sz="2400" b="1" dirty="0"/>
-              <a:t>주제</a:t>
+              <a:t>목적</a:t>
             </a:r>
             <a:r>
               <a:rPr lang="ko-KR" altLang="en-US" dirty="0"/>
@@ -8312,7 +8312,7 @@
             </a:r>
             <a:r>
               <a:rPr lang="ko-KR" altLang="en-US" sz="1600" dirty="0"/>
-              <a:t>한국 산업 기술 대학교 인근의 </a:t>
+              <a:t>한국산업기술대학교 인근의 </a:t>
             </a:r>
             <a:r>
               <a:rPr lang="ko-KR" altLang="en-US" sz="1600" b="1" dirty="0">
